--- a/images/PatientManager.pptx
+++ b/images/PatientManager.pptx
@@ -5,7 +5,7 @@
     <p:sldMasterId id="2147483648" r:id="rId1"/>
   </p:sldMasterIdLst>
   <p:sldIdLst>
-    <p:sldId id="256" r:id="rId2"/>
+    <p:sldId id="314" r:id="rId2"/>
   </p:sldIdLst>
   <p:sldSz cx="12192000" cy="6858000"/>
   <p:notesSz cx="6858000" cy="9144000"/>
@@ -104,6 +104,11 @@
       </a:defRPr>
     </a:lvl9pPr>
   </p:defaultTextStyle>
+  <p:extLst>
+    <p:ext uri="{EFAFB233-063F-42B5-8137-9DF3F51BA10A}">
+      <p15:sldGuideLst xmlns:p15="http://schemas.microsoft.com/office/powerpoint/2012/main"/>
+    </p:ext>
+  </p:extLst>
 </p:presentation>
 </file>
 
@@ -254,7 +259,7 @@
           <a:p>
             <a:fld id="{FEA760CA-1B1C-4623-9D67-DFE6016E9ABA}" type="datetimeFigureOut">
               <a:rPr lang="en-US" smtClean="0"/>
-              <a:t>6/18/2020</a:t>
+              <a:t>10/13/2020</a:t>
             </a:fld>
             <a:endParaRPr lang="en-US"/>
           </a:p>
@@ -452,7 +457,7 @@
           <a:p>
             <a:fld id="{FEA760CA-1B1C-4623-9D67-DFE6016E9ABA}" type="datetimeFigureOut">
               <a:rPr lang="en-US" smtClean="0"/>
-              <a:t>6/18/2020</a:t>
+              <a:t>10/13/2020</a:t>
             </a:fld>
             <a:endParaRPr lang="en-US"/>
           </a:p>
@@ -660,7 +665,7 @@
           <a:p>
             <a:fld id="{FEA760CA-1B1C-4623-9D67-DFE6016E9ABA}" type="datetimeFigureOut">
               <a:rPr lang="en-US" smtClean="0"/>
-              <a:t>6/18/2020</a:t>
+              <a:t>10/13/2020</a:t>
             </a:fld>
             <a:endParaRPr lang="en-US"/>
           </a:p>
@@ -858,7 +863,7 @@
           <a:p>
             <a:fld id="{FEA760CA-1B1C-4623-9D67-DFE6016E9ABA}" type="datetimeFigureOut">
               <a:rPr lang="en-US" smtClean="0"/>
-              <a:t>6/18/2020</a:t>
+              <a:t>10/13/2020</a:t>
             </a:fld>
             <a:endParaRPr lang="en-US"/>
           </a:p>
@@ -1133,7 +1138,7 @@
           <a:p>
             <a:fld id="{FEA760CA-1B1C-4623-9D67-DFE6016E9ABA}" type="datetimeFigureOut">
               <a:rPr lang="en-US" smtClean="0"/>
-              <a:t>6/18/2020</a:t>
+              <a:t>10/13/2020</a:t>
             </a:fld>
             <a:endParaRPr lang="en-US"/>
           </a:p>
@@ -1398,7 +1403,7 @@
           <a:p>
             <a:fld id="{FEA760CA-1B1C-4623-9D67-DFE6016E9ABA}" type="datetimeFigureOut">
               <a:rPr lang="en-US" smtClean="0"/>
-              <a:t>6/18/2020</a:t>
+              <a:t>10/13/2020</a:t>
             </a:fld>
             <a:endParaRPr lang="en-US"/>
           </a:p>
@@ -1810,7 +1815,7 @@
           <a:p>
             <a:fld id="{FEA760CA-1B1C-4623-9D67-DFE6016E9ABA}" type="datetimeFigureOut">
               <a:rPr lang="en-US" smtClean="0"/>
-              <a:t>6/18/2020</a:t>
+              <a:t>10/13/2020</a:t>
             </a:fld>
             <a:endParaRPr lang="en-US"/>
           </a:p>
@@ -1951,7 +1956,7 @@
           <a:p>
             <a:fld id="{FEA760CA-1B1C-4623-9D67-DFE6016E9ABA}" type="datetimeFigureOut">
               <a:rPr lang="en-US" smtClean="0"/>
-              <a:t>6/18/2020</a:t>
+              <a:t>10/13/2020</a:t>
             </a:fld>
             <a:endParaRPr lang="en-US"/>
           </a:p>
@@ -2064,7 +2069,7 @@
           <a:p>
             <a:fld id="{FEA760CA-1B1C-4623-9D67-DFE6016E9ABA}" type="datetimeFigureOut">
               <a:rPr lang="en-US" smtClean="0"/>
-              <a:t>6/18/2020</a:t>
+              <a:t>10/13/2020</a:t>
             </a:fld>
             <a:endParaRPr lang="en-US"/>
           </a:p>
@@ -2375,7 +2380,7 @@
           <a:p>
             <a:fld id="{FEA760CA-1B1C-4623-9D67-DFE6016E9ABA}" type="datetimeFigureOut">
               <a:rPr lang="en-US" smtClean="0"/>
-              <a:t>6/18/2020</a:t>
+              <a:t>10/13/2020</a:t>
             </a:fld>
             <a:endParaRPr lang="en-US"/>
           </a:p>
@@ -2663,7 +2668,7 @@
           <a:p>
             <a:fld id="{FEA760CA-1B1C-4623-9D67-DFE6016E9ABA}" type="datetimeFigureOut">
               <a:rPr lang="en-US" smtClean="0"/>
-              <a:t>6/18/2020</a:t>
+              <a:t>10/13/2020</a:t>
             </a:fld>
             <a:endParaRPr lang="en-US"/>
           </a:p>
@@ -2904,7 +2909,7 @@
           <a:p>
             <a:fld id="{FEA760CA-1B1C-4623-9D67-DFE6016E9ABA}" type="datetimeFigureOut">
               <a:rPr lang="en-US" smtClean="0"/>
-              <a:t>6/18/2020</a:t>
+              <a:t>10/13/2020</a:t>
             </a:fld>
             <a:endParaRPr lang="en-US"/>
           </a:p>
@@ -3321,12 +3326,435 @@
           <a:chExt cx="0" cy="0"/>
         </a:xfrm>
       </p:grpSpPr>
+      <p:sp>
+        <p:nvSpPr>
+          <p:cNvPr id="23554" name="AutoShape 18">
+            <a:extLst>
+              <a:ext uri="{FF2B5EF4-FFF2-40B4-BE49-F238E27FC236}">
+                <a16:creationId xmlns:a16="http://schemas.microsoft.com/office/drawing/2014/main" id="{D44BAE2C-BA94-4C9C-8807-06E534D6E63E}"/>
+              </a:ext>
+            </a:extLst>
+          </p:cNvPr>
+          <p:cNvSpPr>
+            <a:spLocks noChangeArrowheads="1"/>
+          </p:cNvSpPr>
+          <p:nvPr/>
+        </p:nvSpPr>
+        <p:spPr bwMode="auto">
+          <a:xfrm>
+            <a:off x="9009064" y="1862138"/>
+            <a:ext cx="896937" cy="558800"/>
+          </a:xfrm>
+          <a:prstGeom prst="roundRect">
+            <a:avLst>
+              <a:gd name="adj" fmla="val 7940"/>
+            </a:avLst>
+          </a:prstGeom>
+          <a:solidFill>
+            <a:schemeClr val="bg1">
+              <a:alpha val="74901"/>
+            </a:schemeClr>
+          </a:solidFill>
+          <a:ln w="15875">
+            <a:solidFill>
+              <a:srgbClr val="A9B9DF">
+                <a:alpha val="74901"/>
+              </a:srgbClr>
+            </a:solidFill>
+            <a:round/>
+            <a:headEnd/>
+            <a:tailEnd/>
+          </a:ln>
+        </p:spPr>
+        <p:txBody>
+          <a:bodyPr wrap="none" anchor="ctr"/>
+          <a:lstStyle>
+            <a:lvl1pPr eaLnBrk="0" hangingPunct="0">
+              <a:defRPr sz="3200">
+                <a:solidFill>
+                  <a:schemeClr val="tx1"/>
+                </a:solidFill>
+                <a:latin typeface="GE Inspira Pitch" pitchFamily="34" charset="0"/>
+                <a:ea typeface="MS PGothic" panose="020B0600070205080204" pitchFamily="34" charset="-128"/>
+              </a:defRPr>
+            </a:lvl1pPr>
+            <a:lvl2pPr marL="37931725" indent="-37474525" eaLnBrk="0" hangingPunct="0">
+              <a:defRPr sz="3200">
+                <a:solidFill>
+                  <a:schemeClr val="tx1"/>
+                </a:solidFill>
+                <a:latin typeface="GE Inspira Pitch" pitchFamily="34" charset="0"/>
+                <a:ea typeface="MS PGothic" panose="020B0600070205080204" pitchFamily="34" charset="-128"/>
+              </a:defRPr>
+            </a:lvl2pPr>
+            <a:lvl3pPr eaLnBrk="0" hangingPunct="0">
+              <a:defRPr sz="3200">
+                <a:solidFill>
+                  <a:schemeClr val="tx1"/>
+                </a:solidFill>
+                <a:latin typeface="GE Inspira Pitch" pitchFamily="34" charset="0"/>
+                <a:ea typeface="MS PGothic" panose="020B0600070205080204" pitchFamily="34" charset="-128"/>
+              </a:defRPr>
+            </a:lvl3pPr>
+            <a:lvl4pPr eaLnBrk="0" hangingPunct="0">
+              <a:defRPr sz="3200">
+                <a:solidFill>
+                  <a:schemeClr val="tx1"/>
+                </a:solidFill>
+                <a:latin typeface="GE Inspira Pitch" pitchFamily="34" charset="0"/>
+                <a:ea typeface="MS PGothic" panose="020B0600070205080204" pitchFamily="34" charset="-128"/>
+              </a:defRPr>
+            </a:lvl4pPr>
+            <a:lvl5pPr eaLnBrk="0" hangingPunct="0">
+              <a:defRPr sz="3200">
+                <a:solidFill>
+                  <a:schemeClr val="tx1"/>
+                </a:solidFill>
+                <a:latin typeface="GE Inspira Pitch" pitchFamily="34" charset="0"/>
+                <a:ea typeface="MS PGothic" panose="020B0600070205080204" pitchFamily="34" charset="-128"/>
+              </a:defRPr>
+            </a:lvl5pPr>
+            <a:lvl6pPr marL="457200" eaLnBrk="0" fontAlgn="base" hangingPunct="0">
+              <a:spcBef>
+                <a:spcPct val="0"/>
+              </a:spcBef>
+              <a:spcAft>
+                <a:spcPct val="0"/>
+              </a:spcAft>
+              <a:defRPr sz="3200">
+                <a:solidFill>
+                  <a:schemeClr val="tx1"/>
+                </a:solidFill>
+                <a:latin typeface="GE Inspira Pitch" pitchFamily="34" charset="0"/>
+                <a:ea typeface="MS PGothic" panose="020B0600070205080204" pitchFamily="34" charset="-128"/>
+              </a:defRPr>
+            </a:lvl6pPr>
+            <a:lvl7pPr marL="914400" eaLnBrk="0" fontAlgn="base" hangingPunct="0">
+              <a:spcBef>
+                <a:spcPct val="0"/>
+              </a:spcBef>
+              <a:spcAft>
+                <a:spcPct val="0"/>
+              </a:spcAft>
+              <a:defRPr sz="3200">
+                <a:solidFill>
+                  <a:schemeClr val="tx1"/>
+                </a:solidFill>
+                <a:latin typeface="GE Inspira Pitch" pitchFamily="34" charset="0"/>
+                <a:ea typeface="MS PGothic" panose="020B0600070205080204" pitchFamily="34" charset="-128"/>
+              </a:defRPr>
+            </a:lvl7pPr>
+            <a:lvl8pPr marL="1371600" eaLnBrk="0" fontAlgn="base" hangingPunct="0">
+              <a:spcBef>
+                <a:spcPct val="0"/>
+              </a:spcBef>
+              <a:spcAft>
+                <a:spcPct val="0"/>
+              </a:spcAft>
+              <a:defRPr sz="3200">
+                <a:solidFill>
+                  <a:schemeClr val="tx1"/>
+                </a:solidFill>
+                <a:latin typeface="GE Inspira Pitch" pitchFamily="34" charset="0"/>
+                <a:ea typeface="MS PGothic" panose="020B0600070205080204" pitchFamily="34" charset="-128"/>
+              </a:defRPr>
+            </a:lvl8pPr>
+            <a:lvl9pPr marL="1828800" eaLnBrk="0" fontAlgn="base" hangingPunct="0">
+              <a:spcBef>
+                <a:spcPct val="0"/>
+              </a:spcBef>
+              <a:spcAft>
+                <a:spcPct val="0"/>
+              </a:spcAft>
+              <a:defRPr sz="3200">
+                <a:solidFill>
+                  <a:schemeClr val="tx1"/>
+                </a:solidFill>
+                <a:latin typeface="GE Inspira Pitch" pitchFamily="34" charset="0"/>
+                <a:ea typeface="MS PGothic" panose="020B0600070205080204" pitchFamily="34" charset="-128"/>
+              </a:defRPr>
+            </a:lvl9pPr>
+          </a:lstStyle>
+          <a:p>
+            <a:pPr>
+              <a:lnSpc>
+                <a:spcPct val="90000"/>
+              </a:lnSpc>
+              <a:spcBef>
+                <a:spcPts val="400"/>
+              </a:spcBef>
+            </a:pPr>
+            <a:r>
+              <a:rPr lang="en-US" altLang="en-US" sz="1200">
+                <a:solidFill>
+                  <a:srgbClr val="C7D5F4"/>
+                </a:solidFill>
+              </a:rPr>
+              <a:t>PATIENT</a:t>
+            </a:r>
+          </a:p>
+          <a:p>
+            <a:pPr>
+              <a:lnSpc>
+                <a:spcPct val="90000"/>
+              </a:lnSpc>
+              <a:spcBef>
+                <a:spcPts val="400"/>
+              </a:spcBef>
+              <a:buFont typeface="Arial" panose="020B0604020202020204" pitchFamily="34" charset="0"/>
+              <a:buChar char="•"/>
+            </a:pPr>
+            <a:r>
+              <a:rPr lang="en-US" altLang="en-US" sz="800">
+                <a:solidFill>
+                  <a:srgbClr val="C7D5F4"/>
+                </a:solidFill>
+              </a:rPr>
+              <a:t> Personal </a:t>
+            </a:r>
+            <a:br>
+              <a:rPr lang="en-US" altLang="en-US" sz="800">
+                <a:solidFill>
+                  <a:srgbClr val="C7D5F4"/>
+                </a:solidFill>
+              </a:rPr>
+            </a:br>
+            <a:r>
+              <a:rPr lang="en-US" altLang="en-US" sz="800">
+                <a:solidFill>
+                  <a:srgbClr val="C7D5F4"/>
+                </a:solidFill>
+              </a:rPr>
+              <a:t>   Health Records</a:t>
+            </a:r>
+            <a:endParaRPr lang="en-US" altLang="en-US" sz="800" b="1">
+              <a:solidFill>
+                <a:srgbClr val="C7D5F4"/>
+              </a:solidFill>
+            </a:endParaRPr>
+          </a:p>
+        </p:txBody>
+      </p:sp>
+      <p:sp>
+        <p:nvSpPr>
+          <p:cNvPr id="23555" name="AutoShape 18">
+            <a:extLst>
+              <a:ext uri="{FF2B5EF4-FFF2-40B4-BE49-F238E27FC236}">
+                <a16:creationId xmlns:a16="http://schemas.microsoft.com/office/drawing/2014/main" id="{A51AC911-6E9E-4360-A3DF-764B38358005}"/>
+              </a:ext>
+            </a:extLst>
+          </p:cNvPr>
+          <p:cNvSpPr>
+            <a:spLocks noChangeArrowheads="1"/>
+          </p:cNvSpPr>
+          <p:nvPr/>
+        </p:nvSpPr>
+        <p:spPr bwMode="auto">
+          <a:xfrm>
+            <a:off x="2070100" y="1770064"/>
+            <a:ext cx="2044700" cy="644525"/>
+          </a:xfrm>
+          <a:prstGeom prst="roundRect">
+            <a:avLst>
+              <a:gd name="adj" fmla="val 7940"/>
+            </a:avLst>
+          </a:prstGeom>
+          <a:solidFill>
+            <a:schemeClr val="bg1">
+              <a:alpha val="74901"/>
+            </a:schemeClr>
+          </a:solidFill>
+          <a:ln w="15875">
+            <a:solidFill>
+              <a:srgbClr val="A9B9DF">
+                <a:alpha val="74901"/>
+              </a:srgbClr>
+            </a:solidFill>
+            <a:round/>
+            <a:headEnd/>
+            <a:tailEnd/>
+          </a:ln>
+        </p:spPr>
+        <p:txBody>
+          <a:bodyPr wrap="none" anchor="ctr"/>
+          <a:lstStyle>
+            <a:lvl1pPr eaLnBrk="0" hangingPunct="0">
+              <a:defRPr sz="3200">
+                <a:solidFill>
+                  <a:schemeClr val="tx1"/>
+                </a:solidFill>
+                <a:latin typeface="GE Inspira Pitch" pitchFamily="34" charset="0"/>
+                <a:ea typeface="MS PGothic" panose="020B0600070205080204" pitchFamily="34" charset="-128"/>
+              </a:defRPr>
+            </a:lvl1pPr>
+            <a:lvl2pPr marL="37931725" indent="-37474525" eaLnBrk="0" hangingPunct="0">
+              <a:defRPr sz="3200">
+                <a:solidFill>
+                  <a:schemeClr val="tx1"/>
+                </a:solidFill>
+                <a:latin typeface="GE Inspira Pitch" pitchFamily="34" charset="0"/>
+                <a:ea typeface="MS PGothic" panose="020B0600070205080204" pitchFamily="34" charset="-128"/>
+              </a:defRPr>
+            </a:lvl2pPr>
+            <a:lvl3pPr eaLnBrk="0" hangingPunct="0">
+              <a:defRPr sz="3200">
+                <a:solidFill>
+                  <a:schemeClr val="tx1"/>
+                </a:solidFill>
+                <a:latin typeface="GE Inspira Pitch" pitchFamily="34" charset="0"/>
+                <a:ea typeface="MS PGothic" panose="020B0600070205080204" pitchFamily="34" charset="-128"/>
+              </a:defRPr>
+            </a:lvl3pPr>
+            <a:lvl4pPr eaLnBrk="0" hangingPunct="0">
+              <a:defRPr sz="3200">
+                <a:solidFill>
+                  <a:schemeClr val="tx1"/>
+                </a:solidFill>
+                <a:latin typeface="GE Inspira Pitch" pitchFamily="34" charset="0"/>
+                <a:ea typeface="MS PGothic" panose="020B0600070205080204" pitchFamily="34" charset="-128"/>
+              </a:defRPr>
+            </a:lvl4pPr>
+            <a:lvl5pPr eaLnBrk="0" hangingPunct="0">
+              <a:defRPr sz="3200">
+                <a:solidFill>
+                  <a:schemeClr val="tx1"/>
+                </a:solidFill>
+                <a:latin typeface="GE Inspira Pitch" pitchFamily="34" charset="0"/>
+                <a:ea typeface="MS PGothic" panose="020B0600070205080204" pitchFamily="34" charset="-128"/>
+              </a:defRPr>
+            </a:lvl5pPr>
+            <a:lvl6pPr marL="457200" eaLnBrk="0" fontAlgn="base" hangingPunct="0">
+              <a:spcBef>
+                <a:spcPct val="0"/>
+              </a:spcBef>
+              <a:spcAft>
+                <a:spcPct val="0"/>
+              </a:spcAft>
+              <a:defRPr sz="3200">
+                <a:solidFill>
+                  <a:schemeClr val="tx1"/>
+                </a:solidFill>
+                <a:latin typeface="GE Inspira Pitch" pitchFamily="34" charset="0"/>
+                <a:ea typeface="MS PGothic" panose="020B0600070205080204" pitchFamily="34" charset="-128"/>
+              </a:defRPr>
+            </a:lvl6pPr>
+            <a:lvl7pPr marL="914400" eaLnBrk="0" fontAlgn="base" hangingPunct="0">
+              <a:spcBef>
+                <a:spcPct val="0"/>
+              </a:spcBef>
+              <a:spcAft>
+                <a:spcPct val="0"/>
+              </a:spcAft>
+              <a:defRPr sz="3200">
+                <a:solidFill>
+                  <a:schemeClr val="tx1"/>
+                </a:solidFill>
+                <a:latin typeface="GE Inspira Pitch" pitchFamily="34" charset="0"/>
+                <a:ea typeface="MS PGothic" panose="020B0600070205080204" pitchFamily="34" charset="-128"/>
+              </a:defRPr>
+            </a:lvl7pPr>
+            <a:lvl8pPr marL="1371600" eaLnBrk="0" fontAlgn="base" hangingPunct="0">
+              <a:spcBef>
+                <a:spcPct val="0"/>
+              </a:spcBef>
+              <a:spcAft>
+                <a:spcPct val="0"/>
+              </a:spcAft>
+              <a:defRPr sz="3200">
+                <a:solidFill>
+                  <a:schemeClr val="tx1"/>
+                </a:solidFill>
+                <a:latin typeface="GE Inspira Pitch" pitchFamily="34" charset="0"/>
+                <a:ea typeface="MS PGothic" panose="020B0600070205080204" pitchFamily="34" charset="-128"/>
+              </a:defRPr>
+            </a:lvl8pPr>
+            <a:lvl9pPr marL="1828800" eaLnBrk="0" fontAlgn="base" hangingPunct="0">
+              <a:spcBef>
+                <a:spcPct val="0"/>
+              </a:spcBef>
+              <a:spcAft>
+                <a:spcPct val="0"/>
+              </a:spcAft>
+              <a:defRPr sz="3200">
+                <a:solidFill>
+                  <a:schemeClr val="tx1"/>
+                </a:solidFill>
+                <a:latin typeface="GE Inspira Pitch" pitchFamily="34" charset="0"/>
+                <a:ea typeface="MS PGothic" panose="020B0600070205080204" pitchFamily="34" charset="-128"/>
+              </a:defRPr>
+            </a:lvl9pPr>
+          </a:lstStyle>
+          <a:p>
+            <a:pPr>
+              <a:lnSpc>
+                <a:spcPct val="90000"/>
+              </a:lnSpc>
+              <a:spcBef>
+                <a:spcPts val="400"/>
+              </a:spcBef>
+            </a:pPr>
+            <a:r>
+              <a:rPr lang="en-US" altLang="en-US" sz="1200">
+                <a:solidFill>
+                  <a:srgbClr val="4157AD"/>
+                </a:solidFill>
+              </a:rPr>
+              <a:t>PRIMARY CARE PHYSICIANS</a:t>
+            </a:r>
+          </a:p>
+          <a:p>
+            <a:pPr>
+              <a:lnSpc>
+                <a:spcPct val="90000"/>
+              </a:lnSpc>
+              <a:spcBef>
+                <a:spcPts val="400"/>
+              </a:spcBef>
+              <a:buFont typeface="Arial" panose="020B0604020202020204" pitchFamily="34" charset="0"/>
+              <a:buChar char="•"/>
+            </a:pPr>
+            <a:r>
+              <a:rPr lang="en-US" altLang="en-US" sz="800">
+                <a:solidFill>
+                  <a:srgbClr val="4157AD"/>
+                </a:solidFill>
+              </a:rPr>
+              <a:t> Practice Management</a:t>
+            </a:r>
+          </a:p>
+          <a:p>
+            <a:pPr>
+              <a:lnSpc>
+                <a:spcPct val="90000"/>
+              </a:lnSpc>
+              <a:spcBef>
+                <a:spcPts val="400"/>
+              </a:spcBef>
+              <a:buFont typeface="Arial" panose="020B0604020202020204" pitchFamily="34" charset="0"/>
+              <a:buChar char="•"/>
+            </a:pPr>
+            <a:r>
+              <a:rPr lang="en-US" altLang="en-US" sz="800">
+                <a:solidFill>
+                  <a:srgbClr val="4157AD"/>
+                </a:solidFill>
+              </a:rPr>
+              <a:t> EMR</a:t>
+            </a:r>
+            <a:endParaRPr lang="en-US" altLang="en-US" sz="800" b="1">
+              <a:solidFill>
+                <a:srgbClr val="4157AD"/>
+              </a:solidFill>
+            </a:endParaRPr>
+          </a:p>
+        </p:txBody>
+      </p:sp>
       <p:pic>
         <p:nvPicPr>
-          <p:cNvPr id="1026" name="Picture 2">
+          <p:cNvPr id="23556" name="Picture 1">
             <a:extLst>
               <a:ext uri="{FF2B5EF4-FFF2-40B4-BE49-F238E27FC236}">
-                <a16:creationId xmlns:a16="http://schemas.microsoft.com/office/drawing/2014/main" id="{BC470B7C-44F9-4700-BD78-DB6289205F77}"/>
+                <a16:creationId xmlns:a16="http://schemas.microsoft.com/office/drawing/2014/main" id="{536659E4-3A18-4B37-B500-0832C88409B6}"/>
               </a:ext>
             </a:extLst>
           </p:cNvPr>
@@ -3350,8 +3778,8 @@
         </p:blipFill>
         <p:spPr bwMode="auto">
           <a:xfrm>
-            <a:off x="4763" y="4763"/>
-            <a:ext cx="11711189" cy="6700837"/>
+            <a:off x="2697163" y="2651126"/>
+            <a:ext cx="6699250" cy="2479675"/>
           </a:xfrm>
           <a:prstGeom prst="rect">
             <a:avLst/>
@@ -3373,6 +3801,2614 @@
                 <a:solidFill>
                   <a:srgbClr val="000000"/>
                 </a:solidFill>
+                <a:round/>
+                <a:headEnd/>
+                <a:tailEnd/>
+              </a14:hiddenLine>
+            </a:ext>
+          </a:extLst>
+        </p:spPr>
+      </p:pic>
+      <p:grpSp>
+        <p:nvGrpSpPr>
+          <p:cNvPr id="23557" name="Group 2">
+            <a:extLst>
+              <a:ext uri="{FF2B5EF4-FFF2-40B4-BE49-F238E27FC236}">
+                <a16:creationId xmlns:a16="http://schemas.microsoft.com/office/drawing/2014/main" id="{119C0744-60BB-4B34-9951-674C9B056C2B}"/>
+              </a:ext>
+            </a:extLst>
+          </p:cNvPr>
+          <p:cNvGrpSpPr>
+            <a:grpSpLocks/>
+          </p:cNvGrpSpPr>
+          <p:nvPr/>
+        </p:nvGrpSpPr>
+        <p:grpSpPr bwMode="auto">
+          <a:xfrm>
+            <a:off x="8943976" y="2374900"/>
+            <a:ext cx="936625" cy="673101"/>
+            <a:chOff x="0" y="0"/>
+            <a:chExt cx="589" cy="424"/>
+          </a:xfrm>
+        </p:grpSpPr>
+        <p:pic>
+          <p:nvPicPr>
+            <p:cNvPr id="23635" name="Picture 3">
+              <a:extLst>
+                <a:ext uri="{FF2B5EF4-FFF2-40B4-BE49-F238E27FC236}">
+                  <a16:creationId xmlns:a16="http://schemas.microsoft.com/office/drawing/2014/main" id="{9E624D84-76E0-47D8-991E-B27376CED090}"/>
+                </a:ext>
+              </a:extLst>
+            </p:cNvPr>
+            <p:cNvPicPr>
+              <a:picLocks noChangeAspect="1" noChangeArrowheads="1"/>
+            </p:cNvPicPr>
+            <p:nvPr/>
+          </p:nvPicPr>
+          <p:blipFill>
+            <a:blip r:embed="rId3">
+              <a:extLst>
+                <a:ext uri="{28A0092B-C50C-407E-A947-70E740481C1C}">
+                  <a14:useLocalDpi xmlns:a14="http://schemas.microsoft.com/office/drawing/2010/main" val="0"/>
+                </a:ext>
+              </a:extLst>
+            </a:blip>
+            <a:srcRect/>
+            <a:stretch>
+              <a:fillRect/>
+            </a:stretch>
+          </p:blipFill>
+          <p:spPr bwMode="auto">
+            <a:xfrm>
+              <a:off x="0" y="184"/>
+              <a:ext cx="589" cy="240"/>
+            </a:xfrm>
+            <a:prstGeom prst="rect">
+              <a:avLst/>
+            </a:prstGeom>
+            <a:noFill/>
+            <a:ln>
+              <a:noFill/>
+            </a:ln>
+            <a:extLst>
+              <a:ext uri="{909E8E84-426E-40DD-AFC4-6F175D3DCCD1}">
+                <a14:hiddenFill xmlns:a14="http://schemas.microsoft.com/office/drawing/2010/main">
+                  <a:solidFill>
+                    <a:srgbClr val="FFFFFF"/>
+                  </a:solidFill>
+                </a14:hiddenFill>
+              </a:ext>
+              <a:ext uri="{91240B29-F687-4F45-9708-019B960494DF}">
+                <a14:hiddenLine xmlns:a14="http://schemas.microsoft.com/office/drawing/2010/main" w="9525">
+                  <a:solidFill>
+                    <a:srgbClr val="000000"/>
+                  </a:solidFill>
+                  <a:round/>
+                  <a:headEnd/>
+                  <a:tailEnd/>
+                </a14:hiddenLine>
+              </a:ext>
+            </a:extLst>
+          </p:spPr>
+        </p:pic>
+        <p:pic>
+          <p:nvPicPr>
+            <p:cNvPr id="23636" name="Picture 4">
+              <a:extLst>
+                <a:ext uri="{FF2B5EF4-FFF2-40B4-BE49-F238E27FC236}">
+                  <a16:creationId xmlns:a16="http://schemas.microsoft.com/office/drawing/2014/main" id="{BEC7E288-528E-4319-B351-A1EC9329A8CC}"/>
+                </a:ext>
+              </a:extLst>
+            </p:cNvPr>
+            <p:cNvPicPr>
+              <a:picLocks noChangeAspect="1" noChangeArrowheads="1"/>
+            </p:cNvPicPr>
+            <p:nvPr/>
+          </p:nvPicPr>
+          <p:blipFill>
+            <a:blip r:embed="rId4">
+              <a:extLst>
+                <a:ext uri="{28A0092B-C50C-407E-A947-70E740481C1C}">
+                  <a14:useLocalDpi xmlns:a14="http://schemas.microsoft.com/office/drawing/2010/main" val="0"/>
+                </a:ext>
+              </a:extLst>
+            </a:blip>
+            <a:srcRect/>
+            <a:stretch>
+              <a:fillRect/>
+            </a:stretch>
+          </p:blipFill>
+          <p:spPr bwMode="auto">
+            <a:xfrm>
+              <a:off x="93" y="0"/>
+              <a:ext cx="360" cy="379"/>
+            </a:xfrm>
+            <a:prstGeom prst="rect">
+              <a:avLst/>
+            </a:prstGeom>
+            <a:noFill/>
+            <a:ln>
+              <a:noFill/>
+            </a:ln>
+            <a:extLst>
+              <a:ext uri="{909E8E84-426E-40DD-AFC4-6F175D3DCCD1}">
+                <a14:hiddenFill xmlns:a14="http://schemas.microsoft.com/office/drawing/2010/main">
+                  <a:solidFill>
+                    <a:srgbClr val="FFFFFF"/>
+                  </a:solidFill>
+                </a14:hiddenFill>
+              </a:ext>
+              <a:ext uri="{91240B29-F687-4F45-9708-019B960494DF}">
+                <a14:hiddenLine xmlns:a14="http://schemas.microsoft.com/office/drawing/2010/main" w="9525">
+                  <a:solidFill>
+                    <a:srgbClr val="000000"/>
+                  </a:solidFill>
+                  <a:round/>
+                  <a:headEnd/>
+                  <a:tailEnd/>
+                </a14:hiddenLine>
+              </a:ext>
+            </a:extLst>
+          </p:spPr>
+        </p:pic>
+      </p:grpSp>
+      <p:pic>
+        <p:nvPicPr>
+          <p:cNvPr id="5125" name="Picture 5">
+            <a:extLst>
+              <a:ext uri="{FF2B5EF4-FFF2-40B4-BE49-F238E27FC236}">
+                <a16:creationId xmlns:a16="http://schemas.microsoft.com/office/drawing/2014/main" id="{95036900-5512-483B-8166-D2792C1E00BF}"/>
+              </a:ext>
+            </a:extLst>
+          </p:cNvPr>
+          <p:cNvPicPr>
+            <a:picLocks noChangeAspect="1" noChangeArrowheads="1"/>
+          </p:cNvPicPr>
+          <p:nvPr/>
+        </p:nvPicPr>
+        <p:blipFill>
+          <a:blip r:embed="rId5">
+            <a:extLst>
+              <a:ext uri="{28A0092B-C50C-407E-A947-70E740481C1C}">
+                <a14:useLocalDpi xmlns:a14="http://schemas.microsoft.com/office/drawing/2010/main" val="0"/>
+              </a:ext>
+            </a:extLst>
+          </a:blip>
+          <a:srcRect/>
+          <a:stretch>
+            <a:fillRect/>
+          </a:stretch>
+        </p:blipFill>
+        <p:spPr bwMode="auto">
+          <a:xfrm>
+            <a:off x="5181600" y="2984500"/>
+            <a:ext cx="850900" cy="2211388"/>
+          </a:xfrm>
+          <a:prstGeom prst="rect">
+            <a:avLst/>
+          </a:prstGeom>
+          <a:noFill/>
+          <a:ln>
+            <a:noFill/>
+          </a:ln>
+          <a:extLst>
+            <a:ext uri="{909E8E84-426E-40DD-AFC4-6F175D3DCCD1}">
+              <a14:hiddenFill xmlns:a14="http://schemas.microsoft.com/office/drawing/2010/main">
+                <a:solidFill>
+                  <a:srgbClr val="FFFFFF"/>
+                </a:solidFill>
+              </a14:hiddenFill>
+            </a:ext>
+            <a:ext uri="{91240B29-F687-4F45-9708-019B960494DF}">
+              <a14:hiddenLine xmlns:a14="http://schemas.microsoft.com/office/drawing/2010/main" w="9525">
+                <a:solidFill>
+                  <a:srgbClr val="000000"/>
+                </a:solidFill>
+                <a:round/>
+                <a:headEnd/>
+                <a:tailEnd/>
+              </a14:hiddenLine>
+            </a:ext>
+          </a:extLst>
+        </p:spPr>
+      </p:pic>
+      <p:pic>
+        <p:nvPicPr>
+          <p:cNvPr id="5126" name="Picture 6">
+            <a:extLst>
+              <a:ext uri="{FF2B5EF4-FFF2-40B4-BE49-F238E27FC236}">
+                <a16:creationId xmlns:a16="http://schemas.microsoft.com/office/drawing/2014/main" id="{B836AB6F-0969-4BF7-9C3D-AEC1C55CDBF5}"/>
+              </a:ext>
+            </a:extLst>
+          </p:cNvPr>
+          <p:cNvPicPr>
+            <a:picLocks noChangeAspect="1" noChangeArrowheads="1"/>
+          </p:cNvPicPr>
+          <p:nvPr/>
+        </p:nvPicPr>
+        <p:blipFill>
+          <a:blip r:embed="rId6">
+            <a:extLst>
+              <a:ext uri="{28A0092B-C50C-407E-A947-70E740481C1C}">
+                <a14:useLocalDpi xmlns:a14="http://schemas.microsoft.com/office/drawing/2010/main" val="0"/>
+              </a:ext>
+            </a:extLst>
+          </a:blip>
+          <a:srcRect/>
+          <a:stretch>
+            <a:fillRect/>
+          </a:stretch>
+        </p:blipFill>
+        <p:spPr bwMode="auto">
+          <a:xfrm>
+            <a:off x="2743200" y="2738438"/>
+            <a:ext cx="2095500" cy="309562"/>
+          </a:xfrm>
+          <a:prstGeom prst="rect">
+            <a:avLst/>
+          </a:prstGeom>
+          <a:noFill/>
+          <a:ln>
+            <a:noFill/>
+          </a:ln>
+          <a:extLst>
+            <a:ext uri="{909E8E84-426E-40DD-AFC4-6F175D3DCCD1}">
+              <a14:hiddenFill xmlns:a14="http://schemas.microsoft.com/office/drawing/2010/main">
+                <a:solidFill>
+                  <a:srgbClr val="FFFFFF"/>
+                </a:solidFill>
+              </a14:hiddenFill>
+            </a:ext>
+            <a:ext uri="{91240B29-F687-4F45-9708-019B960494DF}">
+              <a14:hiddenLine xmlns:a14="http://schemas.microsoft.com/office/drawing/2010/main" w="9525">
+                <a:solidFill>
+                  <a:srgbClr val="000000"/>
+                </a:solidFill>
+                <a:round/>
+                <a:headEnd/>
+                <a:tailEnd/>
+              </a14:hiddenLine>
+            </a:ext>
+          </a:extLst>
+        </p:spPr>
+      </p:pic>
+      <p:pic>
+        <p:nvPicPr>
+          <p:cNvPr id="5127" name="Picture 7">
+            <a:extLst>
+              <a:ext uri="{FF2B5EF4-FFF2-40B4-BE49-F238E27FC236}">
+                <a16:creationId xmlns:a16="http://schemas.microsoft.com/office/drawing/2014/main" id="{F6B6FB4D-8A85-4D04-9E7F-AE1C02C01C9B}"/>
+              </a:ext>
+            </a:extLst>
+          </p:cNvPr>
+          <p:cNvPicPr>
+            <a:picLocks noChangeAspect="1" noChangeArrowheads="1"/>
+          </p:cNvPicPr>
+          <p:nvPr/>
+        </p:nvPicPr>
+        <p:blipFill>
+          <a:blip r:embed="rId7">
+            <a:extLst>
+              <a:ext uri="{28A0092B-C50C-407E-A947-70E740481C1C}">
+                <a14:useLocalDpi xmlns:a14="http://schemas.microsoft.com/office/drawing/2010/main" val="0"/>
+              </a:ext>
+            </a:extLst>
+          </a:blip>
+          <a:srcRect/>
+          <a:stretch>
+            <a:fillRect/>
+          </a:stretch>
+        </p:blipFill>
+        <p:spPr bwMode="auto">
+          <a:xfrm>
+            <a:off x="6702426" y="2984500"/>
+            <a:ext cx="2289175" cy="1828800"/>
+          </a:xfrm>
+          <a:prstGeom prst="rect">
+            <a:avLst/>
+          </a:prstGeom>
+          <a:noFill/>
+          <a:ln>
+            <a:noFill/>
+          </a:ln>
+          <a:extLst>
+            <a:ext uri="{909E8E84-426E-40DD-AFC4-6F175D3DCCD1}">
+              <a14:hiddenFill xmlns:a14="http://schemas.microsoft.com/office/drawing/2010/main">
+                <a:solidFill>
+                  <a:srgbClr val="FFFFFF"/>
+                </a:solidFill>
+              </a14:hiddenFill>
+            </a:ext>
+            <a:ext uri="{91240B29-F687-4F45-9708-019B960494DF}">
+              <a14:hiddenLine xmlns:a14="http://schemas.microsoft.com/office/drawing/2010/main" w="9525">
+                <a:solidFill>
+                  <a:srgbClr val="000000"/>
+                </a:solidFill>
+                <a:round/>
+                <a:headEnd/>
+                <a:tailEnd/>
+              </a14:hiddenLine>
+            </a:ext>
+          </a:extLst>
+        </p:spPr>
+      </p:pic>
+      <p:graphicFrame>
+        <p:nvGraphicFramePr>
+          <p:cNvPr id="5131" name="Group 11">
+            <a:extLst>
+              <a:ext uri="{FF2B5EF4-FFF2-40B4-BE49-F238E27FC236}">
+                <a16:creationId xmlns:a16="http://schemas.microsoft.com/office/drawing/2014/main" id="{D8F64166-8AC3-4C56-8336-9F26F9BAC7F6}"/>
+              </a:ext>
+            </a:extLst>
+          </p:cNvPr>
+          <p:cNvGraphicFramePr>
+            <a:graphicFrameLocks noGrp="1"/>
+          </p:cNvGraphicFramePr>
+          <p:nvPr/>
+        </p:nvGraphicFramePr>
+        <p:xfrm>
+          <a:off x="2414588" y="890589"/>
+          <a:ext cx="1219200" cy="485775"/>
+        </p:xfrm>
+        <a:graphic>
+          <a:graphicData uri="http://schemas.openxmlformats.org/drawingml/2006/table">
+            <a:tbl>
+              <a:tblPr/>
+              <a:tblGrid>
+                <a:gridCol w="1219200">
+                  <a:extLst>
+                    <a:ext uri="{9D8B030D-6E8A-4147-A177-3AD203B41FA5}">
+                      <a16:colId xmlns:a16="http://schemas.microsoft.com/office/drawing/2014/main" val="20000"/>
+                    </a:ext>
+                  </a:extLst>
+                </a:gridCol>
+              </a:tblGrid>
+              <a:tr h="485775">
+                <a:tc>
+                  <a:txBody>
+                    <a:bodyPr/>
+                    <a:lstStyle/>
+                    <a:p>
+                      <a:pPr marL="39688" marR="0" lvl="0" indent="0" algn="l" defTabSz="914400" rtl="0" eaLnBrk="1" fontAlgn="base" latinLnBrk="0" hangingPunct="1">
+                        <a:lnSpc>
+                          <a:spcPct val="90000"/>
+                        </a:lnSpc>
+                        <a:spcBef>
+                          <a:spcPct val="0"/>
+                        </a:spcBef>
+                        <a:spcAft>
+                          <a:spcPct val="0"/>
+                        </a:spcAft>
+                        <a:buClrTx/>
+                        <a:buSzTx/>
+                        <a:buFontTx/>
+                        <a:buNone/>
+                        <a:tabLst>
+                          <a:tab pos="914400" algn="l"/>
+                        </a:tabLst>
+                      </a:pPr>
+                      <a:endParaRPr kumimoji="0" lang="en-US" sz="2800" b="0" i="0" u="none" strike="noStrike" cap="none" normalizeH="0" baseline="0">
+                        <a:ln>
+                          <a:noFill/>
+                        </a:ln>
+                        <a:solidFill>
+                          <a:schemeClr val="tx1"/>
+                        </a:solidFill>
+                        <a:effectLst/>
+                        <a:latin typeface="Lucida Grande" charset="0"/>
+                        <a:ea typeface="ヒラギノ角ゴ ProN W3" charset="-128"/>
+                        <a:cs typeface="ヒラギノ角ゴ ProN W3" charset="-128"/>
+                        <a:sym typeface="Lucida Grande" charset="0"/>
+                      </a:endParaRPr>
+                    </a:p>
+                  </a:txBody>
+                  <a:tcPr marL="50800" marR="50800" marT="50813" marB="50813" horzOverflow="overflow">
+                    <a:lnL cap="flat">
+                      <a:noFill/>
+                    </a:lnL>
+                    <a:lnR cap="flat">
+                      <a:noFill/>
+                    </a:lnR>
+                    <a:lnT cap="flat">
+                      <a:noFill/>
+                    </a:lnT>
+                    <a:lnB cap="flat">
+                      <a:noFill/>
+                    </a:lnB>
+                    <a:lnTlToBr>
+                      <a:noFill/>
+                    </a:lnTlToBr>
+                    <a:lnBlToTr>
+                      <a:noFill/>
+                    </a:lnBlToTr>
+                    <a:noFill/>
+                  </a:tcPr>
+                </a:tc>
+                <a:extLst>
+                  <a:ext uri="{0D108BD9-81ED-4DB2-BD59-A6C34878D82A}">
+                    <a16:rowId xmlns:a16="http://schemas.microsoft.com/office/drawing/2014/main" val="10000"/>
+                  </a:ext>
+                </a:extLst>
+              </a:tr>
+            </a:tbl>
+          </a:graphicData>
+        </a:graphic>
+      </p:graphicFrame>
+      <p:grpSp>
+        <p:nvGrpSpPr>
+          <p:cNvPr id="23565" name="Group 20">
+            <a:extLst>
+              <a:ext uri="{FF2B5EF4-FFF2-40B4-BE49-F238E27FC236}">
+                <a16:creationId xmlns:a16="http://schemas.microsoft.com/office/drawing/2014/main" id="{03B14980-4867-4CE1-B426-C2988A2EA1D4}"/>
+              </a:ext>
+            </a:extLst>
+          </p:cNvPr>
+          <p:cNvGrpSpPr>
+            <a:grpSpLocks/>
+          </p:cNvGrpSpPr>
+          <p:nvPr/>
+        </p:nvGrpSpPr>
+        <p:grpSpPr bwMode="auto">
+          <a:xfrm>
+            <a:off x="7678738" y="4122738"/>
+            <a:ext cx="1420811" cy="1039812"/>
+            <a:chOff x="0" y="0"/>
+            <a:chExt cx="894" cy="654"/>
+          </a:xfrm>
+        </p:grpSpPr>
+        <p:pic>
+          <p:nvPicPr>
+            <p:cNvPr id="23633" name="Picture 21">
+              <a:extLst>
+                <a:ext uri="{FF2B5EF4-FFF2-40B4-BE49-F238E27FC236}">
+                  <a16:creationId xmlns:a16="http://schemas.microsoft.com/office/drawing/2014/main" id="{F335CDB4-3958-4DE7-8F50-D719F8204C0A}"/>
+                </a:ext>
+              </a:extLst>
+            </p:cNvPr>
+            <p:cNvPicPr>
+              <a:picLocks noChangeAspect="1" noChangeArrowheads="1"/>
+            </p:cNvPicPr>
+            <p:nvPr/>
+          </p:nvPicPr>
+          <p:blipFill>
+            <a:blip r:embed="rId8">
+              <a:extLst>
+                <a:ext uri="{28A0092B-C50C-407E-A947-70E740481C1C}">
+                  <a14:useLocalDpi xmlns:a14="http://schemas.microsoft.com/office/drawing/2010/main" val="0"/>
+                </a:ext>
+              </a:extLst>
+            </a:blip>
+            <a:srcRect/>
+            <a:stretch>
+              <a:fillRect/>
+            </a:stretch>
+          </p:blipFill>
+          <p:spPr bwMode="auto">
+            <a:xfrm>
+              <a:off x="0" y="213"/>
+              <a:ext cx="894" cy="441"/>
+            </a:xfrm>
+            <a:prstGeom prst="rect">
+              <a:avLst/>
+            </a:prstGeom>
+            <a:noFill/>
+            <a:ln>
+              <a:noFill/>
+            </a:ln>
+            <a:extLst>
+              <a:ext uri="{909E8E84-426E-40DD-AFC4-6F175D3DCCD1}">
+                <a14:hiddenFill xmlns:a14="http://schemas.microsoft.com/office/drawing/2010/main">
+                  <a:solidFill>
+                    <a:srgbClr val="FFFFFF"/>
+                  </a:solidFill>
+                </a14:hiddenFill>
+              </a:ext>
+              <a:ext uri="{91240B29-F687-4F45-9708-019B960494DF}">
+                <a14:hiddenLine xmlns:a14="http://schemas.microsoft.com/office/drawing/2010/main" w="9525">
+                  <a:solidFill>
+                    <a:srgbClr val="000000"/>
+                  </a:solidFill>
+                  <a:round/>
+                  <a:headEnd/>
+                  <a:tailEnd/>
+                </a14:hiddenLine>
+              </a:ext>
+            </a:extLst>
+          </p:spPr>
+        </p:pic>
+        <p:pic>
+          <p:nvPicPr>
+            <p:cNvPr id="23634" name="Picture 22">
+              <a:extLst>
+                <a:ext uri="{FF2B5EF4-FFF2-40B4-BE49-F238E27FC236}">
+                  <a16:creationId xmlns:a16="http://schemas.microsoft.com/office/drawing/2014/main" id="{09F55313-40EC-4EF5-BB89-825DDD868D12}"/>
+                </a:ext>
+              </a:extLst>
+            </p:cNvPr>
+            <p:cNvPicPr>
+              <a:picLocks noChangeAspect="1" noChangeArrowheads="1"/>
+            </p:cNvPicPr>
+            <p:nvPr/>
+          </p:nvPicPr>
+          <p:blipFill>
+            <a:blip r:embed="rId9">
+              <a:extLst>
+                <a:ext uri="{28A0092B-C50C-407E-A947-70E740481C1C}">
+                  <a14:useLocalDpi xmlns:a14="http://schemas.microsoft.com/office/drawing/2010/main" val="0"/>
+                </a:ext>
+              </a:extLst>
+            </a:blip>
+            <a:srcRect/>
+            <a:stretch>
+              <a:fillRect/>
+            </a:stretch>
+          </p:blipFill>
+          <p:spPr bwMode="auto">
+            <a:xfrm>
+              <a:off x="84" y="0"/>
+              <a:ext cx="732" cy="460"/>
+            </a:xfrm>
+            <a:prstGeom prst="rect">
+              <a:avLst/>
+            </a:prstGeom>
+            <a:noFill/>
+            <a:ln>
+              <a:noFill/>
+            </a:ln>
+            <a:extLst>
+              <a:ext uri="{909E8E84-426E-40DD-AFC4-6F175D3DCCD1}">
+                <a14:hiddenFill xmlns:a14="http://schemas.microsoft.com/office/drawing/2010/main">
+                  <a:solidFill>
+                    <a:srgbClr val="FFFFFF"/>
+                  </a:solidFill>
+                </a14:hiddenFill>
+              </a:ext>
+              <a:ext uri="{91240B29-F687-4F45-9708-019B960494DF}">
+                <a14:hiddenLine xmlns:a14="http://schemas.microsoft.com/office/drawing/2010/main" w="9525">
+                  <a:solidFill>
+                    <a:srgbClr val="000000"/>
+                  </a:solidFill>
+                  <a:round/>
+                  <a:headEnd/>
+                  <a:tailEnd/>
+                </a14:hiddenLine>
+              </a:ext>
+            </a:extLst>
+          </p:spPr>
+        </p:pic>
+      </p:grpSp>
+      <p:grpSp>
+        <p:nvGrpSpPr>
+          <p:cNvPr id="23566" name="Group 23">
+            <a:extLst>
+              <a:ext uri="{FF2B5EF4-FFF2-40B4-BE49-F238E27FC236}">
+                <a16:creationId xmlns:a16="http://schemas.microsoft.com/office/drawing/2014/main" id="{DCF5BBB2-A582-4331-A369-64CE6773B620}"/>
+              </a:ext>
+            </a:extLst>
+          </p:cNvPr>
+          <p:cNvGrpSpPr>
+            <a:grpSpLocks/>
+          </p:cNvGrpSpPr>
+          <p:nvPr/>
+        </p:nvGrpSpPr>
+        <p:grpSpPr bwMode="auto">
+          <a:xfrm>
+            <a:off x="4437063" y="4462464"/>
+            <a:ext cx="1460501" cy="1214437"/>
+            <a:chOff x="0" y="0"/>
+            <a:chExt cx="920" cy="764"/>
+          </a:xfrm>
+        </p:grpSpPr>
+        <p:pic>
+          <p:nvPicPr>
+            <p:cNvPr id="23631" name="Picture 24">
+              <a:extLst>
+                <a:ext uri="{FF2B5EF4-FFF2-40B4-BE49-F238E27FC236}">
+                  <a16:creationId xmlns:a16="http://schemas.microsoft.com/office/drawing/2014/main" id="{E18C9EB8-AC9B-45C5-A64D-D3C1218842D7}"/>
+                </a:ext>
+              </a:extLst>
+            </p:cNvPr>
+            <p:cNvPicPr>
+              <a:picLocks noChangeAspect="1" noChangeArrowheads="1"/>
+            </p:cNvPicPr>
+            <p:nvPr/>
+          </p:nvPicPr>
+          <p:blipFill>
+            <a:blip r:embed="rId10">
+              <a:extLst>
+                <a:ext uri="{28A0092B-C50C-407E-A947-70E740481C1C}">
+                  <a14:useLocalDpi xmlns:a14="http://schemas.microsoft.com/office/drawing/2010/main" val="0"/>
+                </a:ext>
+              </a:extLst>
+            </a:blip>
+            <a:srcRect/>
+            <a:stretch>
+              <a:fillRect/>
+            </a:stretch>
+          </p:blipFill>
+          <p:spPr bwMode="auto">
+            <a:xfrm>
+              <a:off x="0" y="213"/>
+              <a:ext cx="920" cy="551"/>
+            </a:xfrm>
+            <a:prstGeom prst="rect">
+              <a:avLst/>
+            </a:prstGeom>
+            <a:noFill/>
+            <a:ln>
+              <a:noFill/>
+            </a:ln>
+            <a:extLst>
+              <a:ext uri="{909E8E84-426E-40DD-AFC4-6F175D3DCCD1}">
+                <a14:hiddenFill xmlns:a14="http://schemas.microsoft.com/office/drawing/2010/main">
+                  <a:solidFill>
+                    <a:srgbClr val="FFFFFF"/>
+                  </a:solidFill>
+                </a14:hiddenFill>
+              </a:ext>
+              <a:ext uri="{91240B29-F687-4F45-9708-019B960494DF}">
+                <a14:hiddenLine xmlns:a14="http://schemas.microsoft.com/office/drawing/2010/main" w="9525">
+                  <a:solidFill>
+                    <a:srgbClr val="000000"/>
+                  </a:solidFill>
+                  <a:round/>
+                  <a:headEnd/>
+                  <a:tailEnd/>
+                </a14:hiddenLine>
+              </a:ext>
+            </a:extLst>
+          </p:spPr>
+        </p:pic>
+        <p:pic>
+          <p:nvPicPr>
+            <p:cNvPr id="23632" name="Picture 25">
+              <a:extLst>
+                <a:ext uri="{FF2B5EF4-FFF2-40B4-BE49-F238E27FC236}">
+                  <a16:creationId xmlns:a16="http://schemas.microsoft.com/office/drawing/2014/main" id="{624A33AC-1900-48CE-A15A-E6C98AA8EAA9}"/>
+                </a:ext>
+              </a:extLst>
+            </p:cNvPr>
+            <p:cNvPicPr>
+              <a:picLocks noChangeAspect="1" noChangeArrowheads="1"/>
+            </p:cNvPicPr>
+            <p:nvPr/>
+          </p:nvPicPr>
+          <p:blipFill>
+            <a:blip r:embed="rId11">
+              <a:extLst>
+                <a:ext uri="{28A0092B-C50C-407E-A947-70E740481C1C}">
+                  <a14:useLocalDpi xmlns:a14="http://schemas.microsoft.com/office/drawing/2010/main" val="0"/>
+                </a:ext>
+              </a:extLst>
+            </a:blip>
+            <a:srcRect/>
+            <a:stretch>
+              <a:fillRect/>
+            </a:stretch>
+          </p:blipFill>
+          <p:spPr bwMode="auto">
+            <a:xfrm>
+              <a:off x="162" y="0"/>
+              <a:ext cx="557" cy="648"/>
+            </a:xfrm>
+            <a:prstGeom prst="rect">
+              <a:avLst/>
+            </a:prstGeom>
+            <a:noFill/>
+            <a:ln>
+              <a:noFill/>
+            </a:ln>
+            <a:extLst>
+              <a:ext uri="{909E8E84-426E-40DD-AFC4-6F175D3DCCD1}">
+                <a14:hiddenFill xmlns:a14="http://schemas.microsoft.com/office/drawing/2010/main">
+                  <a:solidFill>
+                    <a:srgbClr val="FFFFFF"/>
+                  </a:solidFill>
+                </a14:hiddenFill>
+              </a:ext>
+              <a:ext uri="{91240B29-F687-4F45-9708-019B960494DF}">
+                <a14:hiddenLine xmlns:a14="http://schemas.microsoft.com/office/drawing/2010/main" w="9525">
+                  <a:solidFill>
+                    <a:srgbClr val="000000"/>
+                  </a:solidFill>
+                  <a:round/>
+                  <a:headEnd/>
+                  <a:tailEnd/>
+                </a14:hiddenLine>
+              </a:ext>
+            </a:extLst>
+          </p:spPr>
+        </p:pic>
+      </p:grpSp>
+      <p:grpSp>
+        <p:nvGrpSpPr>
+          <p:cNvPr id="23567" name="Group 26">
+            <a:extLst>
+              <a:ext uri="{FF2B5EF4-FFF2-40B4-BE49-F238E27FC236}">
+                <a16:creationId xmlns:a16="http://schemas.microsoft.com/office/drawing/2014/main" id="{B1BE6897-D5B3-4954-ACB5-52B4620CFDA5}"/>
+              </a:ext>
+            </a:extLst>
+          </p:cNvPr>
+          <p:cNvGrpSpPr>
+            <a:grpSpLocks/>
+          </p:cNvGrpSpPr>
+          <p:nvPr/>
+        </p:nvGrpSpPr>
+        <p:grpSpPr bwMode="auto">
+          <a:xfrm>
+            <a:off x="2233614" y="2286000"/>
+            <a:ext cx="936625" cy="762000"/>
+            <a:chOff x="0" y="0"/>
+            <a:chExt cx="589" cy="479"/>
+          </a:xfrm>
+        </p:grpSpPr>
+        <p:pic>
+          <p:nvPicPr>
+            <p:cNvPr id="23629" name="Picture 27">
+              <a:extLst>
+                <a:ext uri="{FF2B5EF4-FFF2-40B4-BE49-F238E27FC236}">
+                  <a16:creationId xmlns:a16="http://schemas.microsoft.com/office/drawing/2014/main" id="{0F535BD2-1503-4421-80E2-E3117D5272F1}"/>
+                </a:ext>
+              </a:extLst>
+            </p:cNvPr>
+            <p:cNvPicPr>
+              <a:picLocks noChangeAspect="1" noChangeArrowheads="1"/>
+            </p:cNvPicPr>
+            <p:nvPr/>
+          </p:nvPicPr>
+          <p:blipFill>
+            <a:blip r:embed="rId12">
+              <a:extLst>
+                <a:ext uri="{28A0092B-C50C-407E-A947-70E740481C1C}">
+                  <a14:useLocalDpi xmlns:a14="http://schemas.microsoft.com/office/drawing/2010/main" val="0"/>
+                </a:ext>
+              </a:extLst>
+            </a:blip>
+            <a:srcRect/>
+            <a:stretch>
+              <a:fillRect/>
+            </a:stretch>
+          </p:blipFill>
+          <p:spPr bwMode="auto">
+            <a:xfrm>
+              <a:off x="0" y="239"/>
+              <a:ext cx="589" cy="240"/>
+            </a:xfrm>
+            <a:prstGeom prst="rect">
+              <a:avLst/>
+            </a:prstGeom>
+            <a:noFill/>
+            <a:ln>
+              <a:noFill/>
+            </a:ln>
+            <a:extLst>
+              <a:ext uri="{909E8E84-426E-40DD-AFC4-6F175D3DCCD1}">
+                <a14:hiddenFill xmlns:a14="http://schemas.microsoft.com/office/drawing/2010/main">
+                  <a:solidFill>
+                    <a:srgbClr val="FFFFFF"/>
+                  </a:solidFill>
+                </a14:hiddenFill>
+              </a:ext>
+              <a:ext uri="{91240B29-F687-4F45-9708-019B960494DF}">
+                <a14:hiddenLine xmlns:a14="http://schemas.microsoft.com/office/drawing/2010/main" w="9525">
+                  <a:solidFill>
+                    <a:srgbClr val="000000"/>
+                  </a:solidFill>
+                  <a:round/>
+                  <a:headEnd/>
+                  <a:tailEnd/>
+                </a14:hiddenLine>
+              </a:ext>
+            </a:extLst>
+          </p:spPr>
+        </p:pic>
+        <p:pic>
+          <p:nvPicPr>
+            <p:cNvPr id="23630" name="Picture 28">
+              <a:extLst>
+                <a:ext uri="{FF2B5EF4-FFF2-40B4-BE49-F238E27FC236}">
+                  <a16:creationId xmlns:a16="http://schemas.microsoft.com/office/drawing/2014/main" id="{FE115C8D-C2C0-4B62-8E3B-166A79C7EBEE}"/>
+                </a:ext>
+              </a:extLst>
+            </p:cNvPr>
+            <p:cNvPicPr>
+              <a:picLocks noChangeAspect="1" noChangeArrowheads="1"/>
+            </p:cNvPicPr>
+            <p:nvPr/>
+          </p:nvPicPr>
+          <p:blipFill>
+            <a:blip r:embed="rId13">
+              <a:extLst>
+                <a:ext uri="{28A0092B-C50C-407E-A947-70E740481C1C}">
+                  <a14:useLocalDpi xmlns:a14="http://schemas.microsoft.com/office/drawing/2010/main" val="0"/>
+                </a:ext>
+              </a:extLst>
+            </a:blip>
+            <a:srcRect/>
+            <a:stretch>
+              <a:fillRect/>
+            </a:stretch>
+          </p:blipFill>
+          <p:spPr bwMode="auto">
+            <a:xfrm>
+              <a:off x="168" y="0"/>
+              <a:ext cx="344" cy="408"/>
+            </a:xfrm>
+            <a:prstGeom prst="rect">
+              <a:avLst/>
+            </a:prstGeom>
+            <a:noFill/>
+            <a:ln>
+              <a:noFill/>
+            </a:ln>
+            <a:extLst>
+              <a:ext uri="{909E8E84-426E-40DD-AFC4-6F175D3DCCD1}">
+                <a14:hiddenFill xmlns:a14="http://schemas.microsoft.com/office/drawing/2010/main">
+                  <a:solidFill>
+                    <a:srgbClr val="FFFFFF"/>
+                  </a:solidFill>
+                </a14:hiddenFill>
+              </a:ext>
+              <a:ext uri="{91240B29-F687-4F45-9708-019B960494DF}">
+                <a14:hiddenLine xmlns:a14="http://schemas.microsoft.com/office/drawing/2010/main" w="9525">
+                  <a:solidFill>
+                    <a:srgbClr val="000000"/>
+                  </a:solidFill>
+                  <a:round/>
+                  <a:headEnd/>
+                  <a:tailEnd/>
+                </a14:hiddenLine>
+              </a:ext>
+            </a:extLst>
+          </p:spPr>
+        </p:pic>
+      </p:grpSp>
+      <p:grpSp>
+        <p:nvGrpSpPr>
+          <p:cNvPr id="23568" name="Group 29">
+            <a:extLst>
+              <a:ext uri="{FF2B5EF4-FFF2-40B4-BE49-F238E27FC236}">
+                <a16:creationId xmlns:a16="http://schemas.microsoft.com/office/drawing/2014/main" id="{D0BF361A-A154-44E0-B063-8ACFB9AE7A47}"/>
+              </a:ext>
+            </a:extLst>
+          </p:cNvPr>
+          <p:cNvGrpSpPr>
+            <a:grpSpLocks/>
+          </p:cNvGrpSpPr>
+          <p:nvPr/>
+        </p:nvGrpSpPr>
+        <p:grpSpPr bwMode="auto">
+          <a:xfrm>
+            <a:off x="4025900" y="2501901"/>
+            <a:ext cx="4140200" cy="1235076"/>
+            <a:chOff x="0" y="0"/>
+            <a:chExt cx="2608" cy="778"/>
+          </a:xfrm>
+        </p:grpSpPr>
+        <p:pic>
+          <p:nvPicPr>
+            <p:cNvPr id="23619" name="Picture 30">
+              <a:extLst>
+                <a:ext uri="{FF2B5EF4-FFF2-40B4-BE49-F238E27FC236}">
+                  <a16:creationId xmlns:a16="http://schemas.microsoft.com/office/drawing/2014/main" id="{EBD19B6D-D1C0-4A15-B0C1-1AFBC654CAE4}"/>
+                </a:ext>
+              </a:extLst>
+            </p:cNvPr>
+            <p:cNvPicPr>
+              <a:picLocks noChangeAspect="1" noChangeArrowheads="1"/>
+            </p:cNvPicPr>
+            <p:nvPr/>
+          </p:nvPicPr>
+          <p:blipFill>
+            <a:blip r:embed="rId14">
+              <a:extLst>
+                <a:ext uri="{28A0092B-C50C-407E-A947-70E740481C1C}">
+                  <a14:useLocalDpi xmlns:a14="http://schemas.microsoft.com/office/drawing/2010/main" val="0"/>
+                </a:ext>
+              </a:extLst>
+            </a:blip>
+            <a:srcRect/>
+            <a:stretch>
+              <a:fillRect/>
+            </a:stretch>
+          </p:blipFill>
+          <p:spPr bwMode="auto">
+            <a:xfrm>
+              <a:off x="0" y="0"/>
+              <a:ext cx="152" cy="182"/>
+            </a:xfrm>
+            <a:prstGeom prst="rect">
+              <a:avLst/>
+            </a:prstGeom>
+            <a:noFill/>
+            <a:ln>
+              <a:noFill/>
+            </a:ln>
+            <a:extLst>
+              <a:ext uri="{909E8E84-426E-40DD-AFC4-6F175D3DCCD1}">
+                <a14:hiddenFill xmlns:a14="http://schemas.microsoft.com/office/drawing/2010/main">
+                  <a:solidFill>
+                    <a:srgbClr val="FFFFFF"/>
+                  </a:solidFill>
+                </a14:hiddenFill>
+              </a:ext>
+              <a:ext uri="{91240B29-F687-4F45-9708-019B960494DF}">
+                <a14:hiddenLine xmlns:a14="http://schemas.microsoft.com/office/drawing/2010/main" w="9525">
+                  <a:solidFill>
+                    <a:srgbClr val="000000"/>
+                  </a:solidFill>
+                  <a:round/>
+                  <a:headEnd/>
+                  <a:tailEnd/>
+                </a14:hiddenLine>
+              </a:ext>
+            </a:extLst>
+          </p:spPr>
+        </p:pic>
+        <p:pic>
+          <p:nvPicPr>
+            <p:cNvPr id="23620" name="Picture 31">
+              <a:extLst>
+                <a:ext uri="{FF2B5EF4-FFF2-40B4-BE49-F238E27FC236}">
+                  <a16:creationId xmlns:a16="http://schemas.microsoft.com/office/drawing/2014/main" id="{002A782F-7762-4EF3-8740-3143638182EB}"/>
+                </a:ext>
+              </a:extLst>
+            </p:cNvPr>
+            <p:cNvPicPr>
+              <a:picLocks noChangeAspect="1" noChangeArrowheads="1"/>
+            </p:cNvPicPr>
+            <p:nvPr/>
+          </p:nvPicPr>
+          <p:blipFill>
+            <a:blip r:embed="rId15">
+              <a:extLst>
+                <a:ext uri="{28A0092B-C50C-407E-A947-70E740481C1C}">
+                  <a14:useLocalDpi xmlns:a14="http://schemas.microsoft.com/office/drawing/2010/main" val="0"/>
+                </a:ext>
+              </a:extLst>
+            </a:blip>
+            <a:srcRect/>
+            <a:stretch>
+              <a:fillRect/>
+            </a:stretch>
+          </p:blipFill>
+          <p:spPr bwMode="auto">
+            <a:xfrm>
+              <a:off x="40" y="136"/>
+              <a:ext cx="160" cy="196"/>
+            </a:xfrm>
+            <a:prstGeom prst="rect">
+              <a:avLst/>
+            </a:prstGeom>
+            <a:noFill/>
+            <a:ln>
+              <a:noFill/>
+            </a:ln>
+            <a:extLst>
+              <a:ext uri="{909E8E84-426E-40DD-AFC4-6F175D3DCCD1}">
+                <a14:hiddenFill xmlns:a14="http://schemas.microsoft.com/office/drawing/2010/main">
+                  <a:solidFill>
+                    <a:srgbClr val="FFFFFF"/>
+                  </a:solidFill>
+                </a14:hiddenFill>
+              </a:ext>
+              <a:ext uri="{91240B29-F687-4F45-9708-019B960494DF}">
+                <a14:hiddenLine xmlns:a14="http://schemas.microsoft.com/office/drawing/2010/main" w="9525">
+                  <a:solidFill>
+                    <a:srgbClr val="000000"/>
+                  </a:solidFill>
+                  <a:round/>
+                  <a:headEnd/>
+                  <a:tailEnd/>
+                </a14:hiddenLine>
+              </a:ext>
+            </a:extLst>
+          </p:spPr>
+        </p:pic>
+        <p:pic>
+          <p:nvPicPr>
+            <p:cNvPr id="23621" name="Picture 32">
+              <a:extLst>
+                <a:ext uri="{FF2B5EF4-FFF2-40B4-BE49-F238E27FC236}">
+                  <a16:creationId xmlns:a16="http://schemas.microsoft.com/office/drawing/2014/main" id="{C013BE80-26E0-4C96-81D3-05D4EDADDD6D}"/>
+                </a:ext>
+              </a:extLst>
+            </p:cNvPr>
+            <p:cNvPicPr>
+              <a:picLocks noChangeAspect="1" noChangeArrowheads="1"/>
+            </p:cNvPicPr>
+            <p:nvPr/>
+          </p:nvPicPr>
+          <p:blipFill>
+            <a:blip r:embed="rId16">
+              <a:extLst>
+                <a:ext uri="{28A0092B-C50C-407E-A947-70E740481C1C}">
+                  <a14:useLocalDpi xmlns:a14="http://schemas.microsoft.com/office/drawing/2010/main" val="0"/>
+                </a:ext>
+              </a:extLst>
+            </a:blip>
+            <a:srcRect/>
+            <a:stretch>
+              <a:fillRect/>
+            </a:stretch>
+          </p:blipFill>
+          <p:spPr bwMode="auto">
+            <a:xfrm>
+              <a:off x="168" y="280"/>
+              <a:ext cx="176" cy="212"/>
+            </a:xfrm>
+            <a:prstGeom prst="rect">
+              <a:avLst/>
+            </a:prstGeom>
+            <a:noFill/>
+            <a:ln>
+              <a:noFill/>
+            </a:ln>
+            <a:extLst>
+              <a:ext uri="{909E8E84-426E-40DD-AFC4-6F175D3DCCD1}">
+                <a14:hiddenFill xmlns:a14="http://schemas.microsoft.com/office/drawing/2010/main">
+                  <a:solidFill>
+                    <a:srgbClr val="FFFFFF"/>
+                  </a:solidFill>
+                </a14:hiddenFill>
+              </a:ext>
+              <a:ext uri="{91240B29-F687-4F45-9708-019B960494DF}">
+                <a14:hiddenLine xmlns:a14="http://schemas.microsoft.com/office/drawing/2010/main" w="9525">
+                  <a:solidFill>
+                    <a:srgbClr val="000000"/>
+                  </a:solidFill>
+                  <a:round/>
+                  <a:headEnd/>
+                  <a:tailEnd/>
+                </a14:hiddenLine>
+              </a:ext>
+            </a:extLst>
+          </p:spPr>
+        </p:pic>
+        <p:pic>
+          <p:nvPicPr>
+            <p:cNvPr id="23622" name="Picture 33">
+              <a:extLst>
+                <a:ext uri="{FF2B5EF4-FFF2-40B4-BE49-F238E27FC236}">
+                  <a16:creationId xmlns:a16="http://schemas.microsoft.com/office/drawing/2014/main" id="{A899F19D-7F2C-4DA0-A2D6-843D0DB95478}"/>
+                </a:ext>
+              </a:extLst>
+            </p:cNvPr>
+            <p:cNvPicPr>
+              <a:picLocks noChangeAspect="1" noChangeArrowheads="1"/>
+            </p:cNvPicPr>
+            <p:nvPr/>
+          </p:nvPicPr>
+          <p:blipFill>
+            <a:blip r:embed="rId17">
+              <a:extLst>
+                <a:ext uri="{28A0092B-C50C-407E-A947-70E740481C1C}">
+                  <a14:useLocalDpi xmlns:a14="http://schemas.microsoft.com/office/drawing/2010/main" val="0"/>
+                </a:ext>
+              </a:extLst>
+            </a:blip>
+            <a:srcRect/>
+            <a:stretch>
+              <a:fillRect/>
+            </a:stretch>
+          </p:blipFill>
+          <p:spPr bwMode="auto">
+            <a:xfrm>
+              <a:off x="384" y="432"/>
+              <a:ext cx="184" cy="220"/>
+            </a:xfrm>
+            <a:prstGeom prst="rect">
+              <a:avLst/>
+            </a:prstGeom>
+            <a:noFill/>
+            <a:ln>
+              <a:noFill/>
+            </a:ln>
+            <a:extLst>
+              <a:ext uri="{909E8E84-426E-40DD-AFC4-6F175D3DCCD1}">
+                <a14:hiddenFill xmlns:a14="http://schemas.microsoft.com/office/drawing/2010/main">
+                  <a:solidFill>
+                    <a:srgbClr val="FFFFFF"/>
+                  </a:solidFill>
+                </a14:hiddenFill>
+              </a:ext>
+              <a:ext uri="{91240B29-F687-4F45-9708-019B960494DF}">
+                <a14:hiddenLine xmlns:a14="http://schemas.microsoft.com/office/drawing/2010/main" w="9525">
+                  <a:solidFill>
+                    <a:srgbClr val="000000"/>
+                  </a:solidFill>
+                  <a:round/>
+                  <a:headEnd/>
+                  <a:tailEnd/>
+                </a14:hiddenLine>
+              </a:ext>
+            </a:extLst>
+          </p:spPr>
+        </p:pic>
+        <p:pic>
+          <p:nvPicPr>
+            <p:cNvPr id="23623" name="Picture 34">
+              <a:extLst>
+                <a:ext uri="{FF2B5EF4-FFF2-40B4-BE49-F238E27FC236}">
+                  <a16:creationId xmlns:a16="http://schemas.microsoft.com/office/drawing/2014/main" id="{FAE1029A-6F56-4C3D-A75B-B36E17E48028}"/>
+                </a:ext>
+              </a:extLst>
+            </p:cNvPr>
+            <p:cNvPicPr>
+              <a:picLocks noChangeAspect="1" noChangeArrowheads="1"/>
+            </p:cNvPicPr>
+            <p:nvPr/>
+          </p:nvPicPr>
+          <p:blipFill>
+            <a:blip r:embed="rId18">
+              <a:extLst>
+                <a:ext uri="{28A0092B-C50C-407E-A947-70E740481C1C}">
+                  <a14:useLocalDpi xmlns:a14="http://schemas.microsoft.com/office/drawing/2010/main" val="0"/>
+                </a:ext>
+              </a:extLst>
+            </a:blip>
+            <a:srcRect/>
+            <a:stretch>
+              <a:fillRect/>
+            </a:stretch>
+          </p:blipFill>
+          <p:spPr bwMode="auto">
+            <a:xfrm>
+              <a:off x="824" y="520"/>
+              <a:ext cx="200" cy="242"/>
+            </a:xfrm>
+            <a:prstGeom prst="rect">
+              <a:avLst/>
+            </a:prstGeom>
+            <a:noFill/>
+            <a:ln>
+              <a:noFill/>
+            </a:ln>
+            <a:extLst>
+              <a:ext uri="{909E8E84-426E-40DD-AFC4-6F175D3DCCD1}">
+                <a14:hiddenFill xmlns:a14="http://schemas.microsoft.com/office/drawing/2010/main">
+                  <a:solidFill>
+                    <a:srgbClr val="FFFFFF"/>
+                  </a:solidFill>
+                </a14:hiddenFill>
+              </a:ext>
+              <a:ext uri="{91240B29-F687-4F45-9708-019B960494DF}">
+                <a14:hiddenLine xmlns:a14="http://schemas.microsoft.com/office/drawing/2010/main" w="9525">
+                  <a:solidFill>
+                    <a:srgbClr val="000000"/>
+                  </a:solidFill>
+                  <a:round/>
+                  <a:headEnd/>
+                  <a:tailEnd/>
+                </a14:hiddenLine>
+              </a:ext>
+            </a:extLst>
+          </p:spPr>
+        </p:pic>
+        <p:pic>
+          <p:nvPicPr>
+            <p:cNvPr id="23624" name="Picture 35">
+              <a:extLst>
+                <a:ext uri="{FF2B5EF4-FFF2-40B4-BE49-F238E27FC236}">
+                  <a16:creationId xmlns:a16="http://schemas.microsoft.com/office/drawing/2014/main" id="{9F20E620-B0ED-4E5D-B52D-068760CEF88E}"/>
+                </a:ext>
+              </a:extLst>
+            </p:cNvPr>
+            <p:cNvPicPr>
+              <a:picLocks noChangeAspect="1" noChangeArrowheads="1"/>
+            </p:cNvPicPr>
+            <p:nvPr/>
+          </p:nvPicPr>
+          <p:blipFill>
+            <a:blip r:embed="rId19">
+              <a:extLst>
+                <a:ext uri="{28A0092B-C50C-407E-A947-70E740481C1C}">
+                  <a14:useLocalDpi xmlns:a14="http://schemas.microsoft.com/office/drawing/2010/main" val="0"/>
+                </a:ext>
+              </a:extLst>
+            </a:blip>
+            <a:srcRect/>
+            <a:stretch>
+              <a:fillRect/>
+            </a:stretch>
+          </p:blipFill>
+          <p:spPr bwMode="auto">
+            <a:xfrm>
+              <a:off x="1304" y="528"/>
+              <a:ext cx="208" cy="250"/>
+            </a:xfrm>
+            <a:prstGeom prst="rect">
+              <a:avLst/>
+            </a:prstGeom>
+            <a:noFill/>
+            <a:ln>
+              <a:noFill/>
+            </a:ln>
+            <a:extLst>
+              <a:ext uri="{909E8E84-426E-40DD-AFC4-6F175D3DCCD1}">
+                <a14:hiddenFill xmlns:a14="http://schemas.microsoft.com/office/drawing/2010/main">
+                  <a:solidFill>
+                    <a:srgbClr val="FFFFFF"/>
+                  </a:solidFill>
+                </a14:hiddenFill>
+              </a:ext>
+              <a:ext uri="{91240B29-F687-4F45-9708-019B960494DF}">
+                <a14:hiddenLine xmlns:a14="http://schemas.microsoft.com/office/drawing/2010/main" w="9525">
+                  <a:solidFill>
+                    <a:srgbClr val="000000"/>
+                  </a:solidFill>
+                  <a:round/>
+                  <a:headEnd/>
+                  <a:tailEnd/>
+                </a14:hiddenLine>
+              </a:ext>
+            </a:extLst>
+          </p:spPr>
+        </p:pic>
+        <p:pic>
+          <p:nvPicPr>
+            <p:cNvPr id="23625" name="Picture 36">
+              <a:extLst>
+                <a:ext uri="{FF2B5EF4-FFF2-40B4-BE49-F238E27FC236}">
+                  <a16:creationId xmlns:a16="http://schemas.microsoft.com/office/drawing/2014/main" id="{11016C8A-5FA1-41FD-9C6A-1AC4AA35D3E1}"/>
+                </a:ext>
+              </a:extLst>
+            </p:cNvPr>
+            <p:cNvPicPr>
+              <a:picLocks noChangeAspect="1" noChangeArrowheads="1"/>
+            </p:cNvPicPr>
+            <p:nvPr/>
+          </p:nvPicPr>
+          <p:blipFill>
+            <a:blip r:embed="rId20">
+              <a:extLst>
+                <a:ext uri="{28A0092B-C50C-407E-A947-70E740481C1C}">
+                  <a14:useLocalDpi xmlns:a14="http://schemas.microsoft.com/office/drawing/2010/main" val="0"/>
+                </a:ext>
+              </a:extLst>
+            </a:blip>
+            <a:srcRect/>
+            <a:stretch>
+              <a:fillRect/>
+            </a:stretch>
+          </p:blipFill>
+          <p:spPr bwMode="auto">
+            <a:xfrm>
+              <a:off x="1760" y="472"/>
+              <a:ext cx="192" cy="235"/>
+            </a:xfrm>
+            <a:prstGeom prst="rect">
+              <a:avLst/>
+            </a:prstGeom>
+            <a:noFill/>
+            <a:ln>
+              <a:noFill/>
+            </a:ln>
+            <a:extLst>
+              <a:ext uri="{909E8E84-426E-40DD-AFC4-6F175D3DCCD1}">
+                <a14:hiddenFill xmlns:a14="http://schemas.microsoft.com/office/drawing/2010/main">
+                  <a:solidFill>
+                    <a:srgbClr val="FFFFFF"/>
+                  </a:solidFill>
+                </a14:hiddenFill>
+              </a:ext>
+              <a:ext uri="{91240B29-F687-4F45-9708-019B960494DF}">
+                <a14:hiddenLine xmlns:a14="http://schemas.microsoft.com/office/drawing/2010/main" w="9525">
+                  <a:solidFill>
+                    <a:srgbClr val="000000"/>
+                  </a:solidFill>
+                  <a:round/>
+                  <a:headEnd/>
+                  <a:tailEnd/>
+                </a14:hiddenLine>
+              </a:ext>
+            </a:extLst>
+          </p:spPr>
+        </p:pic>
+        <p:pic>
+          <p:nvPicPr>
+            <p:cNvPr id="23626" name="Picture 37">
+              <a:extLst>
+                <a:ext uri="{FF2B5EF4-FFF2-40B4-BE49-F238E27FC236}">
+                  <a16:creationId xmlns:a16="http://schemas.microsoft.com/office/drawing/2014/main" id="{FC9154B6-34C4-4A23-8A60-F0D5A8AF44AB}"/>
+                </a:ext>
+              </a:extLst>
+            </p:cNvPr>
+            <p:cNvPicPr>
+              <a:picLocks noChangeAspect="1" noChangeArrowheads="1"/>
+            </p:cNvPicPr>
+            <p:nvPr/>
+          </p:nvPicPr>
+          <p:blipFill>
+            <a:blip r:embed="rId21">
+              <a:extLst>
+                <a:ext uri="{28A0092B-C50C-407E-A947-70E740481C1C}">
+                  <a14:useLocalDpi xmlns:a14="http://schemas.microsoft.com/office/drawing/2010/main" val="0"/>
+                </a:ext>
+              </a:extLst>
+            </a:blip>
+            <a:srcRect/>
+            <a:stretch>
+              <a:fillRect/>
+            </a:stretch>
+          </p:blipFill>
+          <p:spPr bwMode="auto">
+            <a:xfrm>
+              <a:off x="2128" y="368"/>
+              <a:ext cx="184" cy="222"/>
+            </a:xfrm>
+            <a:prstGeom prst="rect">
+              <a:avLst/>
+            </a:prstGeom>
+            <a:noFill/>
+            <a:ln>
+              <a:noFill/>
+            </a:ln>
+            <a:extLst>
+              <a:ext uri="{909E8E84-426E-40DD-AFC4-6F175D3DCCD1}">
+                <a14:hiddenFill xmlns:a14="http://schemas.microsoft.com/office/drawing/2010/main">
+                  <a:solidFill>
+                    <a:srgbClr val="FFFFFF"/>
+                  </a:solidFill>
+                </a14:hiddenFill>
+              </a:ext>
+              <a:ext uri="{91240B29-F687-4F45-9708-019B960494DF}">
+                <a14:hiddenLine xmlns:a14="http://schemas.microsoft.com/office/drawing/2010/main" w="9525">
+                  <a:solidFill>
+                    <a:srgbClr val="000000"/>
+                  </a:solidFill>
+                  <a:round/>
+                  <a:headEnd/>
+                  <a:tailEnd/>
+                </a14:hiddenLine>
+              </a:ext>
+            </a:extLst>
+          </p:spPr>
+        </p:pic>
+        <p:pic>
+          <p:nvPicPr>
+            <p:cNvPr id="23627" name="Picture 38">
+              <a:extLst>
+                <a:ext uri="{FF2B5EF4-FFF2-40B4-BE49-F238E27FC236}">
+                  <a16:creationId xmlns:a16="http://schemas.microsoft.com/office/drawing/2014/main" id="{AE100313-502F-4D0B-9231-F6AB121C8A81}"/>
+                </a:ext>
+              </a:extLst>
+            </p:cNvPr>
+            <p:cNvPicPr>
+              <a:picLocks noChangeAspect="1" noChangeArrowheads="1"/>
+            </p:cNvPicPr>
+            <p:nvPr/>
+          </p:nvPicPr>
+          <p:blipFill>
+            <a:blip r:embed="rId22">
+              <a:extLst>
+                <a:ext uri="{28A0092B-C50C-407E-A947-70E740481C1C}">
+                  <a14:useLocalDpi xmlns:a14="http://schemas.microsoft.com/office/drawing/2010/main" val="0"/>
+                </a:ext>
+              </a:extLst>
+            </a:blip>
+            <a:srcRect/>
+            <a:stretch>
+              <a:fillRect/>
+            </a:stretch>
+          </p:blipFill>
+          <p:spPr bwMode="auto">
+            <a:xfrm>
+              <a:off x="2384" y="232"/>
+              <a:ext cx="160" cy="196"/>
+            </a:xfrm>
+            <a:prstGeom prst="rect">
+              <a:avLst/>
+            </a:prstGeom>
+            <a:noFill/>
+            <a:ln>
+              <a:noFill/>
+            </a:ln>
+            <a:extLst>
+              <a:ext uri="{909E8E84-426E-40DD-AFC4-6F175D3DCCD1}">
+                <a14:hiddenFill xmlns:a14="http://schemas.microsoft.com/office/drawing/2010/main">
+                  <a:solidFill>
+                    <a:srgbClr val="FFFFFF"/>
+                  </a:solidFill>
+                </a14:hiddenFill>
+              </a:ext>
+              <a:ext uri="{91240B29-F687-4F45-9708-019B960494DF}">
+                <a14:hiddenLine xmlns:a14="http://schemas.microsoft.com/office/drawing/2010/main" w="9525">
+                  <a:solidFill>
+                    <a:srgbClr val="000000"/>
+                  </a:solidFill>
+                  <a:round/>
+                  <a:headEnd/>
+                  <a:tailEnd/>
+                </a14:hiddenLine>
+              </a:ext>
+            </a:extLst>
+          </p:spPr>
+        </p:pic>
+        <p:pic>
+          <p:nvPicPr>
+            <p:cNvPr id="23628" name="Picture 39">
+              <a:extLst>
+                <a:ext uri="{FF2B5EF4-FFF2-40B4-BE49-F238E27FC236}">
+                  <a16:creationId xmlns:a16="http://schemas.microsoft.com/office/drawing/2014/main" id="{E494C853-944D-4690-A0B6-B89A918BB9C1}"/>
+                </a:ext>
+              </a:extLst>
+            </p:cNvPr>
+            <p:cNvPicPr>
+              <a:picLocks noChangeAspect="1" noChangeArrowheads="1"/>
+            </p:cNvPicPr>
+            <p:nvPr/>
+          </p:nvPicPr>
+          <p:blipFill>
+            <a:blip r:embed="rId23">
+              <a:extLst>
+                <a:ext uri="{28A0092B-C50C-407E-A947-70E740481C1C}">
+                  <a14:useLocalDpi xmlns:a14="http://schemas.microsoft.com/office/drawing/2010/main" val="0"/>
+                </a:ext>
+              </a:extLst>
+            </a:blip>
+            <a:srcRect/>
+            <a:stretch>
+              <a:fillRect/>
+            </a:stretch>
+          </p:blipFill>
+          <p:spPr bwMode="auto">
+            <a:xfrm>
+              <a:off x="2456" y="80"/>
+              <a:ext cx="152" cy="182"/>
+            </a:xfrm>
+            <a:prstGeom prst="rect">
+              <a:avLst/>
+            </a:prstGeom>
+            <a:noFill/>
+            <a:ln>
+              <a:noFill/>
+            </a:ln>
+            <a:extLst>
+              <a:ext uri="{909E8E84-426E-40DD-AFC4-6F175D3DCCD1}">
+                <a14:hiddenFill xmlns:a14="http://schemas.microsoft.com/office/drawing/2010/main">
+                  <a:solidFill>
+                    <a:srgbClr val="FFFFFF"/>
+                  </a:solidFill>
+                </a14:hiddenFill>
+              </a:ext>
+              <a:ext uri="{91240B29-F687-4F45-9708-019B960494DF}">
+                <a14:hiddenLine xmlns:a14="http://schemas.microsoft.com/office/drawing/2010/main" w="9525">
+                  <a:solidFill>
+                    <a:srgbClr val="000000"/>
+                  </a:solidFill>
+                  <a:round/>
+                  <a:headEnd/>
+                  <a:tailEnd/>
+                </a14:hiddenLine>
+              </a:ext>
+            </a:extLst>
+          </p:spPr>
+        </p:pic>
+      </p:grpSp>
+      <p:grpSp>
+        <p:nvGrpSpPr>
+          <p:cNvPr id="23569" name="Group 43">
+            <a:extLst>
+              <a:ext uri="{FF2B5EF4-FFF2-40B4-BE49-F238E27FC236}">
+                <a16:creationId xmlns:a16="http://schemas.microsoft.com/office/drawing/2014/main" id="{AEA3240A-F5F1-4D05-B911-6A91459BA87D}"/>
+              </a:ext>
+            </a:extLst>
+          </p:cNvPr>
+          <p:cNvGrpSpPr>
+            <a:grpSpLocks/>
+          </p:cNvGrpSpPr>
+          <p:nvPr/>
+        </p:nvGrpSpPr>
+        <p:grpSpPr bwMode="auto">
+          <a:xfrm>
+            <a:off x="2357438" y="3619500"/>
+            <a:ext cx="1193800" cy="781051"/>
+            <a:chOff x="0" y="0"/>
+            <a:chExt cx="751" cy="492"/>
+          </a:xfrm>
+        </p:grpSpPr>
+        <p:pic>
+          <p:nvPicPr>
+            <p:cNvPr id="23617" name="Picture 44">
+              <a:extLst>
+                <a:ext uri="{FF2B5EF4-FFF2-40B4-BE49-F238E27FC236}">
+                  <a16:creationId xmlns:a16="http://schemas.microsoft.com/office/drawing/2014/main" id="{7B9114A2-6F4B-4A81-9241-143C9D06ED42}"/>
+                </a:ext>
+              </a:extLst>
+            </p:cNvPr>
+            <p:cNvPicPr>
+              <a:picLocks noChangeAspect="1" noChangeArrowheads="1"/>
+            </p:cNvPicPr>
+            <p:nvPr/>
+          </p:nvPicPr>
+          <p:blipFill>
+            <a:blip r:embed="rId24">
+              <a:extLst>
+                <a:ext uri="{28A0092B-C50C-407E-A947-70E740481C1C}">
+                  <a14:useLocalDpi xmlns:a14="http://schemas.microsoft.com/office/drawing/2010/main" val="0"/>
+                </a:ext>
+              </a:extLst>
+            </a:blip>
+            <a:srcRect/>
+            <a:stretch>
+              <a:fillRect/>
+            </a:stretch>
+          </p:blipFill>
+          <p:spPr bwMode="auto">
+            <a:xfrm>
+              <a:off x="0" y="122"/>
+              <a:ext cx="751" cy="370"/>
+            </a:xfrm>
+            <a:prstGeom prst="rect">
+              <a:avLst/>
+            </a:prstGeom>
+            <a:noFill/>
+            <a:ln>
+              <a:noFill/>
+            </a:ln>
+            <a:extLst>
+              <a:ext uri="{909E8E84-426E-40DD-AFC4-6F175D3DCCD1}">
+                <a14:hiddenFill xmlns:a14="http://schemas.microsoft.com/office/drawing/2010/main">
+                  <a:solidFill>
+                    <a:srgbClr val="FFFFFF"/>
+                  </a:solidFill>
+                </a14:hiddenFill>
+              </a:ext>
+              <a:ext uri="{91240B29-F687-4F45-9708-019B960494DF}">
+                <a14:hiddenLine xmlns:a14="http://schemas.microsoft.com/office/drawing/2010/main" w="9525">
+                  <a:solidFill>
+                    <a:srgbClr val="000000"/>
+                  </a:solidFill>
+                  <a:round/>
+                  <a:headEnd/>
+                  <a:tailEnd/>
+                </a14:hiddenLine>
+              </a:ext>
+            </a:extLst>
+          </p:spPr>
+        </p:pic>
+        <p:pic>
+          <p:nvPicPr>
+            <p:cNvPr id="23618" name="Picture 45">
+              <a:extLst>
+                <a:ext uri="{FF2B5EF4-FFF2-40B4-BE49-F238E27FC236}">
+                  <a16:creationId xmlns:a16="http://schemas.microsoft.com/office/drawing/2014/main" id="{524F4697-F39F-4CFF-A00B-693D7C78DCA8}"/>
+                </a:ext>
+              </a:extLst>
+            </p:cNvPr>
+            <p:cNvPicPr>
+              <a:picLocks noChangeAspect="1" noChangeArrowheads="1"/>
+            </p:cNvPicPr>
+            <p:nvPr/>
+          </p:nvPicPr>
+          <p:blipFill>
+            <a:blip r:embed="rId25">
+              <a:extLst>
+                <a:ext uri="{28A0092B-C50C-407E-A947-70E740481C1C}">
+                  <a14:useLocalDpi xmlns:a14="http://schemas.microsoft.com/office/drawing/2010/main" val="0"/>
+                </a:ext>
+              </a:extLst>
+            </a:blip>
+            <a:srcRect/>
+            <a:stretch>
+              <a:fillRect/>
+            </a:stretch>
+          </p:blipFill>
+          <p:spPr bwMode="auto">
+            <a:xfrm>
+              <a:off x="42" y="0"/>
+              <a:ext cx="664" cy="431"/>
+            </a:xfrm>
+            <a:prstGeom prst="rect">
+              <a:avLst/>
+            </a:prstGeom>
+            <a:noFill/>
+            <a:ln>
+              <a:noFill/>
+            </a:ln>
+            <a:extLst>
+              <a:ext uri="{909E8E84-426E-40DD-AFC4-6F175D3DCCD1}">
+                <a14:hiddenFill xmlns:a14="http://schemas.microsoft.com/office/drawing/2010/main">
+                  <a:solidFill>
+                    <a:srgbClr val="FFFFFF"/>
+                  </a:solidFill>
+                </a14:hiddenFill>
+              </a:ext>
+              <a:ext uri="{91240B29-F687-4F45-9708-019B960494DF}">
+                <a14:hiddenLine xmlns:a14="http://schemas.microsoft.com/office/drawing/2010/main" w="9525">
+                  <a:solidFill>
+                    <a:srgbClr val="000000"/>
+                  </a:solidFill>
+                  <a:round/>
+                  <a:headEnd/>
+                  <a:tailEnd/>
+                </a14:hiddenLine>
+              </a:ext>
+            </a:extLst>
+          </p:spPr>
+        </p:pic>
+      </p:grpSp>
+      <p:grpSp>
+        <p:nvGrpSpPr>
+          <p:cNvPr id="23570" name="Group 46">
+            <a:extLst>
+              <a:ext uri="{FF2B5EF4-FFF2-40B4-BE49-F238E27FC236}">
+                <a16:creationId xmlns:a16="http://schemas.microsoft.com/office/drawing/2014/main" id="{A3F2AA96-D7EC-416D-A335-F251C57D222D}"/>
+              </a:ext>
+            </a:extLst>
+          </p:cNvPr>
+          <p:cNvGrpSpPr>
+            <a:grpSpLocks/>
+          </p:cNvGrpSpPr>
+          <p:nvPr/>
+        </p:nvGrpSpPr>
+        <p:grpSpPr bwMode="auto">
+          <a:xfrm>
+            <a:off x="2962276" y="4279900"/>
+            <a:ext cx="1420813" cy="882651"/>
+            <a:chOff x="0" y="0"/>
+            <a:chExt cx="894" cy="556"/>
+          </a:xfrm>
+        </p:grpSpPr>
+        <p:pic>
+          <p:nvPicPr>
+            <p:cNvPr id="23615" name="Picture 47">
+              <a:extLst>
+                <a:ext uri="{FF2B5EF4-FFF2-40B4-BE49-F238E27FC236}">
+                  <a16:creationId xmlns:a16="http://schemas.microsoft.com/office/drawing/2014/main" id="{8C5FB37C-4BBC-44C8-940D-08BC5E50E926}"/>
+                </a:ext>
+              </a:extLst>
+            </p:cNvPr>
+            <p:cNvPicPr>
+              <a:picLocks noChangeAspect="1" noChangeArrowheads="1"/>
+            </p:cNvPicPr>
+            <p:nvPr/>
+          </p:nvPicPr>
+          <p:blipFill>
+            <a:blip r:embed="rId26">
+              <a:extLst>
+                <a:ext uri="{28A0092B-C50C-407E-A947-70E740481C1C}">
+                  <a14:useLocalDpi xmlns:a14="http://schemas.microsoft.com/office/drawing/2010/main" val="0"/>
+                </a:ext>
+              </a:extLst>
+            </a:blip>
+            <a:srcRect/>
+            <a:stretch>
+              <a:fillRect/>
+            </a:stretch>
+          </p:blipFill>
+          <p:spPr bwMode="auto">
+            <a:xfrm>
+              <a:off x="0" y="115"/>
+              <a:ext cx="894" cy="441"/>
+            </a:xfrm>
+            <a:prstGeom prst="rect">
+              <a:avLst/>
+            </a:prstGeom>
+            <a:noFill/>
+            <a:ln>
+              <a:noFill/>
+            </a:ln>
+            <a:extLst>
+              <a:ext uri="{909E8E84-426E-40DD-AFC4-6F175D3DCCD1}">
+                <a14:hiddenFill xmlns:a14="http://schemas.microsoft.com/office/drawing/2010/main">
+                  <a:solidFill>
+                    <a:srgbClr val="FFFFFF"/>
+                  </a:solidFill>
+                </a14:hiddenFill>
+              </a:ext>
+              <a:ext uri="{91240B29-F687-4F45-9708-019B960494DF}">
+                <a14:hiddenLine xmlns:a14="http://schemas.microsoft.com/office/drawing/2010/main" w="9525">
+                  <a:solidFill>
+                    <a:srgbClr val="000000"/>
+                  </a:solidFill>
+                  <a:round/>
+                  <a:headEnd/>
+                  <a:tailEnd/>
+                </a14:hiddenLine>
+              </a:ext>
+            </a:extLst>
+          </p:spPr>
+        </p:pic>
+        <p:pic>
+          <p:nvPicPr>
+            <p:cNvPr id="23616" name="Picture 48">
+              <a:extLst>
+                <a:ext uri="{FF2B5EF4-FFF2-40B4-BE49-F238E27FC236}">
+                  <a16:creationId xmlns:a16="http://schemas.microsoft.com/office/drawing/2014/main" id="{2EE0C471-CA6B-4750-94B6-F8211AF9D62F}"/>
+                </a:ext>
+              </a:extLst>
+            </p:cNvPr>
+            <p:cNvPicPr>
+              <a:picLocks noChangeAspect="1" noChangeArrowheads="1"/>
+            </p:cNvPicPr>
+            <p:nvPr/>
+          </p:nvPicPr>
+          <p:blipFill>
+            <a:blip r:embed="rId27">
+              <a:extLst>
+                <a:ext uri="{28A0092B-C50C-407E-A947-70E740481C1C}">
+                  <a14:useLocalDpi xmlns:a14="http://schemas.microsoft.com/office/drawing/2010/main" val="0"/>
+                </a:ext>
+              </a:extLst>
+            </a:blip>
+            <a:srcRect/>
+            <a:stretch>
+              <a:fillRect/>
+            </a:stretch>
+          </p:blipFill>
+          <p:spPr bwMode="auto">
+            <a:xfrm>
+              <a:off x="181" y="0"/>
+              <a:ext cx="576" cy="511"/>
+            </a:xfrm>
+            <a:prstGeom prst="rect">
+              <a:avLst/>
+            </a:prstGeom>
+            <a:noFill/>
+            <a:ln>
+              <a:noFill/>
+            </a:ln>
+            <a:extLst>
+              <a:ext uri="{909E8E84-426E-40DD-AFC4-6F175D3DCCD1}">
+                <a14:hiddenFill xmlns:a14="http://schemas.microsoft.com/office/drawing/2010/main">
+                  <a:solidFill>
+                    <a:srgbClr val="FFFFFF"/>
+                  </a:solidFill>
+                </a14:hiddenFill>
+              </a:ext>
+              <a:ext uri="{91240B29-F687-4F45-9708-019B960494DF}">
+                <a14:hiddenLine xmlns:a14="http://schemas.microsoft.com/office/drawing/2010/main" w="9525">
+                  <a:solidFill>
+                    <a:srgbClr val="000000"/>
+                  </a:solidFill>
+                  <a:round/>
+                  <a:headEnd/>
+                  <a:tailEnd/>
+                </a14:hiddenLine>
+              </a:ext>
+            </a:extLst>
+          </p:spPr>
+        </p:pic>
+      </p:grpSp>
+      <p:grpSp>
+        <p:nvGrpSpPr>
+          <p:cNvPr id="23571" name="Group 49">
+            <a:extLst>
+              <a:ext uri="{FF2B5EF4-FFF2-40B4-BE49-F238E27FC236}">
+                <a16:creationId xmlns:a16="http://schemas.microsoft.com/office/drawing/2014/main" id="{AA7BAEF0-39D7-4F4D-8F16-BA9675868EF2}"/>
+              </a:ext>
+            </a:extLst>
+          </p:cNvPr>
+          <p:cNvGrpSpPr>
+            <a:grpSpLocks/>
+          </p:cNvGrpSpPr>
+          <p:nvPr/>
+        </p:nvGrpSpPr>
+        <p:grpSpPr bwMode="auto">
+          <a:xfrm>
+            <a:off x="6165851" y="4635500"/>
+            <a:ext cx="1460500" cy="1041401"/>
+            <a:chOff x="0" y="0"/>
+            <a:chExt cx="920" cy="656"/>
+          </a:xfrm>
+        </p:grpSpPr>
+        <p:pic>
+          <p:nvPicPr>
+            <p:cNvPr id="23613" name="Picture 50">
+              <a:extLst>
+                <a:ext uri="{FF2B5EF4-FFF2-40B4-BE49-F238E27FC236}">
+                  <a16:creationId xmlns:a16="http://schemas.microsoft.com/office/drawing/2014/main" id="{9E52B2C8-19C3-47A4-841A-33E94799AA43}"/>
+                </a:ext>
+              </a:extLst>
+            </p:cNvPr>
+            <p:cNvPicPr>
+              <a:picLocks noChangeAspect="1" noChangeArrowheads="1"/>
+            </p:cNvPicPr>
+            <p:nvPr/>
+          </p:nvPicPr>
+          <p:blipFill>
+            <a:blip r:embed="rId28">
+              <a:extLst>
+                <a:ext uri="{28A0092B-C50C-407E-A947-70E740481C1C}">
+                  <a14:useLocalDpi xmlns:a14="http://schemas.microsoft.com/office/drawing/2010/main" val="0"/>
+                </a:ext>
+              </a:extLst>
+            </a:blip>
+            <a:srcRect/>
+            <a:stretch>
+              <a:fillRect/>
+            </a:stretch>
+          </p:blipFill>
+          <p:spPr bwMode="auto">
+            <a:xfrm>
+              <a:off x="0" y="105"/>
+              <a:ext cx="920" cy="551"/>
+            </a:xfrm>
+            <a:prstGeom prst="rect">
+              <a:avLst/>
+            </a:prstGeom>
+            <a:noFill/>
+            <a:ln>
+              <a:noFill/>
+            </a:ln>
+            <a:extLst>
+              <a:ext uri="{909E8E84-426E-40DD-AFC4-6F175D3DCCD1}">
+                <a14:hiddenFill xmlns:a14="http://schemas.microsoft.com/office/drawing/2010/main">
+                  <a:solidFill>
+                    <a:srgbClr val="FFFFFF"/>
+                  </a:solidFill>
+                </a14:hiddenFill>
+              </a:ext>
+              <a:ext uri="{91240B29-F687-4F45-9708-019B960494DF}">
+                <a14:hiddenLine xmlns:a14="http://schemas.microsoft.com/office/drawing/2010/main" w="9525">
+                  <a:solidFill>
+                    <a:srgbClr val="000000"/>
+                  </a:solidFill>
+                  <a:round/>
+                  <a:headEnd/>
+                  <a:tailEnd/>
+                </a14:hiddenLine>
+              </a:ext>
+            </a:extLst>
+          </p:spPr>
+        </p:pic>
+        <p:pic>
+          <p:nvPicPr>
+            <p:cNvPr id="23614" name="Picture 51">
+              <a:extLst>
+                <a:ext uri="{FF2B5EF4-FFF2-40B4-BE49-F238E27FC236}">
+                  <a16:creationId xmlns:a16="http://schemas.microsoft.com/office/drawing/2014/main" id="{DD5B779D-2AA2-49DB-97F2-3DC06B990C1E}"/>
+                </a:ext>
+              </a:extLst>
+            </p:cNvPr>
+            <p:cNvPicPr>
+              <a:picLocks noChangeAspect="1" noChangeArrowheads="1"/>
+            </p:cNvPicPr>
+            <p:nvPr/>
+          </p:nvPicPr>
+          <p:blipFill>
+            <a:blip r:embed="rId29">
+              <a:extLst>
+                <a:ext uri="{28A0092B-C50C-407E-A947-70E740481C1C}">
+                  <a14:useLocalDpi xmlns:a14="http://schemas.microsoft.com/office/drawing/2010/main" val="0"/>
+                </a:ext>
+              </a:extLst>
+            </a:blip>
+            <a:srcRect/>
+            <a:stretch>
+              <a:fillRect/>
+            </a:stretch>
+          </p:blipFill>
+          <p:spPr bwMode="auto">
+            <a:xfrm>
+              <a:off x="91" y="0"/>
+              <a:ext cx="720" cy="505"/>
+            </a:xfrm>
+            <a:prstGeom prst="rect">
+              <a:avLst/>
+            </a:prstGeom>
+            <a:noFill/>
+            <a:ln>
+              <a:noFill/>
+            </a:ln>
+            <a:extLst>
+              <a:ext uri="{909E8E84-426E-40DD-AFC4-6F175D3DCCD1}">
+                <a14:hiddenFill xmlns:a14="http://schemas.microsoft.com/office/drawing/2010/main">
+                  <a:solidFill>
+                    <a:srgbClr val="FFFFFF"/>
+                  </a:solidFill>
+                </a14:hiddenFill>
+              </a:ext>
+              <a:ext uri="{91240B29-F687-4F45-9708-019B960494DF}">
+                <a14:hiddenLine xmlns:a14="http://schemas.microsoft.com/office/drawing/2010/main" w="9525">
+                  <a:solidFill>
+                    <a:srgbClr val="000000"/>
+                  </a:solidFill>
+                  <a:round/>
+                  <a:headEnd/>
+                  <a:tailEnd/>
+                </a14:hiddenLine>
+              </a:ext>
+            </a:extLst>
+          </p:spPr>
+        </p:pic>
+      </p:grpSp>
+      <p:grpSp>
+        <p:nvGrpSpPr>
+          <p:cNvPr id="23572" name="Group 52">
+            <a:extLst>
+              <a:ext uri="{FF2B5EF4-FFF2-40B4-BE49-F238E27FC236}">
+                <a16:creationId xmlns:a16="http://schemas.microsoft.com/office/drawing/2014/main" id="{4304AF4D-7C4C-46F7-B528-FC30C5D6E417}"/>
+              </a:ext>
+            </a:extLst>
+          </p:cNvPr>
+          <p:cNvGrpSpPr>
+            <a:grpSpLocks/>
+          </p:cNvGrpSpPr>
+          <p:nvPr/>
+        </p:nvGrpSpPr>
+        <p:grpSpPr bwMode="auto">
+          <a:xfrm>
+            <a:off x="8593138" y="3644900"/>
+            <a:ext cx="1193799" cy="755651"/>
+            <a:chOff x="0" y="0"/>
+            <a:chExt cx="751" cy="476"/>
+          </a:xfrm>
+        </p:grpSpPr>
+        <p:pic>
+          <p:nvPicPr>
+            <p:cNvPr id="23611" name="Picture 53">
+              <a:extLst>
+                <a:ext uri="{FF2B5EF4-FFF2-40B4-BE49-F238E27FC236}">
+                  <a16:creationId xmlns:a16="http://schemas.microsoft.com/office/drawing/2014/main" id="{0133363D-6C5F-46E7-998E-973AB11F93E6}"/>
+                </a:ext>
+              </a:extLst>
+            </p:cNvPr>
+            <p:cNvPicPr>
+              <a:picLocks noChangeAspect="1" noChangeArrowheads="1"/>
+            </p:cNvPicPr>
+            <p:nvPr/>
+          </p:nvPicPr>
+          <p:blipFill>
+            <a:blip r:embed="rId30">
+              <a:extLst>
+                <a:ext uri="{28A0092B-C50C-407E-A947-70E740481C1C}">
+                  <a14:useLocalDpi xmlns:a14="http://schemas.microsoft.com/office/drawing/2010/main" val="0"/>
+                </a:ext>
+              </a:extLst>
+            </a:blip>
+            <a:srcRect/>
+            <a:stretch>
+              <a:fillRect/>
+            </a:stretch>
+          </p:blipFill>
+          <p:spPr bwMode="auto">
+            <a:xfrm>
+              <a:off x="0" y="106"/>
+              <a:ext cx="751" cy="370"/>
+            </a:xfrm>
+            <a:prstGeom prst="rect">
+              <a:avLst/>
+            </a:prstGeom>
+            <a:noFill/>
+            <a:ln>
+              <a:noFill/>
+            </a:ln>
+            <a:extLst>
+              <a:ext uri="{909E8E84-426E-40DD-AFC4-6F175D3DCCD1}">
+                <a14:hiddenFill xmlns:a14="http://schemas.microsoft.com/office/drawing/2010/main">
+                  <a:solidFill>
+                    <a:srgbClr val="FFFFFF"/>
+                  </a:solidFill>
+                </a14:hiddenFill>
+              </a:ext>
+              <a:ext uri="{91240B29-F687-4F45-9708-019B960494DF}">
+                <a14:hiddenLine xmlns:a14="http://schemas.microsoft.com/office/drawing/2010/main" w="9525">
+                  <a:solidFill>
+                    <a:srgbClr val="000000"/>
+                  </a:solidFill>
+                  <a:round/>
+                  <a:headEnd/>
+                  <a:tailEnd/>
+                </a14:hiddenLine>
+              </a:ext>
+            </a:extLst>
+          </p:spPr>
+        </p:pic>
+        <p:pic>
+          <p:nvPicPr>
+            <p:cNvPr id="23612" name="Picture 54">
+              <a:extLst>
+                <a:ext uri="{FF2B5EF4-FFF2-40B4-BE49-F238E27FC236}">
+                  <a16:creationId xmlns:a16="http://schemas.microsoft.com/office/drawing/2014/main" id="{90D16AB4-FAA6-4CD2-81A0-9607D65E7982}"/>
+                </a:ext>
+              </a:extLst>
+            </p:cNvPr>
+            <p:cNvPicPr>
+              <a:picLocks noChangeAspect="1" noChangeArrowheads="1"/>
+            </p:cNvPicPr>
+            <p:nvPr/>
+          </p:nvPicPr>
+          <p:blipFill>
+            <a:blip r:embed="rId31">
+              <a:extLst>
+                <a:ext uri="{28A0092B-C50C-407E-A947-70E740481C1C}">
+                  <a14:useLocalDpi xmlns:a14="http://schemas.microsoft.com/office/drawing/2010/main" val="0"/>
+                </a:ext>
+              </a:extLst>
+            </a:blip>
+            <a:srcRect/>
+            <a:stretch>
+              <a:fillRect/>
+            </a:stretch>
+          </p:blipFill>
+          <p:spPr bwMode="auto">
+            <a:xfrm>
+              <a:off x="146" y="0"/>
+              <a:ext cx="328" cy="393"/>
+            </a:xfrm>
+            <a:prstGeom prst="rect">
+              <a:avLst/>
+            </a:prstGeom>
+            <a:noFill/>
+            <a:ln>
+              <a:noFill/>
+            </a:ln>
+            <a:extLst>
+              <a:ext uri="{909E8E84-426E-40DD-AFC4-6F175D3DCCD1}">
+                <a14:hiddenFill xmlns:a14="http://schemas.microsoft.com/office/drawing/2010/main">
+                  <a:solidFill>
+                    <a:srgbClr val="FFFFFF"/>
+                  </a:solidFill>
+                </a14:hiddenFill>
+              </a:ext>
+              <a:ext uri="{91240B29-F687-4F45-9708-019B960494DF}">
+                <a14:hiddenLine xmlns:a14="http://schemas.microsoft.com/office/drawing/2010/main" w="9525">
+                  <a:solidFill>
+                    <a:srgbClr val="000000"/>
+                  </a:solidFill>
+                  <a:round/>
+                  <a:headEnd/>
+                  <a:tailEnd/>
+                </a14:hiddenLine>
+              </a:ext>
+            </a:extLst>
+          </p:spPr>
+        </p:pic>
+      </p:grpSp>
+      <p:grpSp>
+        <p:nvGrpSpPr>
+          <p:cNvPr id="23573" name="Group 55">
+            <a:extLst>
+              <a:ext uri="{FF2B5EF4-FFF2-40B4-BE49-F238E27FC236}">
+                <a16:creationId xmlns:a16="http://schemas.microsoft.com/office/drawing/2014/main" id="{5E845205-BC13-42CD-A5B9-AA68C55A71D1}"/>
+              </a:ext>
+            </a:extLst>
+          </p:cNvPr>
+          <p:cNvGrpSpPr>
+            <a:grpSpLocks/>
+          </p:cNvGrpSpPr>
+          <p:nvPr/>
+        </p:nvGrpSpPr>
+        <p:grpSpPr bwMode="auto">
+          <a:xfrm>
+            <a:off x="8864600" y="2997201"/>
+            <a:ext cx="1028700" cy="657225"/>
+            <a:chOff x="0" y="0"/>
+            <a:chExt cx="648" cy="414"/>
+          </a:xfrm>
+        </p:grpSpPr>
+        <p:pic>
+          <p:nvPicPr>
+            <p:cNvPr id="23609" name="Picture 56">
+              <a:extLst>
+                <a:ext uri="{FF2B5EF4-FFF2-40B4-BE49-F238E27FC236}">
+                  <a16:creationId xmlns:a16="http://schemas.microsoft.com/office/drawing/2014/main" id="{D226E0AE-4365-49F5-B579-F708AFA79639}"/>
+                </a:ext>
+              </a:extLst>
+            </p:cNvPr>
+            <p:cNvPicPr>
+              <a:picLocks noChangeAspect="1" noChangeArrowheads="1"/>
+            </p:cNvPicPr>
+            <p:nvPr/>
+          </p:nvPicPr>
+          <p:blipFill>
+            <a:blip r:embed="rId32">
+              <a:extLst>
+                <a:ext uri="{28A0092B-C50C-407E-A947-70E740481C1C}">
+                  <a14:useLocalDpi xmlns:a14="http://schemas.microsoft.com/office/drawing/2010/main" val="0"/>
+                </a:ext>
+              </a:extLst>
+            </a:blip>
+            <a:srcRect/>
+            <a:stretch>
+              <a:fillRect/>
+            </a:stretch>
+          </p:blipFill>
+          <p:spPr bwMode="auto">
+            <a:xfrm>
+              <a:off x="12" y="109"/>
+              <a:ext cx="636" cy="305"/>
+            </a:xfrm>
+            <a:prstGeom prst="rect">
+              <a:avLst/>
+            </a:prstGeom>
+            <a:noFill/>
+            <a:ln>
+              <a:noFill/>
+            </a:ln>
+            <a:extLst>
+              <a:ext uri="{909E8E84-426E-40DD-AFC4-6F175D3DCCD1}">
+                <a14:hiddenFill xmlns:a14="http://schemas.microsoft.com/office/drawing/2010/main">
+                  <a:solidFill>
+                    <a:srgbClr val="FFFFFF"/>
+                  </a:solidFill>
+                </a14:hiddenFill>
+              </a:ext>
+              <a:ext uri="{91240B29-F687-4F45-9708-019B960494DF}">
+                <a14:hiddenLine xmlns:a14="http://schemas.microsoft.com/office/drawing/2010/main" w="9525">
+                  <a:solidFill>
+                    <a:srgbClr val="000000"/>
+                  </a:solidFill>
+                  <a:round/>
+                  <a:headEnd/>
+                  <a:tailEnd/>
+                </a14:hiddenLine>
+              </a:ext>
+            </a:extLst>
+          </p:spPr>
+        </p:pic>
+        <p:pic>
+          <p:nvPicPr>
+            <p:cNvPr id="23610" name="Picture 57">
+              <a:extLst>
+                <a:ext uri="{FF2B5EF4-FFF2-40B4-BE49-F238E27FC236}">
+                  <a16:creationId xmlns:a16="http://schemas.microsoft.com/office/drawing/2014/main" id="{6D3A861C-3918-43CF-A3BF-09556F0CF03E}"/>
+                </a:ext>
+              </a:extLst>
+            </p:cNvPr>
+            <p:cNvPicPr>
+              <a:picLocks noChangeAspect="1" noChangeArrowheads="1"/>
+            </p:cNvPicPr>
+            <p:nvPr/>
+          </p:nvPicPr>
+          <p:blipFill>
+            <a:blip r:embed="rId33">
+              <a:extLst>
+                <a:ext uri="{28A0092B-C50C-407E-A947-70E740481C1C}">
+                  <a14:useLocalDpi xmlns:a14="http://schemas.microsoft.com/office/drawing/2010/main" val="0"/>
+                </a:ext>
+              </a:extLst>
+            </a:blip>
+            <a:srcRect/>
+            <a:stretch>
+              <a:fillRect/>
+            </a:stretch>
+          </p:blipFill>
+          <p:spPr bwMode="auto">
+            <a:xfrm>
+              <a:off x="0" y="0"/>
+              <a:ext cx="632" cy="364"/>
+            </a:xfrm>
+            <a:prstGeom prst="rect">
+              <a:avLst/>
+            </a:prstGeom>
+            <a:noFill/>
+            <a:ln>
+              <a:noFill/>
+            </a:ln>
+            <a:extLst>
+              <a:ext uri="{909E8E84-426E-40DD-AFC4-6F175D3DCCD1}">
+                <a14:hiddenFill xmlns:a14="http://schemas.microsoft.com/office/drawing/2010/main">
+                  <a:solidFill>
+                    <a:srgbClr val="FFFFFF"/>
+                  </a:solidFill>
+                </a14:hiddenFill>
+              </a:ext>
+              <a:ext uri="{91240B29-F687-4F45-9708-019B960494DF}">
+                <a14:hiddenLine xmlns:a14="http://schemas.microsoft.com/office/drawing/2010/main" w="9525">
+                  <a:solidFill>
+                    <a:srgbClr val="000000"/>
+                  </a:solidFill>
+                  <a:round/>
+                  <a:headEnd/>
+                  <a:tailEnd/>
+                </a14:hiddenLine>
+              </a:ext>
+            </a:extLst>
+          </p:spPr>
+        </p:pic>
+      </p:grpSp>
+      <p:grpSp>
+        <p:nvGrpSpPr>
+          <p:cNvPr id="23574" name="Group 63">
+            <a:extLst>
+              <a:ext uri="{FF2B5EF4-FFF2-40B4-BE49-F238E27FC236}">
+                <a16:creationId xmlns:a16="http://schemas.microsoft.com/office/drawing/2014/main" id="{15C1B7C0-3ACA-4A2C-A568-B7F0FF552CD6}"/>
+              </a:ext>
+            </a:extLst>
+          </p:cNvPr>
+          <p:cNvGrpSpPr>
+            <a:grpSpLocks/>
+          </p:cNvGrpSpPr>
+          <p:nvPr/>
+        </p:nvGrpSpPr>
+        <p:grpSpPr bwMode="auto">
+          <a:xfrm>
+            <a:off x="4840289" y="1250950"/>
+            <a:ext cx="2490787" cy="1728788"/>
+            <a:chOff x="3316288" y="1250950"/>
+            <a:chExt cx="2490787" cy="1728788"/>
+          </a:xfrm>
+        </p:grpSpPr>
+        <p:pic>
+          <p:nvPicPr>
+            <p:cNvPr id="23607" name="Picture 19">
+              <a:extLst>
+                <a:ext uri="{FF2B5EF4-FFF2-40B4-BE49-F238E27FC236}">
+                  <a16:creationId xmlns:a16="http://schemas.microsoft.com/office/drawing/2014/main" id="{A74C7711-FCB2-4F80-AEAE-4D845FF2CADB}"/>
+                </a:ext>
+              </a:extLst>
+            </p:cNvPr>
+            <p:cNvPicPr>
+              <a:picLocks noChangeAspect="1" noChangeArrowheads="1"/>
+            </p:cNvPicPr>
+            <p:nvPr/>
+          </p:nvPicPr>
+          <p:blipFill>
+            <a:blip r:embed="rId34">
+              <a:extLst>
+                <a:ext uri="{28A0092B-C50C-407E-A947-70E740481C1C}">
+                  <a14:useLocalDpi xmlns:a14="http://schemas.microsoft.com/office/drawing/2010/main" val="0"/>
+                </a:ext>
+              </a:extLst>
+            </a:blip>
+            <a:srcRect/>
+            <a:stretch>
+              <a:fillRect/>
+            </a:stretch>
+          </p:blipFill>
+          <p:spPr bwMode="auto">
+            <a:xfrm>
+              <a:off x="3316288" y="1250950"/>
+              <a:ext cx="2490787" cy="1728788"/>
+            </a:xfrm>
+            <a:prstGeom prst="rect">
+              <a:avLst/>
+            </a:prstGeom>
+            <a:noFill/>
+            <a:ln>
+              <a:noFill/>
+            </a:ln>
+            <a:extLst>
+              <a:ext uri="{909E8E84-426E-40DD-AFC4-6F175D3DCCD1}">
+                <a14:hiddenFill xmlns:a14="http://schemas.microsoft.com/office/drawing/2010/main">
+                  <a:solidFill>
+                    <a:srgbClr val="FFFFFF"/>
+                  </a:solidFill>
+                </a14:hiddenFill>
+              </a:ext>
+              <a:ext uri="{91240B29-F687-4F45-9708-019B960494DF}">
+                <a14:hiddenLine xmlns:a14="http://schemas.microsoft.com/office/drawing/2010/main" w="9525">
+                  <a:solidFill>
+                    <a:srgbClr val="000000"/>
+                  </a:solidFill>
+                  <a:round/>
+                  <a:headEnd/>
+                  <a:tailEnd/>
+                </a14:hiddenLine>
+              </a:ext>
+            </a:extLst>
+          </p:spPr>
+        </p:pic>
+        <p:sp>
+          <p:nvSpPr>
+            <p:cNvPr id="23608" name="Rectangle 65">
+              <a:extLst>
+                <a:ext uri="{FF2B5EF4-FFF2-40B4-BE49-F238E27FC236}">
+                  <a16:creationId xmlns:a16="http://schemas.microsoft.com/office/drawing/2014/main" id="{29E5D9E9-BC46-4371-8CBC-ED7388292502}"/>
+                </a:ext>
+              </a:extLst>
+            </p:cNvPr>
+            <p:cNvSpPr>
+              <a:spLocks noChangeArrowheads="1"/>
+            </p:cNvSpPr>
+            <p:nvPr/>
+          </p:nvSpPr>
+          <p:spPr bwMode="auto">
+            <a:xfrm>
+              <a:off x="3421063" y="1447800"/>
+              <a:ext cx="2293937" cy="1328738"/>
+            </a:xfrm>
+            <a:prstGeom prst="rect">
+              <a:avLst/>
+            </a:prstGeom>
+            <a:solidFill>
+              <a:schemeClr val="bg1">
+                <a:alpha val="50195"/>
+              </a:schemeClr>
+            </a:solidFill>
+            <a:ln w="9525">
+              <a:noFill/>
+              <a:round/>
+              <a:headEnd/>
+              <a:tailEnd/>
+            </a:ln>
+          </p:spPr>
+          <p:txBody>
+            <a:bodyPr anchorCtr="1"/>
+            <a:lstStyle/>
+            <a:p>
+              <a:pPr algn="ctr" eaLnBrk="0" hangingPunct="0">
+                <a:defRPr/>
+              </a:pPr>
+              <a:r>
+                <a:rPr lang="en-US" dirty="0">
+                  <a:ea typeface="GE Inspira Medium" charset="0"/>
+                  <a:cs typeface="GE Inspira Medium" charset="0"/>
+                </a:rPr>
+                <a:t>Patient ID Manager</a:t>
+              </a:r>
+            </a:p>
+          </p:txBody>
+        </p:sp>
+      </p:grpSp>
+      <p:sp>
+        <p:nvSpPr>
+          <p:cNvPr id="68" name="Rectangle 67">
+            <a:extLst>
+              <a:ext uri="{FF2B5EF4-FFF2-40B4-BE49-F238E27FC236}">
+                <a16:creationId xmlns:a16="http://schemas.microsoft.com/office/drawing/2014/main" id="{3FFDD483-F6EF-45B9-BC61-81CAED56EA7A}"/>
+              </a:ext>
+            </a:extLst>
+          </p:cNvPr>
+          <p:cNvSpPr>
+            <a:spLocks noChangeArrowheads="1"/>
+          </p:cNvSpPr>
+          <p:nvPr/>
+        </p:nvSpPr>
+        <p:spPr bwMode="auto">
+          <a:xfrm>
+            <a:off x="5029200" y="1963738"/>
+            <a:ext cx="2108200" cy="228600"/>
+          </a:xfrm>
+          <a:prstGeom prst="rect">
+            <a:avLst/>
+          </a:prstGeom>
+          <a:solidFill>
+            <a:srgbClr val="1E4191"/>
+          </a:solidFill>
+          <a:ln w="9525">
+            <a:noFill/>
+            <a:round/>
+            <a:headEnd/>
+            <a:tailEnd/>
+          </a:ln>
+        </p:spPr>
+        <p:txBody>
+          <a:bodyPr tIns="0" bIns="0" anchor="ctr" anchorCtr="1"/>
+          <a:lstStyle/>
+          <a:p>
+            <a:pPr eaLnBrk="0" hangingPunct="0">
+              <a:tabLst>
+                <a:tab pos="744538" algn="l"/>
+                <a:tab pos="1371600" algn="l"/>
+                <a:tab pos="1770063" algn="l"/>
+                <a:tab pos="2405063" algn="l"/>
+              </a:tabLst>
+              <a:defRPr/>
+            </a:pPr>
+            <a:r>
+              <a:rPr lang="en-US" sz="1000" dirty="0">
+                <a:solidFill>
+                  <a:schemeClr val="bg1"/>
+                </a:solidFill>
+                <a:ea typeface="ヒラギノ角ゴ Pro W3" charset="-128"/>
+                <a:cs typeface="ヒラギノ角ゴ Pro W3" charset="-128"/>
+              </a:rPr>
+              <a:t>Gary Collins	PCP	3562A	99</a:t>
+            </a:r>
+          </a:p>
+        </p:txBody>
+      </p:sp>
+      <p:sp>
+        <p:nvSpPr>
+          <p:cNvPr id="71" name="Rectangle 70">
+            <a:extLst>
+              <a:ext uri="{FF2B5EF4-FFF2-40B4-BE49-F238E27FC236}">
+                <a16:creationId xmlns:a16="http://schemas.microsoft.com/office/drawing/2014/main" id="{0871672C-6F94-4DDD-834C-D6EA2B974633}"/>
+              </a:ext>
+            </a:extLst>
+          </p:cNvPr>
+          <p:cNvSpPr>
+            <a:spLocks noChangeArrowheads="1"/>
+          </p:cNvSpPr>
+          <p:nvPr/>
+        </p:nvSpPr>
+        <p:spPr bwMode="auto">
+          <a:xfrm>
+            <a:off x="5029200" y="2227263"/>
+            <a:ext cx="2108200" cy="228600"/>
+          </a:xfrm>
+          <a:prstGeom prst="rect">
+            <a:avLst/>
+          </a:prstGeom>
+          <a:solidFill>
+            <a:srgbClr val="1E4191"/>
+          </a:solidFill>
+          <a:ln w="9525">
+            <a:noFill/>
+            <a:round/>
+            <a:headEnd/>
+            <a:tailEnd/>
+          </a:ln>
+        </p:spPr>
+        <p:txBody>
+          <a:bodyPr tIns="0" bIns="0" anchor="ctr" anchorCtr="1"/>
+          <a:lstStyle/>
+          <a:p>
+            <a:pPr eaLnBrk="0" hangingPunct="0">
+              <a:tabLst>
+                <a:tab pos="744538" algn="l"/>
+                <a:tab pos="1371600" algn="l"/>
+                <a:tab pos="1770063" algn="l"/>
+                <a:tab pos="2405063" algn="l"/>
+              </a:tabLst>
+              <a:defRPr/>
+            </a:pPr>
+            <a:r>
+              <a:rPr lang="en-US" sz="1000" dirty="0">
+                <a:solidFill>
+                  <a:schemeClr val="bg1"/>
+                </a:solidFill>
+                <a:ea typeface="ヒラギノ角ゴ Pro W3" charset="-128"/>
+                <a:cs typeface="ヒラギノ角ゴ Pro W3" charset="-128"/>
+              </a:rPr>
+              <a:t>Gary Collins	Specialty	0320	99</a:t>
+            </a:r>
+          </a:p>
+        </p:txBody>
+      </p:sp>
+      <p:sp>
+        <p:nvSpPr>
+          <p:cNvPr id="72" name="Rectangle 71">
+            <a:extLst>
+              <a:ext uri="{FF2B5EF4-FFF2-40B4-BE49-F238E27FC236}">
+                <a16:creationId xmlns:a16="http://schemas.microsoft.com/office/drawing/2014/main" id="{2E902A9E-F6CA-40E1-ABC1-FD536D53B4D4}"/>
+              </a:ext>
+            </a:extLst>
+          </p:cNvPr>
+          <p:cNvSpPr/>
+          <p:nvPr/>
+        </p:nvSpPr>
+        <p:spPr bwMode="auto">
+          <a:xfrm>
+            <a:off x="5029200" y="2489204"/>
+            <a:ext cx="2108200" cy="228600"/>
+          </a:xfrm>
+          <a:prstGeom prst="rect">
+            <a:avLst/>
+          </a:prstGeom>
+          <a:solidFill>
+            <a:srgbClr val="9DAAD6"/>
+          </a:solidFill>
+          <a:ln w="9525" cap="flat" cmpd="sng" algn="ctr">
+            <a:noFill/>
+            <a:prstDash val="solid"/>
+            <a:round/>
+            <a:headEnd type="none" w="med" len="med"/>
+            <a:tailEnd type="none" w="med" len="med"/>
+          </a:ln>
+          <a:effectLst/>
+        </p:spPr>
+        <p:txBody>
+          <a:bodyPr tIns="0" bIns="0" anchor="ctr" anchorCtr="1"/>
+          <a:lstStyle/>
+          <a:p>
+            <a:pPr eaLnBrk="0" hangingPunct="0">
+              <a:tabLst>
+                <a:tab pos="744538" algn="l"/>
+                <a:tab pos="1371600" algn="l"/>
+                <a:tab pos="1770063" algn="l"/>
+                <a:tab pos="2405063" algn="l"/>
+              </a:tabLst>
+              <a:defRPr/>
+            </a:pPr>
+            <a:r>
+              <a:rPr lang="en-US" sz="1000" dirty="0">
+                <a:solidFill>
+                  <a:srgbClr val="1E4191">
+                    <a:alpha val="50000"/>
+                  </a:srgbClr>
+                </a:solidFill>
+                <a:ea typeface="ヒラギノ角ゴ Pro W3" charset="-128"/>
+                <a:cs typeface="GE Inspira Medium"/>
+              </a:rPr>
+              <a:t>Gary Collin	Hospital 2	333	30</a:t>
+            </a:r>
+          </a:p>
+        </p:txBody>
+      </p:sp>
+      <p:sp>
+        <p:nvSpPr>
+          <p:cNvPr id="23578" name="Rectangle 72">
+            <a:extLst>
+              <a:ext uri="{FF2B5EF4-FFF2-40B4-BE49-F238E27FC236}">
+                <a16:creationId xmlns:a16="http://schemas.microsoft.com/office/drawing/2014/main" id="{B72154EF-1FC6-4288-B895-82C6EB755957}"/>
+              </a:ext>
+            </a:extLst>
+          </p:cNvPr>
+          <p:cNvSpPr>
+            <a:spLocks noChangeArrowheads="1"/>
+          </p:cNvSpPr>
+          <p:nvPr/>
+        </p:nvSpPr>
+        <p:spPr bwMode="auto">
+          <a:xfrm>
+            <a:off x="5029200" y="1752600"/>
+            <a:ext cx="2108200" cy="228600"/>
+          </a:xfrm>
+          <a:prstGeom prst="rect">
+            <a:avLst/>
+          </a:prstGeom>
+          <a:noFill/>
+          <a:ln w="9525">
+            <a:noFill/>
+            <a:round/>
+            <a:headEnd/>
+            <a:tailEnd/>
+          </a:ln>
+        </p:spPr>
+        <p:txBody>
+          <a:bodyPr tIns="0" bIns="0" anchor="ctr" anchorCtr="1"/>
+          <a:lstStyle/>
+          <a:p>
+            <a:pPr eaLnBrk="0" hangingPunct="0">
+              <a:tabLst>
+                <a:tab pos="744538" algn="l"/>
+                <a:tab pos="1371600" algn="l"/>
+                <a:tab pos="1770063" algn="l"/>
+                <a:tab pos="2405063" algn="l"/>
+              </a:tabLst>
+              <a:defRPr/>
+            </a:pPr>
+            <a:r>
+              <a:rPr lang="en-US" sz="1000" dirty="0">
+                <a:ea typeface="ヒラギノ角ゴ Pro W3" charset="-128"/>
+                <a:cs typeface="ヒラギノ角ゴ Pro W3" charset="-128"/>
+              </a:rPr>
+              <a:t>Name	Site	MRN	%</a:t>
+            </a:r>
+          </a:p>
+        </p:txBody>
+      </p:sp>
+      <p:sp>
+        <p:nvSpPr>
+          <p:cNvPr id="75" name="Rounded Rectangular Callout 74">
+            <a:extLst>
+              <a:ext uri="{FF2B5EF4-FFF2-40B4-BE49-F238E27FC236}">
+                <a16:creationId xmlns:a16="http://schemas.microsoft.com/office/drawing/2014/main" id="{5124D303-DC4B-47ED-854F-3107BF27E151}"/>
+              </a:ext>
+            </a:extLst>
+          </p:cNvPr>
+          <p:cNvSpPr>
+            <a:spLocks noChangeArrowheads="1"/>
+          </p:cNvSpPr>
+          <p:nvPr/>
+        </p:nvSpPr>
+        <p:spPr bwMode="auto">
+          <a:xfrm>
+            <a:off x="3224832" y="2433704"/>
+            <a:ext cx="520700" cy="355597"/>
+          </a:xfrm>
+          <a:prstGeom prst="wedgeRoundRectCallout">
+            <a:avLst>
+              <a:gd name="adj1" fmla="val -61275"/>
+              <a:gd name="adj2" fmla="val 79573"/>
+              <a:gd name="adj3" fmla="val 16667"/>
+            </a:avLst>
+          </a:prstGeom>
+          <a:solidFill>
+            <a:srgbClr val="1D4191"/>
+          </a:solidFill>
+          <a:ln>
+            <a:noFill/>
+          </a:ln>
+          <a:effectLst>
+            <a:outerShdw blurRad="40000" dist="20000" dir="5400000" rotWithShape="0">
+              <a:srgbClr val="808080">
+                <a:alpha val="37999"/>
+              </a:srgbClr>
+            </a:outerShdw>
+          </a:effectLst>
+          <a:extLst>
+            <a:ext uri="{91240B29-F687-4F45-9708-019B960494DF}">
+              <a14:hiddenLine xmlns:a14="http://schemas.microsoft.com/office/drawing/2010/main" w="9525">
+                <a:solidFill>
+                  <a:srgbClr val="000000"/>
+                </a:solidFill>
                 <a:miter lim="800000"/>
                 <a:headEnd/>
                 <a:tailEnd/>
@@ -3380,17 +6416,3521 @@
             </a:ext>
           </a:extLst>
         </p:spPr>
-      </p:pic>
+        <p:txBody>
+          <a:bodyPr tIns="27432" bIns="0"/>
+          <a:lstStyle/>
+          <a:p>
+            <a:pPr algn="ctr" eaLnBrk="0" hangingPunct="0">
+              <a:defRPr/>
+            </a:pPr>
+            <a:r>
+              <a:rPr lang="en-US" sz="800" dirty="0">
+                <a:solidFill>
+                  <a:schemeClr val="bg1"/>
+                </a:solidFill>
+              </a:rPr>
+              <a:t>MRN 3562A</a:t>
+            </a:r>
+          </a:p>
+        </p:txBody>
+      </p:sp>
+      <p:sp>
+        <p:nvSpPr>
+          <p:cNvPr id="76" name="Rounded Rectangular Callout 75">
+            <a:extLst>
+              <a:ext uri="{FF2B5EF4-FFF2-40B4-BE49-F238E27FC236}">
+                <a16:creationId xmlns:a16="http://schemas.microsoft.com/office/drawing/2014/main" id="{ACB7E5F1-C5E2-4518-8B97-9997E1C07CD2}"/>
+              </a:ext>
+            </a:extLst>
+          </p:cNvPr>
+          <p:cNvSpPr>
+            <a:spLocks noChangeArrowheads="1"/>
+          </p:cNvSpPr>
+          <p:nvPr/>
+        </p:nvSpPr>
+        <p:spPr bwMode="auto">
+          <a:xfrm>
+            <a:off x="5791200" y="3990973"/>
+            <a:ext cx="609600" cy="334965"/>
+          </a:xfrm>
+          <a:prstGeom prst="wedgeRoundRectCallout">
+            <a:avLst>
+              <a:gd name="adj1" fmla="val -46435"/>
+              <a:gd name="adj2" fmla="val 104926"/>
+              <a:gd name="adj3" fmla="val 16667"/>
+            </a:avLst>
+          </a:prstGeom>
+          <a:solidFill>
+            <a:schemeClr val="tx1"/>
+          </a:solidFill>
+          <a:ln>
+            <a:noFill/>
+          </a:ln>
+          <a:effectLst>
+            <a:outerShdw blurRad="40000" dist="20000" dir="5400000" rotWithShape="0">
+              <a:srgbClr val="808080">
+                <a:alpha val="37999"/>
+              </a:srgbClr>
+            </a:outerShdw>
+          </a:effectLst>
+          <a:extLst>
+            <a:ext uri="{91240B29-F687-4F45-9708-019B960494DF}">
+              <a14:hiddenLine xmlns:a14="http://schemas.microsoft.com/office/drawing/2010/main" w="9525">
+                <a:solidFill>
+                  <a:srgbClr val="000000"/>
+                </a:solidFill>
+                <a:miter lim="800000"/>
+                <a:headEnd/>
+                <a:tailEnd/>
+              </a14:hiddenLine>
+            </a:ext>
+          </a:extLst>
+        </p:spPr>
+        <p:txBody>
+          <a:bodyPr tIns="27432" bIns="0"/>
+          <a:lstStyle/>
+          <a:p>
+            <a:pPr algn="ctr" eaLnBrk="0" hangingPunct="0">
+              <a:defRPr/>
+            </a:pPr>
+            <a:r>
+              <a:rPr lang="en-US" sz="800" dirty="0">
+                <a:solidFill>
+                  <a:schemeClr val="bg1"/>
+                </a:solidFill>
+              </a:rPr>
+              <a:t>MRN 0320</a:t>
+            </a:r>
+          </a:p>
+        </p:txBody>
+      </p:sp>
+      <p:sp>
+        <p:nvSpPr>
+          <p:cNvPr id="77" name="Rounded Rectangular Callout 76">
+            <a:extLst>
+              <a:ext uri="{FF2B5EF4-FFF2-40B4-BE49-F238E27FC236}">
+                <a16:creationId xmlns:a16="http://schemas.microsoft.com/office/drawing/2014/main" id="{9F2B5EB8-274B-47E2-BBDD-355EBDDE2F83}"/>
+              </a:ext>
+            </a:extLst>
+          </p:cNvPr>
+          <p:cNvSpPr>
+            <a:spLocks noChangeArrowheads="1"/>
+          </p:cNvSpPr>
+          <p:nvPr/>
+        </p:nvSpPr>
+        <p:spPr bwMode="auto">
+          <a:xfrm>
+            <a:off x="7848600" y="3657600"/>
+            <a:ext cx="609600" cy="211138"/>
+          </a:xfrm>
+          <a:prstGeom prst="wedgeRoundRectCallout">
+            <a:avLst>
+              <a:gd name="adj1" fmla="val -46435"/>
+              <a:gd name="adj2" fmla="val 104926"/>
+              <a:gd name="adj3" fmla="val 16667"/>
+            </a:avLst>
+          </a:prstGeom>
+          <a:solidFill>
+            <a:schemeClr val="tx1"/>
+          </a:solidFill>
+          <a:ln>
+            <a:noFill/>
+          </a:ln>
+          <a:effectLst>
+            <a:outerShdw blurRad="40000" dist="20000" dir="5400000" rotWithShape="0">
+              <a:srgbClr val="808080">
+                <a:alpha val="37999"/>
+              </a:srgbClr>
+            </a:outerShdw>
+          </a:effectLst>
+          <a:extLst>
+            <a:ext uri="{91240B29-F687-4F45-9708-019B960494DF}">
+              <a14:hiddenLine xmlns:a14="http://schemas.microsoft.com/office/drawing/2010/main" w="9525">
+                <a:solidFill>
+                  <a:srgbClr val="000000"/>
+                </a:solidFill>
+                <a:miter lim="800000"/>
+                <a:headEnd/>
+                <a:tailEnd/>
+              </a14:hiddenLine>
+            </a:ext>
+          </a:extLst>
+        </p:spPr>
+        <p:txBody>
+          <a:bodyPr tIns="27432" bIns="0"/>
+          <a:lstStyle/>
+          <a:p>
+            <a:pPr algn="ctr" eaLnBrk="0" hangingPunct="0">
+              <a:defRPr/>
+            </a:pPr>
+            <a:r>
+              <a:rPr lang="en-US" sz="800" dirty="0">
+                <a:solidFill>
+                  <a:schemeClr val="bg1"/>
+                </a:solidFill>
+              </a:rPr>
+              <a:t>MRN 333</a:t>
+            </a:r>
+          </a:p>
+        </p:txBody>
+      </p:sp>
+      <p:sp>
+        <p:nvSpPr>
+          <p:cNvPr id="23583" name="AutoShape 18">
+            <a:extLst>
+              <a:ext uri="{FF2B5EF4-FFF2-40B4-BE49-F238E27FC236}">
+                <a16:creationId xmlns:a16="http://schemas.microsoft.com/office/drawing/2014/main" id="{4DDFE57C-BD5E-472B-B248-D1B05ED0B0C9}"/>
+              </a:ext>
+            </a:extLst>
+          </p:cNvPr>
+          <p:cNvSpPr>
+            <a:spLocks noChangeArrowheads="1"/>
+          </p:cNvSpPr>
+          <p:nvPr/>
+        </p:nvSpPr>
+        <p:spPr bwMode="auto">
+          <a:xfrm>
+            <a:off x="2362200" y="4191000"/>
+            <a:ext cx="762000" cy="609600"/>
+          </a:xfrm>
+          <a:prstGeom prst="roundRect">
+            <a:avLst>
+              <a:gd name="adj" fmla="val 7940"/>
+            </a:avLst>
+          </a:prstGeom>
+          <a:solidFill>
+            <a:schemeClr val="bg1">
+              <a:alpha val="74901"/>
+            </a:schemeClr>
+          </a:solidFill>
+          <a:ln w="15875">
+            <a:solidFill>
+              <a:srgbClr val="A9B9DF">
+                <a:alpha val="74901"/>
+              </a:srgbClr>
+            </a:solidFill>
+            <a:round/>
+            <a:headEnd/>
+            <a:tailEnd/>
+          </a:ln>
+        </p:spPr>
+        <p:txBody>
+          <a:bodyPr wrap="none" anchor="ctr"/>
+          <a:lstStyle>
+            <a:lvl1pPr eaLnBrk="0" hangingPunct="0">
+              <a:defRPr sz="3200">
+                <a:solidFill>
+                  <a:schemeClr val="tx1"/>
+                </a:solidFill>
+                <a:latin typeface="GE Inspira Pitch" pitchFamily="34" charset="0"/>
+                <a:ea typeface="MS PGothic" panose="020B0600070205080204" pitchFamily="34" charset="-128"/>
+              </a:defRPr>
+            </a:lvl1pPr>
+            <a:lvl2pPr marL="37931725" indent="-37474525" eaLnBrk="0" hangingPunct="0">
+              <a:defRPr sz="3200">
+                <a:solidFill>
+                  <a:schemeClr val="tx1"/>
+                </a:solidFill>
+                <a:latin typeface="GE Inspira Pitch" pitchFamily="34" charset="0"/>
+                <a:ea typeface="MS PGothic" panose="020B0600070205080204" pitchFamily="34" charset="-128"/>
+              </a:defRPr>
+            </a:lvl2pPr>
+            <a:lvl3pPr eaLnBrk="0" hangingPunct="0">
+              <a:defRPr sz="3200">
+                <a:solidFill>
+                  <a:schemeClr val="tx1"/>
+                </a:solidFill>
+                <a:latin typeface="GE Inspira Pitch" pitchFamily="34" charset="0"/>
+                <a:ea typeface="MS PGothic" panose="020B0600070205080204" pitchFamily="34" charset="-128"/>
+              </a:defRPr>
+            </a:lvl3pPr>
+            <a:lvl4pPr eaLnBrk="0" hangingPunct="0">
+              <a:defRPr sz="3200">
+                <a:solidFill>
+                  <a:schemeClr val="tx1"/>
+                </a:solidFill>
+                <a:latin typeface="GE Inspira Pitch" pitchFamily="34" charset="0"/>
+                <a:ea typeface="MS PGothic" panose="020B0600070205080204" pitchFamily="34" charset="-128"/>
+              </a:defRPr>
+            </a:lvl4pPr>
+            <a:lvl5pPr eaLnBrk="0" hangingPunct="0">
+              <a:defRPr sz="3200">
+                <a:solidFill>
+                  <a:schemeClr val="tx1"/>
+                </a:solidFill>
+                <a:latin typeface="GE Inspira Pitch" pitchFamily="34" charset="0"/>
+                <a:ea typeface="MS PGothic" panose="020B0600070205080204" pitchFamily="34" charset="-128"/>
+              </a:defRPr>
+            </a:lvl5pPr>
+            <a:lvl6pPr marL="457200" eaLnBrk="0" fontAlgn="base" hangingPunct="0">
+              <a:spcBef>
+                <a:spcPct val="0"/>
+              </a:spcBef>
+              <a:spcAft>
+                <a:spcPct val="0"/>
+              </a:spcAft>
+              <a:defRPr sz="3200">
+                <a:solidFill>
+                  <a:schemeClr val="tx1"/>
+                </a:solidFill>
+                <a:latin typeface="GE Inspira Pitch" pitchFamily="34" charset="0"/>
+                <a:ea typeface="MS PGothic" panose="020B0600070205080204" pitchFamily="34" charset="-128"/>
+              </a:defRPr>
+            </a:lvl6pPr>
+            <a:lvl7pPr marL="914400" eaLnBrk="0" fontAlgn="base" hangingPunct="0">
+              <a:spcBef>
+                <a:spcPct val="0"/>
+              </a:spcBef>
+              <a:spcAft>
+                <a:spcPct val="0"/>
+              </a:spcAft>
+              <a:defRPr sz="3200">
+                <a:solidFill>
+                  <a:schemeClr val="tx1"/>
+                </a:solidFill>
+                <a:latin typeface="GE Inspira Pitch" pitchFamily="34" charset="0"/>
+                <a:ea typeface="MS PGothic" panose="020B0600070205080204" pitchFamily="34" charset="-128"/>
+              </a:defRPr>
+            </a:lvl7pPr>
+            <a:lvl8pPr marL="1371600" eaLnBrk="0" fontAlgn="base" hangingPunct="0">
+              <a:spcBef>
+                <a:spcPct val="0"/>
+              </a:spcBef>
+              <a:spcAft>
+                <a:spcPct val="0"/>
+              </a:spcAft>
+              <a:defRPr sz="3200">
+                <a:solidFill>
+                  <a:schemeClr val="tx1"/>
+                </a:solidFill>
+                <a:latin typeface="GE Inspira Pitch" pitchFamily="34" charset="0"/>
+                <a:ea typeface="MS PGothic" panose="020B0600070205080204" pitchFamily="34" charset="-128"/>
+              </a:defRPr>
+            </a:lvl8pPr>
+            <a:lvl9pPr marL="1828800" eaLnBrk="0" fontAlgn="base" hangingPunct="0">
+              <a:spcBef>
+                <a:spcPct val="0"/>
+              </a:spcBef>
+              <a:spcAft>
+                <a:spcPct val="0"/>
+              </a:spcAft>
+              <a:defRPr sz="3200">
+                <a:solidFill>
+                  <a:schemeClr val="tx1"/>
+                </a:solidFill>
+                <a:latin typeface="GE Inspira Pitch" pitchFamily="34" charset="0"/>
+                <a:ea typeface="MS PGothic" panose="020B0600070205080204" pitchFamily="34" charset="-128"/>
+              </a:defRPr>
+            </a:lvl9pPr>
+          </a:lstStyle>
+          <a:p>
+            <a:pPr>
+              <a:lnSpc>
+                <a:spcPct val="90000"/>
+              </a:lnSpc>
+              <a:spcBef>
+                <a:spcPts val="400"/>
+              </a:spcBef>
+            </a:pPr>
+            <a:r>
+              <a:rPr lang="en-US" altLang="en-US" sz="1200">
+                <a:solidFill>
+                  <a:srgbClr val="C7D5F4"/>
+                </a:solidFill>
+              </a:rPr>
+              <a:t>PUBLIC </a:t>
+            </a:r>
+            <a:br>
+              <a:rPr lang="en-US" altLang="en-US" sz="1200">
+                <a:solidFill>
+                  <a:srgbClr val="C7D5F4"/>
+                </a:solidFill>
+              </a:rPr>
+            </a:br>
+            <a:r>
+              <a:rPr lang="en-US" altLang="en-US" sz="1200">
+                <a:solidFill>
+                  <a:srgbClr val="C7D5F4"/>
+                </a:solidFill>
+              </a:rPr>
+              <a:t>HEALTH</a:t>
+            </a:r>
+          </a:p>
+          <a:p>
+            <a:pPr>
+              <a:lnSpc>
+                <a:spcPct val="90000"/>
+              </a:lnSpc>
+              <a:spcBef>
+                <a:spcPts val="400"/>
+              </a:spcBef>
+              <a:buFont typeface="Arial" panose="020B0604020202020204" pitchFamily="34" charset="0"/>
+              <a:buChar char="•"/>
+            </a:pPr>
+            <a:r>
+              <a:rPr lang="en-US" altLang="en-US" sz="800">
+                <a:solidFill>
+                  <a:srgbClr val="C7D5F4"/>
+                </a:solidFill>
+              </a:rPr>
+              <a:t> Registries</a:t>
+            </a:r>
+          </a:p>
+        </p:txBody>
+      </p:sp>
+      <p:sp>
+        <p:nvSpPr>
+          <p:cNvPr id="23584" name="AutoShape 18">
+            <a:extLst>
+              <a:ext uri="{FF2B5EF4-FFF2-40B4-BE49-F238E27FC236}">
+                <a16:creationId xmlns:a16="http://schemas.microsoft.com/office/drawing/2014/main" id="{2984208C-33DF-47F5-8522-BC8D73D28DEE}"/>
+              </a:ext>
+            </a:extLst>
+          </p:cNvPr>
+          <p:cNvSpPr>
+            <a:spLocks noChangeArrowheads="1"/>
+          </p:cNvSpPr>
+          <p:nvPr/>
+        </p:nvSpPr>
+        <p:spPr bwMode="auto">
+          <a:xfrm>
+            <a:off x="2743201" y="4953000"/>
+            <a:ext cx="1325563" cy="446088"/>
+          </a:xfrm>
+          <a:prstGeom prst="roundRect">
+            <a:avLst>
+              <a:gd name="adj" fmla="val 7940"/>
+            </a:avLst>
+          </a:prstGeom>
+          <a:solidFill>
+            <a:schemeClr val="bg1">
+              <a:alpha val="74901"/>
+            </a:schemeClr>
+          </a:solidFill>
+          <a:ln w="15875">
+            <a:solidFill>
+              <a:srgbClr val="A9B9DF">
+                <a:alpha val="74901"/>
+              </a:srgbClr>
+            </a:solidFill>
+            <a:round/>
+            <a:headEnd/>
+            <a:tailEnd/>
+          </a:ln>
+        </p:spPr>
+        <p:txBody>
+          <a:bodyPr wrap="none" anchor="ctr"/>
+          <a:lstStyle>
+            <a:lvl1pPr eaLnBrk="0" hangingPunct="0">
+              <a:defRPr sz="3200">
+                <a:solidFill>
+                  <a:schemeClr val="tx1"/>
+                </a:solidFill>
+                <a:latin typeface="GE Inspira Pitch" pitchFamily="34" charset="0"/>
+                <a:ea typeface="MS PGothic" panose="020B0600070205080204" pitchFamily="34" charset="-128"/>
+              </a:defRPr>
+            </a:lvl1pPr>
+            <a:lvl2pPr marL="37931725" indent="-37474525" eaLnBrk="0" hangingPunct="0">
+              <a:defRPr sz="3200">
+                <a:solidFill>
+                  <a:schemeClr val="tx1"/>
+                </a:solidFill>
+                <a:latin typeface="GE Inspira Pitch" pitchFamily="34" charset="0"/>
+                <a:ea typeface="MS PGothic" panose="020B0600070205080204" pitchFamily="34" charset="-128"/>
+              </a:defRPr>
+            </a:lvl2pPr>
+            <a:lvl3pPr eaLnBrk="0" hangingPunct="0">
+              <a:defRPr sz="3200">
+                <a:solidFill>
+                  <a:schemeClr val="tx1"/>
+                </a:solidFill>
+                <a:latin typeface="GE Inspira Pitch" pitchFamily="34" charset="0"/>
+                <a:ea typeface="MS PGothic" panose="020B0600070205080204" pitchFamily="34" charset="-128"/>
+              </a:defRPr>
+            </a:lvl3pPr>
+            <a:lvl4pPr eaLnBrk="0" hangingPunct="0">
+              <a:defRPr sz="3200">
+                <a:solidFill>
+                  <a:schemeClr val="tx1"/>
+                </a:solidFill>
+                <a:latin typeface="GE Inspira Pitch" pitchFamily="34" charset="0"/>
+                <a:ea typeface="MS PGothic" panose="020B0600070205080204" pitchFamily="34" charset="-128"/>
+              </a:defRPr>
+            </a:lvl4pPr>
+            <a:lvl5pPr eaLnBrk="0" hangingPunct="0">
+              <a:defRPr sz="3200">
+                <a:solidFill>
+                  <a:schemeClr val="tx1"/>
+                </a:solidFill>
+                <a:latin typeface="GE Inspira Pitch" pitchFamily="34" charset="0"/>
+                <a:ea typeface="MS PGothic" panose="020B0600070205080204" pitchFamily="34" charset="-128"/>
+              </a:defRPr>
+            </a:lvl5pPr>
+            <a:lvl6pPr marL="457200" eaLnBrk="0" fontAlgn="base" hangingPunct="0">
+              <a:spcBef>
+                <a:spcPct val="0"/>
+              </a:spcBef>
+              <a:spcAft>
+                <a:spcPct val="0"/>
+              </a:spcAft>
+              <a:defRPr sz="3200">
+                <a:solidFill>
+                  <a:schemeClr val="tx1"/>
+                </a:solidFill>
+                <a:latin typeface="GE Inspira Pitch" pitchFamily="34" charset="0"/>
+                <a:ea typeface="MS PGothic" panose="020B0600070205080204" pitchFamily="34" charset="-128"/>
+              </a:defRPr>
+            </a:lvl6pPr>
+            <a:lvl7pPr marL="914400" eaLnBrk="0" fontAlgn="base" hangingPunct="0">
+              <a:spcBef>
+                <a:spcPct val="0"/>
+              </a:spcBef>
+              <a:spcAft>
+                <a:spcPct val="0"/>
+              </a:spcAft>
+              <a:defRPr sz="3200">
+                <a:solidFill>
+                  <a:schemeClr val="tx1"/>
+                </a:solidFill>
+                <a:latin typeface="GE Inspira Pitch" pitchFamily="34" charset="0"/>
+                <a:ea typeface="MS PGothic" panose="020B0600070205080204" pitchFamily="34" charset="-128"/>
+              </a:defRPr>
+            </a:lvl7pPr>
+            <a:lvl8pPr marL="1371600" eaLnBrk="0" fontAlgn="base" hangingPunct="0">
+              <a:spcBef>
+                <a:spcPct val="0"/>
+              </a:spcBef>
+              <a:spcAft>
+                <a:spcPct val="0"/>
+              </a:spcAft>
+              <a:defRPr sz="3200">
+                <a:solidFill>
+                  <a:schemeClr val="tx1"/>
+                </a:solidFill>
+                <a:latin typeface="GE Inspira Pitch" pitchFamily="34" charset="0"/>
+                <a:ea typeface="MS PGothic" panose="020B0600070205080204" pitchFamily="34" charset="-128"/>
+              </a:defRPr>
+            </a:lvl8pPr>
+            <a:lvl9pPr marL="1828800" eaLnBrk="0" fontAlgn="base" hangingPunct="0">
+              <a:spcBef>
+                <a:spcPct val="0"/>
+              </a:spcBef>
+              <a:spcAft>
+                <a:spcPct val="0"/>
+              </a:spcAft>
+              <a:defRPr sz="3200">
+                <a:solidFill>
+                  <a:schemeClr val="tx1"/>
+                </a:solidFill>
+                <a:latin typeface="GE Inspira Pitch" pitchFamily="34" charset="0"/>
+                <a:ea typeface="MS PGothic" panose="020B0600070205080204" pitchFamily="34" charset="-128"/>
+              </a:defRPr>
+            </a:lvl9pPr>
+          </a:lstStyle>
+          <a:p>
+            <a:pPr>
+              <a:lnSpc>
+                <a:spcPct val="90000"/>
+              </a:lnSpc>
+              <a:spcBef>
+                <a:spcPts val="400"/>
+              </a:spcBef>
+            </a:pPr>
+            <a:r>
+              <a:rPr lang="en-US" altLang="en-US" sz="1200">
+                <a:solidFill>
+                  <a:srgbClr val="C7D5F4"/>
+                </a:solidFill>
+              </a:rPr>
+              <a:t>PHARMACY/PBMs</a:t>
+            </a:r>
+          </a:p>
+          <a:p>
+            <a:pPr>
+              <a:lnSpc>
+                <a:spcPct val="90000"/>
+              </a:lnSpc>
+              <a:spcBef>
+                <a:spcPts val="400"/>
+              </a:spcBef>
+              <a:buFont typeface="Arial" panose="020B0604020202020204" pitchFamily="34" charset="0"/>
+              <a:buChar char="•"/>
+            </a:pPr>
+            <a:r>
+              <a:rPr lang="en-US" altLang="en-US" sz="800">
+                <a:solidFill>
+                  <a:srgbClr val="C7D5F4"/>
+                </a:solidFill>
+              </a:rPr>
+              <a:t> RX History</a:t>
+            </a:r>
+            <a:endParaRPr lang="en-US" altLang="en-US" sz="800" b="1">
+              <a:solidFill>
+                <a:srgbClr val="C7D5F4"/>
+              </a:solidFill>
+            </a:endParaRPr>
+          </a:p>
+        </p:txBody>
+      </p:sp>
+      <p:sp>
+        <p:nvSpPr>
+          <p:cNvPr id="23585" name="AutoShape 18">
+            <a:extLst>
+              <a:ext uri="{FF2B5EF4-FFF2-40B4-BE49-F238E27FC236}">
+                <a16:creationId xmlns:a16="http://schemas.microsoft.com/office/drawing/2014/main" id="{1DCACF23-8796-4432-A347-163AB8506EF2}"/>
+              </a:ext>
+            </a:extLst>
+          </p:cNvPr>
+          <p:cNvSpPr>
+            <a:spLocks noChangeArrowheads="1"/>
+          </p:cNvSpPr>
+          <p:nvPr/>
+        </p:nvSpPr>
+        <p:spPr bwMode="auto">
+          <a:xfrm>
+            <a:off x="4351339" y="5207000"/>
+            <a:ext cx="1201737" cy="769938"/>
+          </a:xfrm>
+          <a:prstGeom prst="roundRect">
+            <a:avLst>
+              <a:gd name="adj" fmla="val 7940"/>
+            </a:avLst>
+          </a:prstGeom>
+          <a:solidFill>
+            <a:schemeClr val="bg1">
+              <a:alpha val="74901"/>
+            </a:schemeClr>
+          </a:solidFill>
+          <a:ln w="15875">
+            <a:solidFill>
+              <a:srgbClr val="A9B9DF">
+                <a:alpha val="74901"/>
+              </a:srgbClr>
+            </a:solidFill>
+            <a:round/>
+            <a:headEnd/>
+            <a:tailEnd/>
+          </a:ln>
+        </p:spPr>
+        <p:txBody>
+          <a:bodyPr wrap="none" anchor="ctr"/>
+          <a:lstStyle>
+            <a:lvl1pPr eaLnBrk="0" hangingPunct="0">
+              <a:defRPr sz="3200">
+                <a:solidFill>
+                  <a:schemeClr val="tx1"/>
+                </a:solidFill>
+                <a:latin typeface="GE Inspira Pitch" pitchFamily="34" charset="0"/>
+                <a:ea typeface="MS PGothic" panose="020B0600070205080204" pitchFamily="34" charset="-128"/>
+              </a:defRPr>
+            </a:lvl1pPr>
+            <a:lvl2pPr marL="37931725" indent="-37474525" eaLnBrk="0" hangingPunct="0">
+              <a:defRPr sz="3200">
+                <a:solidFill>
+                  <a:schemeClr val="tx1"/>
+                </a:solidFill>
+                <a:latin typeface="GE Inspira Pitch" pitchFamily="34" charset="0"/>
+                <a:ea typeface="MS PGothic" panose="020B0600070205080204" pitchFamily="34" charset="-128"/>
+              </a:defRPr>
+            </a:lvl2pPr>
+            <a:lvl3pPr eaLnBrk="0" hangingPunct="0">
+              <a:defRPr sz="3200">
+                <a:solidFill>
+                  <a:schemeClr val="tx1"/>
+                </a:solidFill>
+                <a:latin typeface="GE Inspira Pitch" pitchFamily="34" charset="0"/>
+                <a:ea typeface="MS PGothic" panose="020B0600070205080204" pitchFamily="34" charset="-128"/>
+              </a:defRPr>
+            </a:lvl3pPr>
+            <a:lvl4pPr eaLnBrk="0" hangingPunct="0">
+              <a:defRPr sz="3200">
+                <a:solidFill>
+                  <a:schemeClr val="tx1"/>
+                </a:solidFill>
+                <a:latin typeface="GE Inspira Pitch" pitchFamily="34" charset="0"/>
+                <a:ea typeface="MS PGothic" panose="020B0600070205080204" pitchFamily="34" charset="-128"/>
+              </a:defRPr>
+            </a:lvl4pPr>
+            <a:lvl5pPr eaLnBrk="0" hangingPunct="0">
+              <a:defRPr sz="3200">
+                <a:solidFill>
+                  <a:schemeClr val="tx1"/>
+                </a:solidFill>
+                <a:latin typeface="GE Inspira Pitch" pitchFamily="34" charset="0"/>
+                <a:ea typeface="MS PGothic" panose="020B0600070205080204" pitchFamily="34" charset="-128"/>
+              </a:defRPr>
+            </a:lvl5pPr>
+            <a:lvl6pPr marL="457200" eaLnBrk="0" fontAlgn="base" hangingPunct="0">
+              <a:spcBef>
+                <a:spcPct val="0"/>
+              </a:spcBef>
+              <a:spcAft>
+                <a:spcPct val="0"/>
+              </a:spcAft>
+              <a:defRPr sz="3200">
+                <a:solidFill>
+                  <a:schemeClr val="tx1"/>
+                </a:solidFill>
+                <a:latin typeface="GE Inspira Pitch" pitchFamily="34" charset="0"/>
+                <a:ea typeface="MS PGothic" panose="020B0600070205080204" pitchFamily="34" charset="-128"/>
+              </a:defRPr>
+            </a:lvl6pPr>
+            <a:lvl7pPr marL="914400" eaLnBrk="0" fontAlgn="base" hangingPunct="0">
+              <a:spcBef>
+                <a:spcPct val="0"/>
+              </a:spcBef>
+              <a:spcAft>
+                <a:spcPct val="0"/>
+              </a:spcAft>
+              <a:defRPr sz="3200">
+                <a:solidFill>
+                  <a:schemeClr val="tx1"/>
+                </a:solidFill>
+                <a:latin typeface="GE Inspira Pitch" pitchFamily="34" charset="0"/>
+                <a:ea typeface="MS PGothic" panose="020B0600070205080204" pitchFamily="34" charset="-128"/>
+              </a:defRPr>
+            </a:lvl7pPr>
+            <a:lvl8pPr marL="1371600" eaLnBrk="0" fontAlgn="base" hangingPunct="0">
+              <a:spcBef>
+                <a:spcPct val="0"/>
+              </a:spcBef>
+              <a:spcAft>
+                <a:spcPct val="0"/>
+              </a:spcAft>
+              <a:defRPr sz="3200">
+                <a:solidFill>
+                  <a:schemeClr val="tx1"/>
+                </a:solidFill>
+                <a:latin typeface="GE Inspira Pitch" pitchFamily="34" charset="0"/>
+                <a:ea typeface="MS PGothic" panose="020B0600070205080204" pitchFamily="34" charset="-128"/>
+              </a:defRPr>
+            </a:lvl8pPr>
+            <a:lvl9pPr marL="1828800" eaLnBrk="0" fontAlgn="base" hangingPunct="0">
+              <a:spcBef>
+                <a:spcPct val="0"/>
+              </a:spcBef>
+              <a:spcAft>
+                <a:spcPct val="0"/>
+              </a:spcAft>
+              <a:defRPr sz="3200">
+                <a:solidFill>
+                  <a:schemeClr val="tx1"/>
+                </a:solidFill>
+                <a:latin typeface="GE Inspira Pitch" pitchFamily="34" charset="0"/>
+                <a:ea typeface="MS PGothic" panose="020B0600070205080204" pitchFamily="34" charset="-128"/>
+              </a:defRPr>
+            </a:lvl9pPr>
+          </a:lstStyle>
+          <a:p>
+            <a:pPr>
+              <a:lnSpc>
+                <a:spcPct val="90000"/>
+              </a:lnSpc>
+              <a:spcBef>
+                <a:spcPts val="400"/>
+              </a:spcBef>
+            </a:pPr>
+            <a:r>
+              <a:rPr lang="en-US" altLang="en-US" sz="1200">
+                <a:solidFill>
+                  <a:srgbClr val="4157AD"/>
+                </a:solidFill>
+              </a:rPr>
+              <a:t>SPECIALTY</a:t>
+            </a:r>
+            <a:br>
+              <a:rPr lang="en-US" altLang="en-US" sz="1200">
+                <a:solidFill>
+                  <a:srgbClr val="4157AD"/>
+                </a:solidFill>
+              </a:rPr>
+            </a:br>
+            <a:r>
+              <a:rPr lang="en-US" altLang="en-US" sz="1200">
+                <a:solidFill>
+                  <a:srgbClr val="4157AD"/>
+                </a:solidFill>
+              </a:rPr>
+              <a:t>PRACTICE</a:t>
+            </a:r>
+          </a:p>
+          <a:p>
+            <a:pPr>
+              <a:lnSpc>
+                <a:spcPct val="90000"/>
+              </a:lnSpc>
+              <a:spcBef>
+                <a:spcPts val="400"/>
+              </a:spcBef>
+              <a:buFont typeface="Arial" panose="020B0604020202020204" pitchFamily="34" charset="0"/>
+              <a:buChar char="•"/>
+            </a:pPr>
+            <a:r>
+              <a:rPr lang="en-US" altLang="en-US" sz="800">
+                <a:solidFill>
+                  <a:srgbClr val="4157AD"/>
+                </a:solidFill>
+              </a:rPr>
+              <a:t> Practice Management</a:t>
+            </a:r>
+          </a:p>
+          <a:p>
+            <a:pPr>
+              <a:lnSpc>
+                <a:spcPct val="90000"/>
+              </a:lnSpc>
+              <a:spcBef>
+                <a:spcPts val="400"/>
+              </a:spcBef>
+              <a:buFont typeface="Arial" panose="020B0604020202020204" pitchFamily="34" charset="0"/>
+              <a:buChar char="•"/>
+            </a:pPr>
+            <a:r>
+              <a:rPr lang="en-US" altLang="en-US" sz="800">
+                <a:solidFill>
+                  <a:srgbClr val="4157AD"/>
+                </a:solidFill>
+              </a:rPr>
+              <a:t> EMR</a:t>
+            </a:r>
+            <a:endParaRPr lang="en-US" altLang="en-US" sz="800" b="1">
+              <a:solidFill>
+                <a:srgbClr val="4157AD"/>
+              </a:solidFill>
+            </a:endParaRPr>
+          </a:p>
+        </p:txBody>
+      </p:sp>
+      <p:sp>
+        <p:nvSpPr>
+          <p:cNvPr id="23586" name="AutoShape 18">
+            <a:extLst>
+              <a:ext uri="{FF2B5EF4-FFF2-40B4-BE49-F238E27FC236}">
+                <a16:creationId xmlns:a16="http://schemas.microsoft.com/office/drawing/2014/main" id="{E6FC39F5-CB6E-43A4-B751-881F26BE4833}"/>
+              </a:ext>
+            </a:extLst>
+          </p:cNvPr>
+          <p:cNvSpPr>
+            <a:spLocks noChangeArrowheads="1"/>
+          </p:cNvSpPr>
+          <p:nvPr/>
+        </p:nvSpPr>
+        <p:spPr bwMode="auto">
+          <a:xfrm>
+            <a:off x="6553200" y="5207000"/>
+            <a:ext cx="1201738" cy="769938"/>
+          </a:xfrm>
+          <a:prstGeom prst="roundRect">
+            <a:avLst>
+              <a:gd name="adj" fmla="val 7940"/>
+            </a:avLst>
+          </a:prstGeom>
+          <a:solidFill>
+            <a:schemeClr val="bg1">
+              <a:alpha val="74901"/>
+            </a:schemeClr>
+          </a:solidFill>
+          <a:ln w="15875">
+            <a:solidFill>
+              <a:srgbClr val="A9B9DF">
+                <a:alpha val="74901"/>
+              </a:srgbClr>
+            </a:solidFill>
+            <a:round/>
+            <a:headEnd/>
+            <a:tailEnd/>
+          </a:ln>
+        </p:spPr>
+        <p:txBody>
+          <a:bodyPr wrap="none" anchor="ctr"/>
+          <a:lstStyle>
+            <a:lvl1pPr eaLnBrk="0" hangingPunct="0">
+              <a:defRPr sz="3200">
+                <a:solidFill>
+                  <a:schemeClr val="tx1"/>
+                </a:solidFill>
+                <a:latin typeface="GE Inspira Pitch" pitchFamily="34" charset="0"/>
+                <a:ea typeface="MS PGothic" panose="020B0600070205080204" pitchFamily="34" charset="-128"/>
+              </a:defRPr>
+            </a:lvl1pPr>
+            <a:lvl2pPr marL="37931725" indent="-37474525" eaLnBrk="0" hangingPunct="0">
+              <a:defRPr sz="3200">
+                <a:solidFill>
+                  <a:schemeClr val="tx1"/>
+                </a:solidFill>
+                <a:latin typeface="GE Inspira Pitch" pitchFamily="34" charset="0"/>
+                <a:ea typeface="MS PGothic" panose="020B0600070205080204" pitchFamily="34" charset="-128"/>
+              </a:defRPr>
+            </a:lvl2pPr>
+            <a:lvl3pPr eaLnBrk="0" hangingPunct="0">
+              <a:defRPr sz="3200">
+                <a:solidFill>
+                  <a:schemeClr val="tx1"/>
+                </a:solidFill>
+                <a:latin typeface="GE Inspira Pitch" pitchFamily="34" charset="0"/>
+                <a:ea typeface="MS PGothic" panose="020B0600070205080204" pitchFamily="34" charset="-128"/>
+              </a:defRPr>
+            </a:lvl3pPr>
+            <a:lvl4pPr eaLnBrk="0" hangingPunct="0">
+              <a:defRPr sz="3200">
+                <a:solidFill>
+                  <a:schemeClr val="tx1"/>
+                </a:solidFill>
+                <a:latin typeface="GE Inspira Pitch" pitchFamily="34" charset="0"/>
+                <a:ea typeface="MS PGothic" panose="020B0600070205080204" pitchFamily="34" charset="-128"/>
+              </a:defRPr>
+            </a:lvl4pPr>
+            <a:lvl5pPr eaLnBrk="0" hangingPunct="0">
+              <a:defRPr sz="3200">
+                <a:solidFill>
+                  <a:schemeClr val="tx1"/>
+                </a:solidFill>
+                <a:latin typeface="GE Inspira Pitch" pitchFamily="34" charset="0"/>
+                <a:ea typeface="MS PGothic" panose="020B0600070205080204" pitchFamily="34" charset="-128"/>
+              </a:defRPr>
+            </a:lvl5pPr>
+            <a:lvl6pPr marL="457200" eaLnBrk="0" fontAlgn="base" hangingPunct="0">
+              <a:spcBef>
+                <a:spcPct val="0"/>
+              </a:spcBef>
+              <a:spcAft>
+                <a:spcPct val="0"/>
+              </a:spcAft>
+              <a:defRPr sz="3200">
+                <a:solidFill>
+                  <a:schemeClr val="tx1"/>
+                </a:solidFill>
+                <a:latin typeface="GE Inspira Pitch" pitchFamily="34" charset="0"/>
+                <a:ea typeface="MS PGothic" panose="020B0600070205080204" pitchFamily="34" charset="-128"/>
+              </a:defRPr>
+            </a:lvl6pPr>
+            <a:lvl7pPr marL="914400" eaLnBrk="0" fontAlgn="base" hangingPunct="0">
+              <a:spcBef>
+                <a:spcPct val="0"/>
+              </a:spcBef>
+              <a:spcAft>
+                <a:spcPct val="0"/>
+              </a:spcAft>
+              <a:defRPr sz="3200">
+                <a:solidFill>
+                  <a:schemeClr val="tx1"/>
+                </a:solidFill>
+                <a:latin typeface="GE Inspira Pitch" pitchFamily="34" charset="0"/>
+                <a:ea typeface="MS PGothic" panose="020B0600070205080204" pitchFamily="34" charset="-128"/>
+              </a:defRPr>
+            </a:lvl7pPr>
+            <a:lvl8pPr marL="1371600" eaLnBrk="0" fontAlgn="base" hangingPunct="0">
+              <a:spcBef>
+                <a:spcPct val="0"/>
+              </a:spcBef>
+              <a:spcAft>
+                <a:spcPct val="0"/>
+              </a:spcAft>
+              <a:defRPr sz="3200">
+                <a:solidFill>
+                  <a:schemeClr val="tx1"/>
+                </a:solidFill>
+                <a:latin typeface="GE Inspira Pitch" pitchFamily="34" charset="0"/>
+                <a:ea typeface="MS PGothic" panose="020B0600070205080204" pitchFamily="34" charset="-128"/>
+              </a:defRPr>
+            </a:lvl8pPr>
+            <a:lvl9pPr marL="1828800" eaLnBrk="0" fontAlgn="base" hangingPunct="0">
+              <a:spcBef>
+                <a:spcPct val="0"/>
+              </a:spcBef>
+              <a:spcAft>
+                <a:spcPct val="0"/>
+              </a:spcAft>
+              <a:defRPr sz="3200">
+                <a:solidFill>
+                  <a:schemeClr val="tx1"/>
+                </a:solidFill>
+                <a:latin typeface="GE Inspira Pitch" pitchFamily="34" charset="0"/>
+                <a:ea typeface="MS PGothic" panose="020B0600070205080204" pitchFamily="34" charset="-128"/>
+              </a:defRPr>
+            </a:lvl9pPr>
+          </a:lstStyle>
+          <a:p>
+            <a:pPr>
+              <a:lnSpc>
+                <a:spcPct val="90000"/>
+              </a:lnSpc>
+              <a:spcBef>
+                <a:spcPts val="400"/>
+              </a:spcBef>
+            </a:pPr>
+            <a:r>
+              <a:rPr lang="en-US" altLang="en-US" sz="1200">
+                <a:solidFill>
+                  <a:srgbClr val="C7D5F4"/>
+                </a:solidFill>
+              </a:rPr>
+              <a:t>HOSPITAL 1</a:t>
+            </a:r>
+          </a:p>
+          <a:p>
+            <a:pPr>
+              <a:lnSpc>
+                <a:spcPct val="90000"/>
+              </a:lnSpc>
+              <a:spcBef>
+                <a:spcPts val="400"/>
+              </a:spcBef>
+              <a:buFont typeface="Arial" panose="020B0604020202020204" pitchFamily="34" charset="0"/>
+              <a:buChar char="•"/>
+            </a:pPr>
+            <a:r>
+              <a:rPr lang="en-US" altLang="en-US" sz="800">
+                <a:solidFill>
+                  <a:srgbClr val="C7D5F4"/>
+                </a:solidFill>
+              </a:rPr>
+              <a:t> EMR/PM’s</a:t>
+            </a:r>
+          </a:p>
+          <a:p>
+            <a:pPr>
+              <a:lnSpc>
+                <a:spcPct val="90000"/>
+              </a:lnSpc>
+              <a:spcBef>
+                <a:spcPts val="400"/>
+              </a:spcBef>
+              <a:buFont typeface="Arial" panose="020B0604020202020204" pitchFamily="34" charset="0"/>
+              <a:buChar char="•"/>
+            </a:pPr>
+            <a:r>
+              <a:rPr lang="en-US" altLang="en-US" sz="800">
+                <a:solidFill>
+                  <a:srgbClr val="C7D5F4"/>
+                </a:solidFill>
+              </a:rPr>
+              <a:t> Lab</a:t>
+            </a:r>
+          </a:p>
+          <a:p>
+            <a:pPr>
+              <a:lnSpc>
+                <a:spcPct val="90000"/>
+              </a:lnSpc>
+              <a:spcBef>
+                <a:spcPts val="400"/>
+              </a:spcBef>
+              <a:buFont typeface="Arial" panose="020B0604020202020204" pitchFamily="34" charset="0"/>
+              <a:buChar char="•"/>
+            </a:pPr>
+            <a:r>
+              <a:rPr lang="en-US" altLang="en-US" sz="800" b="1">
+                <a:solidFill>
+                  <a:srgbClr val="C7D5F4"/>
+                </a:solidFill>
+              </a:rPr>
+              <a:t> PACS Archive</a:t>
+            </a:r>
+          </a:p>
+        </p:txBody>
+      </p:sp>
+      <p:sp>
+        <p:nvSpPr>
+          <p:cNvPr id="23587" name="AutoShape 18">
+            <a:extLst>
+              <a:ext uri="{FF2B5EF4-FFF2-40B4-BE49-F238E27FC236}">
+                <a16:creationId xmlns:a16="http://schemas.microsoft.com/office/drawing/2014/main" id="{D6ED4C73-36F4-4830-A805-93EA97BC7D62}"/>
+              </a:ext>
+            </a:extLst>
+          </p:cNvPr>
+          <p:cNvSpPr>
+            <a:spLocks noChangeArrowheads="1"/>
+          </p:cNvSpPr>
+          <p:nvPr/>
+        </p:nvSpPr>
+        <p:spPr bwMode="auto">
+          <a:xfrm>
+            <a:off x="8382000" y="4808539"/>
+            <a:ext cx="1201738" cy="771525"/>
+          </a:xfrm>
+          <a:prstGeom prst="roundRect">
+            <a:avLst>
+              <a:gd name="adj" fmla="val 7940"/>
+            </a:avLst>
+          </a:prstGeom>
+          <a:solidFill>
+            <a:schemeClr val="bg1">
+              <a:alpha val="74901"/>
+            </a:schemeClr>
+          </a:solidFill>
+          <a:ln w="15875">
+            <a:solidFill>
+              <a:srgbClr val="A9B9DF">
+                <a:alpha val="74901"/>
+              </a:srgbClr>
+            </a:solidFill>
+            <a:round/>
+            <a:headEnd/>
+            <a:tailEnd/>
+          </a:ln>
+        </p:spPr>
+        <p:txBody>
+          <a:bodyPr wrap="none" anchor="ctr"/>
+          <a:lstStyle>
+            <a:lvl1pPr eaLnBrk="0" hangingPunct="0">
+              <a:defRPr sz="3200">
+                <a:solidFill>
+                  <a:schemeClr val="tx1"/>
+                </a:solidFill>
+                <a:latin typeface="GE Inspira Pitch" pitchFamily="34" charset="0"/>
+                <a:ea typeface="MS PGothic" panose="020B0600070205080204" pitchFamily="34" charset="-128"/>
+              </a:defRPr>
+            </a:lvl1pPr>
+            <a:lvl2pPr marL="37931725" indent="-37474525" eaLnBrk="0" hangingPunct="0">
+              <a:defRPr sz="3200">
+                <a:solidFill>
+                  <a:schemeClr val="tx1"/>
+                </a:solidFill>
+                <a:latin typeface="GE Inspira Pitch" pitchFamily="34" charset="0"/>
+                <a:ea typeface="MS PGothic" panose="020B0600070205080204" pitchFamily="34" charset="-128"/>
+              </a:defRPr>
+            </a:lvl2pPr>
+            <a:lvl3pPr eaLnBrk="0" hangingPunct="0">
+              <a:defRPr sz="3200">
+                <a:solidFill>
+                  <a:schemeClr val="tx1"/>
+                </a:solidFill>
+                <a:latin typeface="GE Inspira Pitch" pitchFamily="34" charset="0"/>
+                <a:ea typeface="MS PGothic" panose="020B0600070205080204" pitchFamily="34" charset="-128"/>
+              </a:defRPr>
+            </a:lvl3pPr>
+            <a:lvl4pPr eaLnBrk="0" hangingPunct="0">
+              <a:defRPr sz="3200">
+                <a:solidFill>
+                  <a:schemeClr val="tx1"/>
+                </a:solidFill>
+                <a:latin typeface="GE Inspira Pitch" pitchFamily="34" charset="0"/>
+                <a:ea typeface="MS PGothic" panose="020B0600070205080204" pitchFamily="34" charset="-128"/>
+              </a:defRPr>
+            </a:lvl4pPr>
+            <a:lvl5pPr eaLnBrk="0" hangingPunct="0">
+              <a:defRPr sz="3200">
+                <a:solidFill>
+                  <a:schemeClr val="tx1"/>
+                </a:solidFill>
+                <a:latin typeface="GE Inspira Pitch" pitchFamily="34" charset="0"/>
+                <a:ea typeface="MS PGothic" panose="020B0600070205080204" pitchFamily="34" charset="-128"/>
+              </a:defRPr>
+            </a:lvl5pPr>
+            <a:lvl6pPr marL="457200" eaLnBrk="0" fontAlgn="base" hangingPunct="0">
+              <a:spcBef>
+                <a:spcPct val="0"/>
+              </a:spcBef>
+              <a:spcAft>
+                <a:spcPct val="0"/>
+              </a:spcAft>
+              <a:defRPr sz="3200">
+                <a:solidFill>
+                  <a:schemeClr val="tx1"/>
+                </a:solidFill>
+                <a:latin typeface="GE Inspira Pitch" pitchFamily="34" charset="0"/>
+                <a:ea typeface="MS PGothic" panose="020B0600070205080204" pitchFamily="34" charset="-128"/>
+              </a:defRPr>
+            </a:lvl6pPr>
+            <a:lvl7pPr marL="914400" eaLnBrk="0" fontAlgn="base" hangingPunct="0">
+              <a:spcBef>
+                <a:spcPct val="0"/>
+              </a:spcBef>
+              <a:spcAft>
+                <a:spcPct val="0"/>
+              </a:spcAft>
+              <a:defRPr sz="3200">
+                <a:solidFill>
+                  <a:schemeClr val="tx1"/>
+                </a:solidFill>
+                <a:latin typeface="GE Inspira Pitch" pitchFamily="34" charset="0"/>
+                <a:ea typeface="MS PGothic" panose="020B0600070205080204" pitchFamily="34" charset="-128"/>
+              </a:defRPr>
+            </a:lvl7pPr>
+            <a:lvl8pPr marL="1371600" eaLnBrk="0" fontAlgn="base" hangingPunct="0">
+              <a:spcBef>
+                <a:spcPct val="0"/>
+              </a:spcBef>
+              <a:spcAft>
+                <a:spcPct val="0"/>
+              </a:spcAft>
+              <a:defRPr sz="3200">
+                <a:solidFill>
+                  <a:schemeClr val="tx1"/>
+                </a:solidFill>
+                <a:latin typeface="GE Inspira Pitch" pitchFamily="34" charset="0"/>
+                <a:ea typeface="MS PGothic" panose="020B0600070205080204" pitchFamily="34" charset="-128"/>
+              </a:defRPr>
+            </a:lvl8pPr>
+            <a:lvl9pPr marL="1828800" eaLnBrk="0" fontAlgn="base" hangingPunct="0">
+              <a:spcBef>
+                <a:spcPct val="0"/>
+              </a:spcBef>
+              <a:spcAft>
+                <a:spcPct val="0"/>
+              </a:spcAft>
+              <a:defRPr sz="3200">
+                <a:solidFill>
+                  <a:schemeClr val="tx1"/>
+                </a:solidFill>
+                <a:latin typeface="GE Inspira Pitch" pitchFamily="34" charset="0"/>
+                <a:ea typeface="MS PGothic" panose="020B0600070205080204" pitchFamily="34" charset="-128"/>
+              </a:defRPr>
+            </a:lvl9pPr>
+          </a:lstStyle>
+          <a:p>
+            <a:pPr>
+              <a:lnSpc>
+                <a:spcPct val="90000"/>
+              </a:lnSpc>
+              <a:spcBef>
+                <a:spcPts val="400"/>
+              </a:spcBef>
+            </a:pPr>
+            <a:r>
+              <a:rPr lang="en-US" altLang="en-US" sz="1200">
+                <a:solidFill>
+                  <a:srgbClr val="4157AD"/>
+                </a:solidFill>
+              </a:rPr>
+              <a:t>HOSPITAL 2</a:t>
+            </a:r>
+          </a:p>
+          <a:p>
+            <a:pPr>
+              <a:lnSpc>
+                <a:spcPct val="90000"/>
+              </a:lnSpc>
+              <a:spcBef>
+                <a:spcPts val="400"/>
+              </a:spcBef>
+              <a:buFont typeface="Arial" panose="020B0604020202020204" pitchFamily="34" charset="0"/>
+              <a:buChar char="•"/>
+            </a:pPr>
+            <a:r>
+              <a:rPr lang="en-US" altLang="en-US" sz="800">
+                <a:solidFill>
+                  <a:srgbClr val="4157AD"/>
+                </a:solidFill>
+              </a:rPr>
+              <a:t> EMR/PM’s</a:t>
+            </a:r>
+          </a:p>
+          <a:p>
+            <a:pPr>
+              <a:lnSpc>
+                <a:spcPct val="90000"/>
+              </a:lnSpc>
+              <a:spcBef>
+                <a:spcPts val="400"/>
+              </a:spcBef>
+              <a:buFont typeface="Arial" panose="020B0604020202020204" pitchFamily="34" charset="0"/>
+              <a:buChar char="•"/>
+            </a:pPr>
+            <a:r>
+              <a:rPr lang="en-US" altLang="en-US" sz="800">
+                <a:solidFill>
+                  <a:srgbClr val="4157AD"/>
+                </a:solidFill>
+              </a:rPr>
+              <a:t> Lab</a:t>
+            </a:r>
+          </a:p>
+          <a:p>
+            <a:pPr>
+              <a:lnSpc>
+                <a:spcPct val="90000"/>
+              </a:lnSpc>
+              <a:spcBef>
+                <a:spcPts val="400"/>
+              </a:spcBef>
+              <a:buFont typeface="Arial" panose="020B0604020202020204" pitchFamily="34" charset="0"/>
+              <a:buChar char="•"/>
+            </a:pPr>
+            <a:r>
+              <a:rPr lang="en-US" altLang="en-US" sz="800" b="1">
+                <a:solidFill>
+                  <a:srgbClr val="4157AD"/>
+                </a:solidFill>
+              </a:rPr>
+              <a:t> PACS Archive</a:t>
+            </a:r>
+          </a:p>
+        </p:txBody>
+      </p:sp>
+      <p:sp>
+        <p:nvSpPr>
+          <p:cNvPr id="23588" name="AutoShape 18">
+            <a:extLst>
+              <a:ext uri="{FF2B5EF4-FFF2-40B4-BE49-F238E27FC236}">
+                <a16:creationId xmlns:a16="http://schemas.microsoft.com/office/drawing/2014/main" id="{8282F1BA-0D07-4134-AE75-9B88D6B6DCAF}"/>
+              </a:ext>
+            </a:extLst>
+          </p:cNvPr>
+          <p:cNvSpPr>
+            <a:spLocks noChangeArrowheads="1"/>
+          </p:cNvSpPr>
+          <p:nvPr/>
+        </p:nvSpPr>
+        <p:spPr bwMode="auto">
+          <a:xfrm>
+            <a:off x="9245600" y="4081463"/>
+            <a:ext cx="711200" cy="457200"/>
+          </a:xfrm>
+          <a:prstGeom prst="roundRect">
+            <a:avLst>
+              <a:gd name="adj" fmla="val 7940"/>
+            </a:avLst>
+          </a:prstGeom>
+          <a:solidFill>
+            <a:schemeClr val="bg1">
+              <a:alpha val="74901"/>
+            </a:schemeClr>
+          </a:solidFill>
+          <a:ln w="15875">
+            <a:solidFill>
+              <a:srgbClr val="A9B9DF">
+                <a:alpha val="74901"/>
+              </a:srgbClr>
+            </a:solidFill>
+            <a:round/>
+            <a:headEnd/>
+            <a:tailEnd/>
+          </a:ln>
+        </p:spPr>
+        <p:txBody>
+          <a:bodyPr wrap="none" anchor="ctr"/>
+          <a:lstStyle>
+            <a:lvl1pPr eaLnBrk="0" hangingPunct="0">
+              <a:defRPr sz="3200">
+                <a:solidFill>
+                  <a:schemeClr val="tx1"/>
+                </a:solidFill>
+                <a:latin typeface="GE Inspira Pitch" pitchFamily="34" charset="0"/>
+                <a:ea typeface="MS PGothic" panose="020B0600070205080204" pitchFamily="34" charset="-128"/>
+              </a:defRPr>
+            </a:lvl1pPr>
+            <a:lvl2pPr marL="37931725" indent="-37474525" eaLnBrk="0" hangingPunct="0">
+              <a:defRPr sz="3200">
+                <a:solidFill>
+                  <a:schemeClr val="tx1"/>
+                </a:solidFill>
+                <a:latin typeface="GE Inspira Pitch" pitchFamily="34" charset="0"/>
+                <a:ea typeface="MS PGothic" panose="020B0600070205080204" pitchFamily="34" charset="-128"/>
+              </a:defRPr>
+            </a:lvl2pPr>
+            <a:lvl3pPr eaLnBrk="0" hangingPunct="0">
+              <a:defRPr sz="3200">
+                <a:solidFill>
+                  <a:schemeClr val="tx1"/>
+                </a:solidFill>
+                <a:latin typeface="GE Inspira Pitch" pitchFamily="34" charset="0"/>
+                <a:ea typeface="MS PGothic" panose="020B0600070205080204" pitchFamily="34" charset="-128"/>
+              </a:defRPr>
+            </a:lvl3pPr>
+            <a:lvl4pPr eaLnBrk="0" hangingPunct="0">
+              <a:defRPr sz="3200">
+                <a:solidFill>
+                  <a:schemeClr val="tx1"/>
+                </a:solidFill>
+                <a:latin typeface="GE Inspira Pitch" pitchFamily="34" charset="0"/>
+                <a:ea typeface="MS PGothic" panose="020B0600070205080204" pitchFamily="34" charset="-128"/>
+              </a:defRPr>
+            </a:lvl4pPr>
+            <a:lvl5pPr eaLnBrk="0" hangingPunct="0">
+              <a:defRPr sz="3200">
+                <a:solidFill>
+                  <a:schemeClr val="tx1"/>
+                </a:solidFill>
+                <a:latin typeface="GE Inspira Pitch" pitchFamily="34" charset="0"/>
+                <a:ea typeface="MS PGothic" panose="020B0600070205080204" pitchFamily="34" charset="-128"/>
+              </a:defRPr>
+            </a:lvl5pPr>
+            <a:lvl6pPr marL="457200" eaLnBrk="0" fontAlgn="base" hangingPunct="0">
+              <a:spcBef>
+                <a:spcPct val="0"/>
+              </a:spcBef>
+              <a:spcAft>
+                <a:spcPct val="0"/>
+              </a:spcAft>
+              <a:defRPr sz="3200">
+                <a:solidFill>
+                  <a:schemeClr val="tx1"/>
+                </a:solidFill>
+                <a:latin typeface="GE Inspira Pitch" pitchFamily="34" charset="0"/>
+                <a:ea typeface="MS PGothic" panose="020B0600070205080204" pitchFamily="34" charset="-128"/>
+              </a:defRPr>
+            </a:lvl6pPr>
+            <a:lvl7pPr marL="914400" eaLnBrk="0" fontAlgn="base" hangingPunct="0">
+              <a:spcBef>
+                <a:spcPct val="0"/>
+              </a:spcBef>
+              <a:spcAft>
+                <a:spcPct val="0"/>
+              </a:spcAft>
+              <a:defRPr sz="3200">
+                <a:solidFill>
+                  <a:schemeClr val="tx1"/>
+                </a:solidFill>
+                <a:latin typeface="GE Inspira Pitch" pitchFamily="34" charset="0"/>
+                <a:ea typeface="MS PGothic" panose="020B0600070205080204" pitchFamily="34" charset="-128"/>
+              </a:defRPr>
+            </a:lvl7pPr>
+            <a:lvl8pPr marL="1371600" eaLnBrk="0" fontAlgn="base" hangingPunct="0">
+              <a:spcBef>
+                <a:spcPct val="0"/>
+              </a:spcBef>
+              <a:spcAft>
+                <a:spcPct val="0"/>
+              </a:spcAft>
+              <a:defRPr sz="3200">
+                <a:solidFill>
+                  <a:schemeClr val="tx1"/>
+                </a:solidFill>
+                <a:latin typeface="GE Inspira Pitch" pitchFamily="34" charset="0"/>
+                <a:ea typeface="MS PGothic" panose="020B0600070205080204" pitchFamily="34" charset="-128"/>
+              </a:defRPr>
+            </a:lvl8pPr>
+            <a:lvl9pPr marL="1828800" eaLnBrk="0" fontAlgn="base" hangingPunct="0">
+              <a:spcBef>
+                <a:spcPct val="0"/>
+              </a:spcBef>
+              <a:spcAft>
+                <a:spcPct val="0"/>
+              </a:spcAft>
+              <a:defRPr sz="3200">
+                <a:solidFill>
+                  <a:schemeClr val="tx1"/>
+                </a:solidFill>
+                <a:latin typeface="GE Inspira Pitch" pitchFamily="34" charset="0"/>
+                <a:ea typeface="MS PGothic" panose="020B0600070205080204" pitchFamily="34" charset="-128"/>
+              </a:defRPr>
+            </a:lvl9pPr>
+          </a:lstStyle>
+          <a:p>
+            <a:pPr>
+              <a:lnSpc>
+                <a:spcPct val="90000"/>
+              </a:lnSpc>
+              <a:spcBef>
+                <a:spcPts val="400"/>
+              </a:spcBef>
+            </a:pPr>
+            <a:r>
+              <a:rPr lang="en-US" altLang="en-US" sz="1200">
+                <a:solidFill>
+                  <a:srgbClr val="C7D5F4"/>
+                </a:solidFill>
+              </a:rPr>
+              <a:t>PAYERS</a:t>
+            </a:r>
+          </a:p>
+          <a:p>
+            <a:pPr>
+              <a:lnSpc>
+                <a:spcPct val="90000"/>
+              </a:lnSpc>
+              <a:spcBef>
+                <a:spcPts val="400"/>
+              </a:spcBef>
+              <a:buFont typeface="Arial" panose="020B0604020202020204" pitchFamily="34" charset="0"/>
+              <a:buChar char="•"/>
+            </a:pPr>
+            <a:r>
+              <a:rPr lang="en-US" altLang="en-US" sz="800">
+                <a:solidFill>
+                  <a:srgbClr val="C7D5F4"/>
+                </a:solidFill>
+              </a:rPr>
+              <a:t> Claim Data</a:t>
+            </a:r>
+            <a:endParaRPr lang="en-US" altLang="en-US" sz="800" b="1">
+              <a:solidFill>
+                <a:srgbClr val="C7D5F4"/>
+              </a:solidFill>
+            </a:endParaRPr>
+          </a:p>
+        </p:txBody>
+      </p:sp>
+      <p:grpSp>
+        <p:nvGrpSpPr>
+          <p:cNvPr id="13" name="Group 89">
+            <a:extLst>
+              <a:ext uri="{FF2B5EF4-FFF2-40B4-BE49-F238E27FC236}">
+                <a16:creationId xmlns:a16="http://schemas.microsoft.com/office/drawing/2014/main" id="{6F493503-A1AE-431B-8305-C332124D9C04}"/>
+              </a:ext>
+            </a:extLst>
+          </p:cNvPr>
+          <p:cNvGrpSpPr>
+            <a:grpSpLocks/>
+          </p:cNvGrpSpPr>
+          <p:nvPr/>
+        </p:nvGrpSpPr>
+        <p:grpSpPr bwMode="auto">
+          <a:xfrm>
+            <a:off x="7678737" y="4127502"/>
+            <a:ext cx="1905001" cy="1452562"/>
+            <a:chOff x="6154737" y="4127501"/>
+            <a:chExt cx="1904995" cy="1452556"/>
+          </a:xfrm>
+        </p:grpSpPr>
+        <p:grpSp>
+          <p:nvGrpSpPr>
+            <p:cNvPr id="23603" name="Group 45">
+              <a:extLst>
+                <a:ext uri="{FF2B5EF4-FFF2-40B4-BE49-F238E27FC236}">
+                  <a16:creationId xmlns:a16="http://schemas.microsoft.com/office/drawing/2014/main" id="{293523F5-2376-428D-BF23-3630F38A978F}"/>
+                </a:ext>
+              </a:extLst>
+            </p:cNvPr>
+            <p:cNvGrpSpPr>
+              <a:grpSpLocks/>
+            </p:cNvGrpSpPr>
+            <p:nvPr/>
+          </p:nvGrpSpPr>
+          <p:grpSpPr bwMode="auto">
+            <a:xfrm>
+              <a:off x="6154737" y="4127501"/>
+              <a:ext cx="1420811" cy="1035051"/>
+              <a:chOff x="0" y="0"/>
+              <a:chExt cx="894" cy="652"/>
+            </a:xfrm>
+          </p:grpSpPr>
+          <p:pic>
+            <p:nvPicPr>
+              <p:cNvPr id="23605" name="Picture 46">
+                <a:extLst>
+                  <a:ext uri="{FF2B5EF4-FFF2-40B4-BE49-F238E27FC236}">
+                    <a16:creationId xmlns:a16="http://schemas.microsoft.com/office/drawing/2014/main" id="{85A60BC4-442F-4115-8DDD-D26B5C07F2BD}"/>
+                  </a:ext>
+                </a:extLst>
+              </p:cNvPr>
+              <p:cNvPicPr>
+                <a:picLocks noChangeAspect="1" noChangeArrowheads="1"/>
+              </p:cNvPicPr>
+              <p:nvPr/>
+            </p:nvPicPr>
+            <p:blipFill>
+              <a:blip r:embed="rId8">
+                <a:extLst>
+                  <a:ext uri="{28A0092B-C50C-407E-A947-70E740481C1C}">
+                    <a14:useLocalDpi xmlns:a14="http://schemas.microsoft.com/office/drawing/2010/main" val="0"/>
+                  </a:ext>
+                </a:extLst>
+              </a:blip>
+              <a:srcRect/>
+              <a:stretch>
+                <a:fillRect/>
+              </a:stretch>
+            </p:blipFill>
+            <p:spPr bwMode="auto">
+              <a:xfrm>
+                <a:off x="0" y="211"/>
+                <a:ext cx="894" cy="441"/>
+              </a:xfrm>
+              <a:prstGeom prst="rect">
+                <a:avLst/>
+              </a:prstGeom>
+              <a:noFill/>
+              <a:ln>
+                <a:noFill/>
+              </a:ln>
+              <a:extLst>
+                <a:ext uri="{909E8E84-426E-40DD-AFC4-6F175D3DCCD1}">
+                  <a14:hiddenFill xmlns:a14="http://schemas.microsoft.com/office/drawing/2010/main">
+                    <a:solidFill>
+                      <a:srgbClr val="FFFFFF"/>
+                    </a:solidFill>
+                  </a14:hiddenFill>
+                </a:ext>
+                <a:ext uri="{91240B29-F687-4F45-9708-019B960494DF}">
+                  <a14:hiddenLine xmlns:a14="http://schemas.microsoft.com/office/drawing/2010/main" w="9525">
+                    <a:solidFill>
+                      <a:srgbClr val="000000"/>
+                    </a:solidFill>
+                    <a:round/>
+                    <a:headEnd/>
+                    <a:tailEnd/>
+                  </a14:hiddenLine>
+                </a:ext>
+              </a:extLst>
+            </p:spPr>
+          </p:pic>
+          <p:pic>
+            <p:nvPicPr>
+              <p:cNvPr id="23606" name="Picture 47">
+                <a:extLst>
+                  <a:ext uri="{FF2B5EF4-FFF2-40B4-BE49-F238E27FC236}">
+                    <a16:creationId xmlns:a16="http://schemas.microsoft.com/office/drawing/2014/main" id="{34AB4143-2375-457C-BF70-E8155228D16D}"/>
+                  </a:ext>
+                </a:extLst>
+              </p:cNvPr>
+              <p:cNvPicPr>
+                <a:picLocks noChangeAspect="1" noChangeArrowheads="1"/>
+              </p:cNvPicPr>
+              <p:nvPr/>
+            </p:nvPicPr>
+            <p:blipFill>
+              <a:blip r:embed="rId35">
+                <a:extLst>
+                  <a:ext uri="{28A0092B-C50C-407E-A947-70E740481C1C}">
+                    <a14:useLocalDpi xmlns:a14="http://schemas.microsoft.com/office/drawing/2010/main" val="0"/>
+                  </a:ext>
+                </a:extLst>
+              </a:blip>
+              <a:srcRect/>
+              <a:stretch>
+                <a:fillRect/>
+              </a:stretch>
+            </p:blipFill>
+            <p:spPr bwMode="auto">
+              <a:xfrm>
+                <a:off x="82" y="0"/>
+                <a:ext cx="736" cy="462"/>
+              </a:xfrm>
+              <a:prstGeom prst="rect">
+                <a:avLst/>
+              </a:prstGeom>
+              <a:noFill/>
+              <a:ln>
+                <a:noFill/>
+              </a:ln>
+              <a:extLst>
+                <a:ext uri="{909E8E84-426E-40DD-AFC4-6F175D3DCCD1}">
+                  <a14:hiddenFill xmlns:a14="http://schemas.microsoft.com/office/drawing/2010/main">
+                    <a:solidFill>
+                      <a:srgbClr val="FFFFFF"/>
+                    </a:solidFill>
+                  </a14:hiddenFill>
+                </a:ext>
+                <a:ext uri="{91240B29-F687-4F45-9708-019B960494DF}">
+                  <a14:hiddenLine xmlns:a14="http://schemas.microsoft.com/office/drawing/2010/main" w="9525">
+                    <a:solidFill>
+                      <a:srgbClr val="000000"/>
+                    </a:solidFill>
+                    <a:round/>
+                    <a:headEnd/>
+                    <a:tailEnd/>
+                  </a14:hiddenLine>
+                </a:ext>
+              </a:extLst>
+            </p:spPr>
+          </p:pic>
+        </p:grpSp>
+        <p:sp>
+          <p:nvSpPr>
+            <p:cNvPr id="86" name="AutoShape 18">
+              <a:extLst>
+                <a:ext uri="{FF2B5EF4-FFF2-40B4-BE49-F238E27FC236}">
+                  <a16:creationId xmlns:a16="http://schemas.microsoft.com/office/drawing/2014/main" id="{D976FBF4-C962-473C-871E-CD6649C5642D}"/>
+                </a:ext>
+              </a:extLst>
+            </p:cNvPr>
+            <p:cNvSpPr>
+              <a:spLocks noChangeArrowheads="1"/>
+            </p:cNvSpPr>
+            <p:nvPr/>
+          </p:nvSpPr>
+          <p:spPr bwMode="auto">
+            <a:xfrm>
+              <a:off x="6857998" y="4808535"/>
+              <a:ext cx="1201734" cy="771522"/>
+            </a:xfrm>
+            <a:prstGeom prst="roundRect">
+              <a:avLst>
+                <a:gd name="adj" fmla="val 7940"/>
+              </a:avLst>
+            </a:prstGeom>
+            <a:solidFill>
+              <a:schemeClr val="bg1">
+                <a:alpha val="74901"/>
+              </a:schemeClr>
+            </a:solidFill>
+            <a:ln w="15875">
+              <a:solidFill>
+                <a:srgbClr val="A9B9DF">
+                  <a:alpha val="74901"/>
+                </a:srgbClr>
+              </a:solidFill>
+              <a:round/>
+              <a:headEnd/>
+              <a:tailEnd/>
+            </a:ln>
+          </p:spPr>
+          <p:txBody>
+            <a:bodyPr wrap="none" anchor="ctr"/>
+            <a:lstStyle>
+              <a:lvl1pPr eaLnBrk="0" hangingPunct="0">
+                <a:defRPr sz="3200">
+                  <a:solidFill>
+                    <a:schemeClr val="tx1"/>
+                  </a:solidFill>
+                  <a:latin typeface="GE Inspira Pitch" pitchFamily="34" charset="0"/>
+                  <a:ea typeface="MS PGothic" panose="020B0600070205080204" pitchFamily="34" charset="-128"/>
+                </a:defRPr>
+              </a:lvl1pPr>
+              <a:lvl2pPr marL="37931725" indent="-37474525" eaLnBrk="0" hangingPunct="0">
+                <a:defRPr sz="3200">
+                  <a:solidFill>
+                    <a:schemeClr val="tx1"/>
+                  </a:solidFill>
+                  <a:latin typeface="GE Inspira Pitch" pitchFamily="34" charset="0"/>
+                  <a:ea typeface="MS PGothic" panose="020B0600070205080204" pitchFamily="34" charset="-128"/>
+                </a:defRPr>
+              </a:lvl2pPr>
+              <a:lvl3pPr eaLnBrk="0" hangingPunct="0">
+                <a:defRPr sz="3200">
+                  <a:solidFill>
+                    <a:schemeClr val="tx1"/>
+                  </a:solidFill>
+                  <a:latin typeface="GE Inspira Pitch" pitchFamily="34" charset="0"/>
+                  <a:ea typeface="MS PGothic" panose="020B0600070205080204" pitchFamily="34" charset="-128"/>
+                </a:defRPr>
+              </a:lvl3pPr>
+              <a:lvl4pPr eaLnBrk="0" hangingPunct="0">
+                <a:defRPr sz="3200">
+                  <a:solidFill>
+                    <a:schemeClr val="tx1"/>
+                  </a:solidFill>
+                  <a:latin typeface="GE Inspira Pitch" pitchFamily="34" charset="0"/>
+                  <a:ea typeface="MS PGothic" panose="020B0600070205080204" pitchFamily="34" charset="-128"/>
+                </a:defRPr>
+              </a:lvl4pPr>
+              <a:lvl5pPr eaLnBrk="0" hangingPunct="0">
+                <a:defRPr sz="3200">
+                  <a:solidFill>
+                    <a:schemeClr val="tx1"/>
+                  </a:solidFill>
+                  <a:latin typeface="GE Inspira Pitch" pitchFamily="34" charset="0"/>
+                  <a:ea typeface="MS PGothic" panose="020B0600070205080204" pitchFamily="34" charset="-128"/>
+                </a:defRPr>
+              </a:lvl5pPr>
+              <a:lvl6pPr marL="457200" eaLnBrk="0" fontAlgn="base" hangingPunct="0">
+                <a:spcBef>
+                  <a:spcPct val="0"/>
+                </a:spcBef>
+                <a:spcAft>
+                  <a:spcPct val="0"/>
+                </a:spcAft>
+                <a:defRPr sz="3200">
+                  <a:solidFill>
+                    <a:schemeClr val="tx1"/>
+                  </a:solidFill>
+                  <a:latin typeface="GE Inspira Pitch" pitchFamily="34" charset="0"/>
+                  <a:ea typeface="MS PGothic" panose="020B0600070205080204" pitchFamily="34" charset="-128"/>
+                </a:defRPr>
+              </a:lvl6pPr>
+              <a:lvl7pPr marL="914400" eaLnBrk="0" fontAlgn="base" hangingPunct="0">
+                <a:spcBef>
+                  <a:spcPct val="0"/>
+                </a:spcBef>
+                <a:spcAft>
+                  <a:spcPct val="0"/>
+                </a:spcAft>
+                <a:defRPr sz="3200">
+                  <a:solidFill>
+                    <a:schemeClr val="tx1"/>
+                  </a:solidFill>
+                  <a:latin typeface="GE Inspira Pitch" pitchFamily="34" charset="0"/>
+                  <a:ea typeface="MS PGothic" panose="020B0600070205080204" pitchFamily="34" charset="-128"/>
+                </a:defRPr>
+              </a:lvl7pPr>
+              <a:lvl8pPr marL="1371600" eaLnBrk="0" fontAlgn="base" hangingPunct="0">
+                <a:spcBef>
+                  <a:spcPct val="0"/>
+                </a:spcBef>
+                <a:spcAft>
+                  <a:spcPct val="0"/>
+                </a:spcAft>
+                <a:defRPr sz="3200">
+                  <a:solidFill>
+                    <a:schemeClr val="tx1"/>
+                  </a:solidFill>
+                  <a:latin typeface="GE Inspira Pitch" pitchFamily="34" charset="0"/>
+                  <a:ea typeface="MS PGothic" panose="020B0600070205080204" pitchFamily="34" charset="-128"/>
+                </a:defRPr>
+              </a:lvl8pPr>
+              <a:lvl9pPr marL="1828800" eaLnBrk="0" fontAlgn="base" hangingPunct="0">
+                <a:spcBef>
+                  <a:spcPct val="0"/>
+                </a:spcBef>
+                <a:spcAft>
+                  <a:spcPct val="0"/>
+                </a:spcAft>
+                <a:defRPr sz="3200">
+                  <a:solidFill>
+                    <a:schemeClr val="tx1"/>
+                  </a:solidFill>
+                  <a:latin typeface="GE Inspira Pitch" pitchFamily="34" charset="0"/>
+                  <a:ea typeface="MS PGothic" panose="020B0600070205080204" pitchFamily="34" charset="-128"/>
+                </a:defRPr>
+              </a:lvl9pPr>
+            </a:lstStyle>
+            <a:p>
+              <a:pPr>
+                <a:lnSpc>
+                  <a:spcPct val="90000"/>
+                </a:lnSpc>
+                <a:spcBef>
+                  <a:spcPts val="400"/>
+                </a:spcBef>
+              </a:pPr>
+              <a:r>
+                <a:rPr lang="en-US" altLang="en-US" sz="1200">
+                  <a:solidFill>
+                    <a:srgbClr val="C7D5F4"/>
+                  </a:solidFill>
+                </a:rPr>
+                <a:t>HOSPITAL 2</a:t>
+              </a:r>
+            </a:p>
+            <a:p>
+              <a:pPr>
+                <a:lnSpc>
+                  <a:spcPct val="90000"/>
+                </a:lnSpc>
+                <a:spcBef>
+                  <a:spcPts val="400"/>
+                </a:spcBef>
+                <a:buFont typeface="Arial" panose="020B0604020202020204" pitchFamily="34" charset="0"/>
+                <a:buChar char="•"/>
+              </a:pPr>
+              <a:r>
+                <a:rPr lang="en-US" altLang="en-US" sz="800">
+                  <a:solidFill>
+                    <a:srgbClr val="C7D5F4"/>
+                  </a:solidFill>
+                </a:rPr>
+                <a:t> EMR/PM’s</a:t>
+              </a:r>
+            </a:p>
+            <a:p>
+              <a:pPr>
+                <a:lnSpc>
+                  <a:spcPct val="90000"/>
+                </a:lnSpc>
+                <a:spcBef>
+                  <a:spcPts val="400"/>
+                </a:spcBef>
+                <a:buFont typeface="Arial" panose="020B0604020202020204" pitchFamily="34" charset="0"/>
+                <a:buChar char="•"/>
+              </a:pPr>
+              <a:r>
+                <a:rPr lang="en-US" altLang="en-US" sz="800">
+                  <a:solidFill>
+                    <a:srgbClr val="C7D5F4"/>
+                  </a:solidFill>
+                </a:rPr>
+                <a:t> Lab</a:t>
+              </a:r>
+            </a:p>
+            <a:p>
+              <a:pPr>
+                <a:lnSpc>
+                  <a:spcPct val="90000"/>
+                </a:lnSpc>
+                <a:spcBef>
+                  <a:spcPts val="400"/>
+                </a:spcBef>
+                <a:buFont typeface="Arial" panose="020B0604020202020204" pitchFamily="34" charset="0"/>
+                <a:buChar char="•"/>
+              </a:pPr>
+              <a:r>
+                <a:rPr lang="en-US" altLang="en-US" sz="800" b="1">
+                  <a:solidFill>
+                    <a:srgbClr val="C7D5F4"/>
+                  </a:solidFill>
+                </a:rPr>
+                <a:t> PACS Archive</a:t>
+              </a:r>
+            </a:p>
+          </p:txBody>
+        </p:sp>
+      </p:grpSp>
+      <p:grpSp>
+        <p:nvGrpSpPr>
+          <p:cNvPr id="15" name="Group 85">
+            <a:extLst>
+              <a:ext uri="{FF2B5EF4-FFF2-40B4-BE49-F238E27FC236}">
+                <a16:creationId xmlns:a16="http://schemas.microsoft.com/office/drawing/2014/main" id="{DC125C98-BDA0-42BA-9D5F-5242BCB12928}"/>
+              </a:ext>
+            </a:extLst>
+          </p:cNvPr>
+          <p:cNvGrpSpPr>
+            <a:grpSpLocks/>
+          </p:cNvGrpSpPr>
+          <p:nvPr/>
+        </p:nvGrpSpPr>
+        <p:grpSpPr bwMode="auto">
+          <a:xfrm>
+            <a:off x="4351339" y="4457700"/>
+            <a:ext cx="1546226" cy="1519238"/>
+            <a:chOff x="2827332" y="4457700"/>
+            <a:chExt cx="1546232" cy="1519232"/>
+          </a:xfrm>
+        </p:grpSpPr>
+        <p:grpSp>
+          <p:nvGrpSpPr>
+            <p:cNvPr id="23599" name="Group 54">
+              <a:extLst>
+                <a:ext uri="{FF2B5EF4-FFF2-40B4-BE49-F238E27FC236}">
+                  <a16:creationId xmlns:a16="http://schemas.microsoft.com/office/drawing/2014/main" id="{9435249E-7467-493B-B489-CC928EB08BAF}"/>
+                </a:ext>
+              </a:extLst>
+            </p:cNvPr>
+            <p:cNvGrpSpPr>
+              <a:grpSpLocks/>
+            </p:cNvGrpSpPr>
+            <p:nvPr/>
+          </p:nvGrpSpPr>
+          <p:grpSpPr bwMode="auto">
+            <a:xfrm>
+              <a:off x="2913064" y="4457700"/>
+              <a:ext cx="1460500" cy="1219201"/>
+              <a:chOff x="0" y="0"/>
+              <a:chExt cx="920" cy="768"/>
+            </a:xfrm>
+          </p:grpSpPr>
+          <p:pic>
+            <p:nvPicPr>
+              <p:cNvPr id="23601" name="Picture 55">
+                <a:extLst>
+                  <a:ext uri="{FF2B5EF4-FFF2-40B4-BE49-F238E27FC236}">
+                    <a16:creationId xmlns:a16="http://schemas.microsoft.com/office/drawing/2014/main" id="{E5F8873F-D079-4BB3-8FEC-D58353DDE904}"/>
+                  </a:ext>
+                </a:extLst>
+              </p:cNvPr>
+              <p:cNvPicPr>
+                <a:picLocks noChangeAspect="1" noChangeArrowheads="1"/>
+              </p:cNvPicPr>
+              <p:nvPr/>
+            </p:nvPicPr>
+            <p:blipFill>
+              <a:blip r:embed="rId10">
+                <a:extLst>
+                  <a:ext uri="{28A0092B-C50C-407E-A947-70E740481C1C}">
+                    <a14:useLocalDpi xmlns:a14="http://schemas.microsoft.com/office/drawing/2010/main" val="0"/>
+                  </a:ext>
+                </a:extLst>
+              </a:blip>
+              <a:srcRect/>
+              <a:stretch>
+                <a:fillRect/>
+              </a:stretch>
+            </p:blipFill>
+            <p:spPr bwMode="auto">
+              <a:xfrm>
+                <a:off x="0" y="217"/>
+                <a:ext cx="920" cy="551"/>
+              </a:xfrm>
+              <a:prstGeom prst="rect">
+                <a:avLst/>
+              </a:prstGeom>
+              <a:noFill/>
+              <a:ln>
+                <a:noFill/>
+              </a:ln>
+              <a:extLst>
+                <a:ext uri="{909E8E84-426E-40DD-AFC4-6F175D3DCCD1}">
+                  <a14:hiddenFill xmlns:a14="http://schemas.microsoft.com/office/drawing/2010/main">
+                    <a:solidFill>
+                      <a:srgbClr val="FFFFFF"/>
+                    </a:solidFill>
+                  </a14:hiddenFill>
+                </a:ext>
+                <a:ext uri="{91240B29-F687-4F45-9708-019B960494DF}">
+                  <a14:hiddenLine xmlns:a14="http://schemas.microsoft.com/office/drawing/2010/main" w="9525">
+                    <a:solidFill>
+                      <a:srgbClr val="000000"/>
+                    </a:solidFill>
+                    <a:round/>
+                    <a:headEnd/>
+                    <a:tailEnd/>
+                  </a14:hiddenLine>
+                </a:ext>
+              </a:extLst>
+            </p:spPr>
+          </p:pic>
+          <p:pic>
+            <p:nvPicPr>
+              <p:cNvPr id="23602" name="Picture 56">
+                <a:extLst>
+                  <a:ext uri="{FF2B5EF4-FFF2-40B4-BE49-F238E27FC236}">
+                    <a16:creationId xmlns:a16="http://schemas.microsoft.com/office/drawing/2014/main" id="{9EFC4E13-FB9E-43E7-BFA8-BB66A35B7DE0}"/>
+                  </a:ext>
+                </a:extLst>
+              </p:cNvPr>
+              <p:cNvPicPr>
+                <a:picLocks noChangeAspect="1" noChangeArrowheads="1"/>
+              </p:cNvPicPr>
+              <p:nvPr/>
+            </p:nvPicPr>
+            <p:blipFill>
+              <a:blip r:embed="rId36">
+                <a:extLst>
+                  <a:ext uri="{28A0092B-C50C-407E-A947-70E740481C1C}">
+                    <a14:useLocalDpi xmlns:a14="http://schemas.microsoft.com/office/drawing/2010/main" val="0"/>
+                  </a:ext>
+                </a:extLst>
+              </a:blip>
+              <a:srcRect/>
+              <a:stretch>
+                <a:fillRect/>
+              </a:stretch>
+            </p:blipFill>
+            <p:spPr bwMode="auto">
+              <a:xfrm>
+                <a:off x="156" y="0"/>
+                <a:ext cx="560" cy="651"/>
+              </a:xfrm>
+              <a:prstGeom prst="rect">
+                <a:avLst/>
+              </a:prstGeom>
+              <a:noFill/>
+              <a:ln>
+                <a:noFill/>
+              </a:ln>
+              <a:extLst>
+                <a:ext uri="{909E8E84-426E-40DD-AFC4-6F175D3DCCD1}">
+                  <a14:hiddenFill xmlns:a14="http://schemas.microsoft.com/office/drawing/2010/main">
+                    <a:solidFill>
+                      <a:srgbClr val="FFFFFF"/>
+                    </a:solidFill>
+                  </a14:hiddenFill>
+                </a:ext>
+                <a:ext uri="{91240B29-F687-4F45-9708-019B960494DF}">
+                  <a14:hiddenLine xmlns:a14="http://schemas.microsoft.com/office/drawing/2010/main" w="9525">
+                    <a:solidFill>
+                      <a:srgbClr val="000000"/>
+                    </a:solidFill>
+                    <a:round/>
+                    <a:headEnd/>
+                    <a:tailEnd/>
+                  </a14:hiddenLine>
+                </a:ext>
+              </a:extLst>
+            </p:spPr>
+          </p:pic>
+        </p:grpSp>
+        <p:sp>
+          <p:nvSpPr>
+            <p:cNvPr id="91" name="AutoShape 18">
+              <a:extLst>
+                <a:ext uri="{FF2B5EF4-FFF2-40B4-BE49-F238E27FC236}">
+                  <a16:creationId xmlns:a16="http://schemas.microsoft.com/office/drawing/2014/main" id="{2D1D8D4B-AA49-4CC0-BF25-4883DA2CF0DE}"/>
+                </a:ext>
+              </a:extLst>
+            </p:cNvPr>
+            <p:cNvSpPr>
+              <a:spLocks noChangeArrowheads="1"/>
+            </p:cNvSpPr>
+            <p:nvPr/>
+          </p:nvSpPr>
+          <p:spPr bwMode="auto">
+            <a:xfrm>
+              <a:off x="2827332" y="5206997"/>
+              <a:ext cx="1201742" cy="769935"/>
+            </a:xfrm>
+            <a:prstGeom prst="roundRect">
+              <a:avLst>
+                <a:gd name="adj" fmla="val 7940"/>
+              </a:avLst>
+            </a:prstGeom>
+            <a:solidFill>
+              <a:schemeClr val="bg1">
+                <a:alpha val="74901"/>
+              </a:schemeClr>
+            </a:solidFill>
+            <a:ln w="15875">
+              <a:solidFill>
+                <a:srgbClr val="A9B9DF">
+                  <a:alpha val="74901"/>
+                </a:srgbClr>
+              </a:solidFill>
+              <a:round/>
+              <a:headEnd/>
+              <a:tailEnd/>
+            </a:ln>
+          </p:spPr>
+          <p:txBody>
+            <a:bodyPr wrap="none" anchor="ctr"/>
+            <a:lstStyle>
+              <a:lvl1pPr eaLnBrk="0" hangingPunct="0">
+                <a:defRPr sz="3200">
+                  <a:solidFill>
+                    <a:schemeClr val="tx1"/>
+                  </a:solidFill>
+                  <a:latin typeface="GE Inspira Pitch" pitchFamily="34" charset="0"/>
+                  <a:ea typeface="MS PGothic" panose="020B0600070205080204" pitchFamily="34" charset="-128"/>
+                </a:defRPr>
+              </a:lvl1pPr>
+              <a:lvl2pPr marL="37931725" indent="-37474525" eaLnBrk="0" hangingPunct="0">
+                <a:defRPr sz="3200">
+                  <a:solidFill>
+                    <a:schemeClr val="tx1"/>
+                  </a:solidFill>
+                  <a:latin typeface="GE Inspira Pitch" pitchFamily="34" charset="0"/>
+                  <a:ea typeface="MS PGothic" panose="020B0600070205080204" pitchFamily="34" charset="-128"/>
+                </a:defRPr>
+              </a:lvl2pPr>
+              <a:lvl3pPr eaLnBrk="0" hangingPunct="0">
+                <a:defRPr sz="3200">
+                  <a:solidFill>
+                    <a:schemeClr val="tx1"/>
+                  </a:solidFill>
+                  <a:latin typeface="GE Inspira Pitch" pitchFamily="34" charset="0"/>
+                  <a:ea typeface="MS PGothic" panose="020B0600070205080204" pitchFamily="34" charset="-128"/>
+                </a:defRPr>
+              </a:lvl3pPr>
+              <a:lvl4pPr eaLnBrk="0" hangingPunct="0">
+                <a:defRPr sz="3200">
+                  <a:solidFill>
+                    <a:schemeClr val="tx1"/>
+                  </a:solidFill>
+                  <a:latin typeface="GE Inspira Pitch" pitchFamily="34" charset="0"/>
+                  <a:ea typeface="MS PGothic" panose="020B0600070205080204" pitchFamily="34" charset="-128"/>
+                </a:defRPr>
+              </a:lvl4pPr>
+              <a:lvl5pPr eaLnBrk="0" hangingPunct="0">
+                <a:defRPr sz="3200">
+                  <a:solidFill>
+                    <a:schemeClr val="tx1"/>
+                  </a:solidFill>
+                  <a:latin typeface="GE Inspira Pitch" pitchFamily="34" charset="0"/>
+                  <a:ea typeface="MS PGothic" panose="020B0600070205080204" pitchFamily="34" charset="-128"/>
+                </a:defRPr>
+              </a:lvl5pPr>
+              <a:lvl6pPr marL="457200" eaLnBrk="0" fontAlgn="base" hangingPunct="0">
+                <a:spcBef>
+                  <a:spcPct val="0"/>
+                </a:spcBef>
+                <a:spcAft>
+                  <a:spcPct val="0"/>
+                </a:spcAft>
+                <a:defRPr sz="3200">
+                  <a:solidFill>
+                    <a:schemeClr val="tx1"/>
+                  </a:solidFill>
+                  <a:latin typeface="GE Inspira Pitch" pitchFamily="34" charset="0"/>
+                  <a:ea typeface="MS PGothic" panose="020B0600070205080204" pitchFamily="34" charset="-128"/>
+                </a:defRPr>
+              </a:lvl6pPr>
+              <a:lvl7pPr marL="914400" eaLnBrk="0" fontAlgn="base" hangingPunct="0">
+                <a:spcBef>
+                  <a:spcPct val="0"/>
+                </a:spcBef>
+                <a:spcAft>
+                  <a:spcPct val="0"/>
+                </a:spcAft>
+                <a:defRPr sz="3200">
+                  <a:solidFill>
+                    <a:schemeClr val="tx1"/>
+                  </a:solidFill>
+                  <a:latin typeface="GE Inspira Pitch" pitchFamily="34" charset="0"/>
+                  <a:ea typeface="MS PGothic" panose="020B0600070205080204" pitchFamily="34" charset="-128"/>
+                </a:defRPr>
+              </a:lvl7pPr>
+              <a:lvl8pPr marL="1371600" eaLnBrk="0" fontAlgn="base" hangingPunct="0">
+                <a:spcBef>
+                  <a:spcPct val="0"/>
+                </a:spcBef>
+                <a:spcAft>
+                  <a:spcPct val="0"/>
+                </a:spcAft>
+                <a:defRPr sz="3200">
+                  <a:solidFill>
+                    <a:schemeClr val="tx1"/>
+                  </a:solidFill>
+                  <a:latin typeface="GE Inspira Pitch" pitchFamily="34" charset="0"/>
+                  <a:ea typeface="MS PGothic" panose="020B0600070205080204" pitchFamily="34" charset="-128"/>
+                </a:defRPr>
+              </a:lvl8pPr>
+              <a:lvl9pPr marL="1828800" eaLnBrk="0" fontAlgn="base" hangingPunct="0">
+                <a:spcBef>
+                  <a:spcPct val="0"/>
+                </a:spcBef>
+                <a:spcAft>
+                  <a:spcPct val="0"/>
+                </a:spcAft>
+                <a:defRPr sz="3200">
+                  <a:solidFill>
+                    <a:schemeClr val="tx1"/>
+                  </a:solidFill>
+                  <a:latin typeface="GE Inspira Pitch" pitchFamily="34" charset="0"/>
+                  <a:ea typeface="MS PGothic" panose="020B0600070205080204" pitchFamily="34" charset="-128"/>
+                </a:defRPr>
+              </a:lvl9pPr>
+            </a:lstStyle>
+            <a:p>
+              <a:pPr>
+                <a:lnSpc>
+                  <a:spcPct val="90000"/>
+                </a:lnSpc>
+                <a:spcBef>
+                  <a:spcPts val="400"/>
+                </a:spcBef>
+              </a:pPr>
+              <a:r>
+                <a:rPr lang="en-US" altLang="en-US" sz="1200">
+                  <a:solidFill>
+                    <a:srgbClr val="C7D5F4"/>
+                  </a:solidFill>
+                </a:rPr>
+                <a:t>SPECIALTY</a:t>
+              </a:r>
+              <a:br>
+                <a:rPr lang="en-US" altLang="en-US" sz="1200">
+                  <a:solidFill>
+                    <a:srgbClr val="C7D5F4"/>
+                  </a:solidFill>
+                </a:rPr>
+              </a:br>
+              <a:r>
+                <a:rPr lang="en-US" altLang="en-US" sz="1200">
+                  <a:solidFill>
+                    <a:srgbClr val="C7D5F4"/>
+                  </a:solidFill>
+                </a:rPr>
+                <a:t>PRACTICE</a:t>
+              </a:r>
+            </a:p>
+            <a:p>
+              <a:pPr>
+                <a:lnSpc>
+                  <a:spcPct val="90000"/>
+                </a:lnSpc>
+                <a:spcBef>
+                  <a:spcPts val="400"/>
+                </a:spcBef>
+                <a:buFont typeface="Arial" panose="020B0604020202020204" pitchFamily="34" charset="0"/>
+                <a:buChar char="•"/>
+              </a:pPr>
+              <a:r>
+                <a:rPr lang="en-US" altLang="en-US" sz="800">
+                  <a:solidFill>
+                    <a:srgbClr val="C7D5F4"/>
+                  </a:solidFill>
+                </a:rPr>
+                <a:t> Practice Management</a:t>
+              </a:r>
+            </a:p>
+            <a:p>
+              <a:pPr>
+                <a:lnSpc>
+                  <a:spcPct val="90000"/>
+                </a:lnSpc>
+                <a:spcBef>
+                  <a:spcPts val="400"/>
+                </a:spcBef>
+                <a:buFont typeface="Arial" panose="020B0604020202020204" pitchFamily="34" charset="0"/>
+                <a:buChar char="•"/>
+              </a:pPr>
+              <a:r>
+                <a:rPr lang="en-US" altLang="en-US" sz="800">
+                  <a:solidFill>
+                    <a:srgbClr val="C7D5F4"/>
+                  </a:solidFill>
+                </a:rPr>
+                <a:t> EMR</a:t>
+              </a:r>
+              <a:endParaRPr lang="en-US" altLang="en-US" sz="800" b="1">
+                <a:solidFill>
+                  <a:srgbClr val="C7D5F4"/>
+                </a:solidFill>
+              </a:endParaRPr>
+            </a:p>
+          </p:txBody>
+        </p:sp>
+      </p:grpSp>
+      <p:grpSp>
+        <p:nvGrpSpPr>
+          <p:cNvPr id="17" name="Group 81">
+            <a:extLst>
+              <a:ext uri="{FF2B5EF4-FFF2-40B4-BE49-F238E27FC236}">
+                <a16:creationId xmlns:a16="http://schemas.microsoft.com/office/drawing/2014/main" id="{A8DEBB6D-2215-431E-BDEB-F44B6914E30E}"/>
+              </a:ext>
+            </a:extLst>
+          </p:cNvPr>
+          <p:cNvGrpSpPr>
+            <a:grpSpLocks/>
+          </p:cNvGrpSpPr>
+          <p:nvPr/>
+        </p:nvGrpSpPr>
+        <p:grpSpPr bwMode="auto">
+          <a:xfrm>
+            <a:off x="2070100" y="1770063"/>
+            <a:ext cx="2044700" cy="1277935"/>
+            <a:chOff x="546094" y="1770058"/>
+            <a:chExt cx="2044700" cy="1277942"/>
+          </a:xfrm>
+        </p:grpSpPr>
+        <p:sp>
+          <p:nvSpPr>
+            <p:cNvPr id="95" name="AutoShape 18">
+              <a:extLst>
+                <a:ext uri="{FF2B5EF4-FFF2-40B4-BE49-F238E27FC236}">
+                  <a16:creationId xmlns:a16="http://schemas.microsoft.com/office/drawing/2014/main" id="{10746EBF-E552-4D09-ABCB-A0CEA75755D4}"/>
+                </a:ext>
+              </a:extLst>
+            </p:cNvPr>
+            <p:cNvSpPr>
+              <a:spLocks noChangeArrowheads="1"/>
+            </p:cNvSpPr>
+            <p:nvPr/>
+          </p:nvSpPr>
+          <p:spPr bwMode="auto">
+            <a:xfrm>
+              <a:off x="546094" y="1770058"/>
+              <a:ext cx="2044700" cy="644528"/>
+            </a:xfrm>
+            <a:prstGeom prst="roundRect">
+              <a:avLst>
+                <a:gd name="adj" fmla="val 7940"/>
+              </a:avLst>
+            </a:prstGeom>
+            <a:solidFill>
+              <a:schemeClr val="bg1">
+                <a:alpha val="74901"/>
+              </a:schemeClr>
+            </a:solidFill>
+            <a:ln w="15875">
+              <a:solidFill>
+                <a:srgbClr val="A9B9DF">
+                  <a:alpha val="74901"/>
+                </a:srgbClr>
+              </a:solidFill>
+              <a:round/>
+              <a:headEnd/>
+              <a:tailEnd/>
+            </a:ln>
+          </p:spPr>
+          <p:txBody>
+            <a:bodyPr wrap="none" anchor="ctr"/>
+            <a:lstStyle>
+              <a:lvl1pPr eaLnBrk="0" hangingPunct="0">
+                <a:defRPr sz="3200">
+                  <a:solidFill>
+                    <a:schemeClr val="tx1"/>
+                  </a:solidFill>
+                  <a:latin typeface="GE Inspira Pitch" pitchFamily="34" charset="0"/>
+                  <a:ea typeface="MS PGothic" panose="020B0600070205080204" pitchFamily="34" charset="-128"/>
+                </a:defRPr>
+              </a:lvl1pPr>
+              <a:lvl2pPr marL="37931725" indent="-37474525" eaLnBrk="0" hangingPunct="0">
+                <a:defRPr sz="3200">
+                  <a:solidFill>
+                    <a:schemeClr val="tx1"/>
+                  </a:solidFill>
+                  <a:latin typeface="GE Inspira Pitch" pitchFamily="34" charset="0"/>
+                  <a:ea typeface="MS PGothic" panose="020B0600070205080204" pitchFamily="34" charset="-128"/>
+                </a:defRPr>
+              </a:lvl2pPr>
+              <a:lvl3pPr eaLnBrk="0" hangingPunct="0">
+                <a:defRPr sz="3200">
+                  <a:solidFill>
+                    <a:schemeClr val="tx1"/>
+                  </a:solidFill>
+                  <a:latin typeface="GE Inspira Pitch" pitchFamily="34" charset="0"/>
+                  <a:ea typeface="MS PGothic" panose="020B0600070205080204" pitchFamily="34" charset="-128"/>
+                </a:defRPr>
+              </a:lvl3pPr>
+              <a:lvl4pPr eaLnBrk="0" hangingPunct="0">
+                <a:defRPr sz="3200">
+                  <a:solidFill>
+                    <a:schemeClr val="tx1"/>
+                  </a:solidFill>
+                  <a:latin typeface="GE Inspira Pitch" pitchFamily="34" charset="0"/>
+                  <a:ea typeface="MS PGothic" panose="020B0600070205080204" pitchFamily="34" charset="-128"/>
+                </a:defRPr>
+              </a:lvl4pPr>
+              <a:lvl5pPr eaLnBrk="0" hangingPunct="0">
+                <a:defRPr sz="3200">
+                  <a:solidFill>
+                    <a:schemeClr val="tx1"/>
+                  </a:solidFill>
+                  <a:latin typeface="GE Inspira Pitch" pitchFamily="34" charset="0"/>
+                  <a:ea typeface="MS PGothic" panose="020B0600070205080204" pitchFamily="34" charset="-128"/>
+                </a:defRPr>
+              </a:lvl5pPr>
+              <a:lvl6pPr marL="457200" eaLnBrk="0" fontAlgn="base" hangingPunct="0">
+                <a:spcBef>
+                  <a:spcPct val="0"/>
+                </a:spcBef>
+                <a:spcAft>
+                  <a:spcPct val="0"/>
+                </a:spcAft>
+                <a:defRPr sz="3200">
+                  <a:solidFill>
+                    <a:schemeClr val="tx1"/>
+                  </a:solidFill>
+                  <a:latin typeface="GE Inspira Pitch" pitchFamily="34" charset="0"/>
+                  <a:ea typeface="MS PGothic" panose="020B0600070205080204" pitchFamily="34" charset="-128"/>
+                </a:defRPr>
+              </a:lvl6pPr>
+              <a:lvl7pPr marL="914400" eaLnBrk="0" fontAlgn="base" hangingPunct="0">
+                <a:spcBef>
+                  <a:spcPct val="0"/>
+                </a:spcBef>
+                <a:spcAft>
+                  <a:spcPct val="0"/>
+                </a:spcAft>
+                <a:defRPr sz="3200">
+                  <a:solidFill>
+                    <a:schemeClr val="tx1"/>
+                  </a:solidFill>
+                  <a:latin typeface="GE Inspira Pitch" pitchFamily="34" charset="0"/>
+                  <a:ea typeface="MS PGothic" panose="020B0600070205080204" pitchFamily="34" charset="-128"/>
+                </a:defRPr>
+              </a:lvl7pPr>
+              <a:lvl8pPr marL="1371600" eaLnBrk="0" fontAlgn="base" hangingPunct="0">
+                <a:spcBef>
+                  <a:spcPct val="0"/>
+                </a:spcBef>
+                <a:spcAft>
+                  <a:spcPct val="0"/>
+                </a:spcAft>
+                <a:defRPr sz="3200">
+                  <a:solidFill>
+                    <a:schemeClr val="tx1"/>
+                  </a:solidFill>
+                  <a:latin typeface="GE Inspira Pitch" pitchFamily="34" charset="0"/>
+                  <a:ea typeface="MS PGothic" panose="020B0600070205080204" pitchFamily="34" charset="-128"/>
+                </a:defRPr>
+              </a:lvl8pPr>
+              <a:lvl9pPr marL="1828800" eaLnBrk="0" fontAlgn="base" hangingPunct="0">
+                <a:spcBef>
+                  <a:spcPct val="0"/>
+                </a:spcBef>
+                <a:spcAft>
+                  <a:spcPct val="0"/>
+                </a:spcAft>
+                <a:defRPr sz="3200">
+                  <a:solidFill>
+                    <a:schemeClr val="tx1"/>
+                  </a:solidFill>
+                  <a:latin typeface="GE Inspira Pitch" pitchFamily="34" charset="0"/>
+                  <a:ea typeface="MS PGothic" panose="020B0600070205080204" pitchFamily="34" charset="-128"/>
+                </a:defRPr>
+              </a:lvl9pPr>
+            </a:lstStyle>
+            <a:p>
+              <a:pPr>
+                <a:lnSpc>
+                  <a:spcPct val="90000"/>
+                </a:lnSpc>
+                <a:spcBef>
+                  <a:spcPts val="400"/>
+                </a:spcBef>
+              </a:pPr>
+              <a:r>
+                <a:rPr lang="en-US" altLang="en-US" sz="1200">
+                  <a:solidFill>
+                    <a:srgbClr val="C7D5F4"/>
+                  </a:solidFill>
+                </a:rPr>
+                <a:t>PRIMARY CARE PHYSICIANS</a:t>
+              </a:r>
+            </a:p>
+            <a:p>
+              <a:pPr>
+                <a:lnSpc>
+                  <a:spcPct val="90000"/>
+                </a:lnSpc>
+                <a:spcBef>
+                  <a:spcPts val="400"/>
+                </a:spcBef>
+                <a:buFont typeface="Arial" panose="020B0604020202020204" pitchFamily="34" charset="0"/>
+                <a:buChar char="•"/>
+              </a:pPr>
+              <a:r>
+                <a:rPr lang="en-US" altLang="en-US" sz="800">
+                  <a:solidFill>
+                    <a:srgbClr val="C7D5F4"/>
+                  </a:solidFill>
+                </a:rPr>
+                <a:t> Practice Management</a:t>
+              </a:r>
+            </a:p>
+            <a:p>
+              <a:pPr>
+                <a:lnSpc>
+                  <a:spcPct val="90000"/>
+                </a:lnSpc>
+                <a:spcBef>
+                  <a:spcPts val="400"/>
+                </a:spcBef>
+                <a:buFont typeface="Arial" panose="020B0604020202020204" pitchFamily="34" charset="0"/>
+                <a:buChar char="•"/>
+              </a:pPr>
+              <a:r>
+                <a:rPr lang="en-US" altLang="en-US" sz="800">
+                  <a:solidFill>
+                    <a:srgbClr val="C7D5F4"/>
+                  </a:solidFill>
+                </a:rPr>
+                <a:t> EMR</a:t>
+              </a:r>
+              <a:endParaRPr lang="en-US" altLang="en-US" sz="800" b="1">
+                <a:solidFill>
+                  <a:srgbClr val="C7D5F4"/>
+                </a:solidFill>
+              </a:endParaRPr>
+            </a:p>
+          </p:txBody>
+        </p:sp>
+        <p:grpSp>
+          <p:nvGrpSpPr>
+            <p:cNvPr id="23596" name="Group 7">
+              <a:extLst>
+                <a:ext uri="{FF2B5EF4-FFF2-40B4-BE49-F238E27FC236}">
+                  <a16:creationId xmlns:a16="http://schemas.microsoft.com/office/drawing/2014/main" id="{CED59A0E-ACFB-43D8-9DB2-FF10E3F56204}"/>
+                </a:ext>
+              </a:extLst>
+            </p:cNvPr>
+            <p:cNvGrpSpPr>
+              <a:grpSpLocks/>
+            </p:cNvGrpSpPr>
+            <p:nvPr/>
+          </p:nvGrpSpPr>
+          <p:grpSpPr bwMode="auto">
+            <a:xfrm>
+              <a:off x="711200" y="2286000"/>
+              <a:ext cx="935038" cy="762000"/>
+              <a:chOff x="0" y="0"/>
+              <a:chExt cx="589" cy="480"/>
+            </a:xfrm>
+          </p:grpSpPr>
+          <p:pic>
+            <p:nvPicPr>
+              <p:cNvPr id="23597" name="Picture 8">
+                <a:extLst>
+                  <a:ext uri="{FF2B5EF4-FFF2-40B4-BE49-F238E27FC236}">
+                    <a16:creationId xmlns:a16="http://schemas.microsoft.com/office/drawing/2014/main" id="{C18B6AB6-1AB9-4F8F-B637-01D6926BEABB}"/>
+                  </a:ext>
+                </a:extLst>
+              </p:cNvPr>
+              <p:cNvPicPr>
+                <a:picLocks noChangeAspect="1" noChangeArrowheads="1"/>
+              </p:cNvPicPr>
+              <p:nvPr/>
+            </p:nvPicPr>
+            <p:blipFill>
+              <a:blip r:embed="rId12">
+                <a:extLst>
+                  <a:ext uri="{28A0092B-C50C-407E-A947-70E740481C1C}">
+                    <a14:useLocalDpi xmlns:a14="http://schemas.microsoft.com/office/drawing/2010/main" val="0"/>
+                  </a:ext>
+                </a:extLst>
+              </a:blip>
+              <a:srcRect/>
+              <a:stretch>
+                <a:fillRect/>
+              </a:stretch>
+            </p:blipFill>
+            <p:spPr bwMode="auto">
+              <a:xfrm>
+                <a:off x="0" y="240"/>
+                <a:ext cx="589" cy="240"/>
+              </a:xfrm>
+              <a:prstGeom prst="rect">
+                <a:avLst/>
+              </a:prstGeom>
+              <a:noFill/>
+              <a:ln>
+                <a:noFill/>
+              </a:ln>
+              <a:extLst>
+                <a:ext uri="{909E8E84-426E-40DD-AFC4-6F175D3DCCD1}">
+                  <a14:hiddenFill xmlns:a14="http://schemas.microsoft.com/office/drawing/2010/main">
+                    <a:solidFill>
+                      <a:srgbClr val="FFFFFF"/>
+                    </a:solidFill>
+                  </a14:hiddenFill>
+                </a:ext>
+                <a:ext uri="{91240B29-F687-4F45-9708-019B960494DF}">
+                  <a14:hiddenLine xmlns:a14="http://schemas.microsoft.com/office/drawing/2010/main" w="9525">
+                    <a:solidFill>
+                      <a:srgbClr val="000000"/>
+                    </a:solidFill>
+                    <a:round/>
+                    <a:headEnd/>
+                    <a:tailEnd/>
+                  </a14:hiddenLine>
+                </a:ext>
+              </a:extLst>
+            </p:spPr>
+          </p:pic>
+          <p:pic>
+            <p:nvPicPr>
+              <p:cNvPr id="23598" name="Picture 9">
+                <a:extLst>
+                  <a:ext uri="{FF2B5EF4-FFF2-40B4-BE49-F238E27FC236}">
+                    <a16:creationId xmlns:a16="http://schemas.microsoft.com/office/drawing/2014/main" id="{5DFCC814-8F39-401E-B620-69482D726462}"/>
+                  </a:ext>
+                </a:extLst>
+              </p:cNvPr>
+              <p:cNvPicPr>
+                <a:picLocks noChangeAspect="1" noChangeArrowheads="1"/>
+              </p:cNvPicPr>
+              <p:nvPr/>
+            </p:nvPicPr>
+            <p:blipFill>
+              <a:blip r:embed="rId37">
+                <a:extLst>
+                  <a:ext uri="{28A0092B-C50C-407E-A947-70E740481C1C}">
+                    <a14:useLocalDpi xmlns:a14="http://schemas.microsoft.com/office/drawing/2010/main" val="0"/>
+                  </a:ext>
+                </a:extLst>
+              </a:blip>
+              <a:srcRect/>
+              <a:stretch>
+                <a:fillRect/>
+              </a:stretch>
+            </p:blipFill>
+            <p:spPr bwMode="auto">
+              <a:xfrm>
+                <a:off x="168" y="0"/>
+                <a:ext cx="344" cy="408"/>
+              </a:xfrm>
+              <a:prstGeom prst="rect">
+                <a:avLst/>
+              </a:prstGeom>
+              <a:noFill/>
+              <a:ln>
+                <a:noFill/>
+              </a:ln>
+              <a:extLst>
+                <a:ext uri="{909E8E84-426E-40DD-AFC4-6F175D3DCCD1}">
+                  <a14:hiddenFill xmlns:a14="http://schemas.microsoft.com/office/drawing/2010/main">
+                    <a:solidFill>
+                      <a:srgbClr val="FFFFFF"/>
+                    </a:solidFill>
+                  </a14:hiddenFill>
+                </a:ext>
+                <a:ext uri="{91240B29-F687-4F45-9708-019B960494DF}">
+                  <a14:hiddenLine xmlns:a14="http://schemas.microsoft.com/office/drawing/2010/main" w="9525">
+                    <a:solidFill>
+                      <a:srgbClr val="000000"/>
+                    </a:solidFill>
+                    <a:round/>
+                    <a:headEnd/>
+                    <a:tailEnd/>
+                  </a14:hiddenLine>
+                </a:ext>
+              </a:extLst>
+            </p:spPr>
+          </p:pic>
+        </p:grpSp>
+      </p:grpSp>
+      <p:grpSp>
+        <p:nvGrpSpPr>
+          <p:cNvPr id="23591" name="Group 40">
+            <a:extLst>
+              <a:ext uri="{FF2B5EF4-FFF2-40B4-BE49-F238E27FC236}">
+                <a16:creationId xmlns:a16="http://schemas.microsoft.com/office/drawing/2014/main" id="{72AD6790-4178-431F-B412-5A98ADF53162}"/>
+              </a:ext>
+            </a:extLst>
+          </p:cNvPr>
+          <p:cNvGrpSpPr>
+            <a:grpSpLocks/>
+          </p:cNvGrpSpPr>
+          <p:nvPr/>
+        </p:nvGrpSpPr>
+        <p:grpSpPr bwMode="auto">
+          <a:xfrm>
+            <a:off x="2233613" y="2844800"/>
+            <a:ext cx="1009650" cy="812801"/>
+            <a:chOff x="0" y="0"/>
+            <a:chExt cx="635" cy="512"/>
+          </a:xfrm>
+        </p:grpSpPr>
+        <p:pic>
+          <p:nvPicPr>
+            <p:cNvPr id="23593" name="Picture 41">
+              <a:extLst>
+                <a:ext uri="{FF2B5EF4-FFF2-40B4-BE49-F238E27FC236}">
+                  <a16:creationId xmlns:a16="http://schemas.microsoft.com/office/drawing/2014/main" id="{ED8DB8D6-2FFF-417B-8C03-9A32B79007D0}"/>
+                </a:ext>
+              </a:extLst>
+            </p:cNvPr>
+            <p:cNvPicPr>
+              <a:picLocks noChangeAspect="1" noChangeArrowheads="1"/>
+            </p:cNvPicPr>
+            <p:nvPr/>
+          </p:nvPicPr>
+          <p:blipFill>
+            <a:blip r:embed="rId38">
+              <a:extLst>
+                <a:ext uri="{28A0092B-C50C-407E-A947-70E740481C1C}">
+                  <a14:useLocalDpi xmlns:a14="http://schemas.microsoft.com/office/drawing/2010/main" val="0"/>
+                </a:ext>
+              </a:extLst>
+            </a:blip>
+            <a:srcRect/>
+            <a:stretch>
+              <a:fillRect/>
+            </a:stretch>
+          </p:blipFill>
+          <p:spPr bwMode="auto">
+            <a:xfrm>
+              <a:off x="0" y="207"/>
+              <a:ext cx="635" cy="305"/>
+            </a:xfrm>
+            <a:prstGeom prst="rect">
+              <a:avLst/>
+            </a:prstGeom>
+            <a:noFill/>
+            <a:ln>
+              <a:noFill/>
+            </a:ln>
+            <a:extLst>
+              <a:ext uri="{909E8E84-426E-40DD-AFC4-6F175D3DCCD1}">
+                <a14:hiddenFill xmlns:a14="http://schemas.microsoft.com/office/drawing/2010/main">
+                  <a:solidFill>
+                    <a:srgbClr val="FFFFFF"/>
+                  </a:solidFill>
+                </a14:hiddenFill>
+              </a:ext>
+              <a:ext uri="{91240B29-F687-4F45-9708-019B960494DF}">
+                <a14:hiddenLine xmlns:a14="http://schemas.microsoft.com/office/drawing/2010/main" w="9525">
+                  <a:solidFill>
+                    <a:srgbClr val="000000"/>
+                  </a:solidFill>
+                  <a:round/>
+                  <a:headEnd/>
+                  <a:tailEnd/>
+                </a14:hiddenLine>
+              </a:ext>
+            </a:extLst>
+          </p:spPr>
+        </p:pic>
+        <p:pic>
+          <p:nvPicPr>
+            <p:cNvPr id="23594" name="Picture 42">
+              <a:extLst>
+                <a:ext uri="{FF2B5EF4-FFF2-40B4-BE49-F238E27FC236}">
+                  <a16:creationId xmlns:a16="http://schemas.microsoft.com/office/drawing/2014/main" id="{405F5D99-DBF7-4A1F-8919-1075168F2FC8}"/>
+                </a:ext>
+              </a:extLst>
+            </p:cNvPr>
+            <p:cNvPicPr>
+              <a:picLocks noChangeAspect="1" noChangeArrowheads="1"/>
+            </p:cNvPicPr>
+            <p:nvPr/>
+          </p:nvPicPr>
+          <p:blipFill>
+            <a:blip r:embed="rId39">
+              <a:extLst>
+                <a:ext uri="{28A0092B-C50C-407E-A947-70E740481C1C}">
+                  <a14:useLocalDpi xmlns:a14="http://schemas.microsoft.com/office/drawing/2010/main" val="0"/>
+                </a:ext>
+              </a:extLst>
+            </a:blip>
+            <a:srcRect/>
+            <a:stretch>
+              <a:fillRect/>
+            </a:stretch>
+          </p:blipFill>
+          <p:spPr bwMode="auto">
+            <a:xfrm>
+              <a:off x="208" y="0"/>
+              <a:ext cx="336" cy="413"/>
+            </a:xfrm>
+            <a:prstGeom prst="rect">
+              <a:avLst/>
+            </a:prstGeom>
+            <a:noFill/>
+            <a:ln>
+              <a:noFill/>
+            </a:ln>
+            <a:extLst>
+              <a:ext uri="{909E8E84-426E-40DD-AFC4-6F175D3DCCD1}">
+                <a14:hiddenFill xmlns:a14="http://schemas.microsoft.com/office/drawing/2010/main">
+                  <a:solidFill>
+                    <a:srgbClr val="FFFFFF"/>
+                  </a:solidFill>
+                </a14:hiddenFill>
+              </a:ext>
+              <a:ext uri="{91240B29-F687-4F45-9708-019B960494DF}">
+                <a14:hiddenLine xmlns:a14="http://schemas.microsoft.com/office/drawing/2010/main" w="9525">
+                  <a:solidFill>
+                    <a:srgbClr val="000000"/>
+                  </a:solidFill>
+                  <a:round/>
+                  <a:headEnd/>
+                  <a:tailEnd/>
+                </a14:hiddenLine>
+              </a:ext>
+            </a:extLst>
+          </p:spPr>
+        </p:pic>
+      </p:grpSp>
+      <p:sp>
+        <p:nvSpPr>
+          <p:cNvPr id="23582" name="AutoShape 18">
+            <a:extLst>
+              <a:ext uri="{FF2B5EF4-FFF2-40B4-BE49-F238E27FC236}">
+                <a16:creationId xmlns:a16="http://schemas.microsoft.com/office/drawing/2014/main" id="{29234E30-3ACB-4E79-AF07-2EE54F8923E8}"/>
+              </a:ext>
+            </a:extLst>
+          </p:cNvPr>
+          <p:cNvSpPr>
+            <a:spLocks noChangeArrowheads="1"/>
+          </p:cNvSpPr>
+          <p:nvPr/>
+        </p:nvSpPr>
+        <p:spPr bwMode="auto">
+          <a:xfrm>
+            <a:off x="2182813" y="3203576"/>
+            <a:ext cx="609600" cy="415925"/>
+          </a:xfrm>
+          <a:prstGeom prst="roundRect">
+            <a:avLst>
+              <a:gd name="adj" fmla="val 7940"/>
+            </a:avLst>
+          </a:prstGeom>
+          <a:solidFill>
+            <a:schemeClr val="bg1">
+              <a:alpha val="74901"/>
+            </a:schemeClr>
+          </a:solidFill>
+          <a:ln w="15875">
+            <a:solidFill>
+              <a:srgbClr val="A9B9DF">
+                <a:alpha val="74901"/>
+              </a:srgbClr>
+            </a:solidFill>
+            <a:round/>
+            <a:headEnd/>
+            <a:tailEnd/>
+          </a:ln>
+        </p:spPr>
+        <p:txBody>
+          <a:bodyPr wrap="none" anchor="ctr"/>
+          <a:lstStyle>
+            <a:lvl1pPr eaLnBrk="0" hangingPunct="0">
+              <a:defRPr sz="3200">
+                <a:solidFill>
+                  <a:schemeClr val="tx1"/>
+                </a:solidFill>
+                <a:latin typeface="GE Inspira Pitch" pitchFamily="34" charset="0"/>
+                <a:ea typeface="MS PGothic" panose="020B0600070205080204" pitchFamily="34" charset="-128"/>
+              </a:defRPr>
+            </a:lvl1pPr>
+            <a:lvl2pPr marL="37931725" indent="-37474525" eaLnBrk="0" hangingPunct="0">
+              <a:defRPr sz="3200">
+                <a:solidFill>
+                  <a:schemeClr val="tx1"/>
+                </a:solidFill>
+                <a:latin typeface="GE Inspira Pitch" pitchFamily="34" charset="0"/>
+                <a:ea typeface="MS PGothic" panose="020B0600070205080204" pitchFamily="34" charset="-128"/>
+              </a:defRPr>
+            </a:lvl2pPr>
+            <a:lvl3pPr eaLnBrk="0" hangingPunct="0">
+              <a:defRPr sz="3200">
+                <a:solidFill>
+                  <a:schemeClr val="tx1"/>
+                </a:solidFill>
+                <a:latin typeface="GE Inspira Pitch" pitchFamily="34" charset="0"/>
+                <a:ea typeface="MS PGothic" panose="020B0600070205080204" pitchFamily="34" charset="-128"/>
+              </a:defRPr>
+            </a:lvl3pPr>
+            <a:lvl4pPr eaLnBrk="0" hangingPunct="0">
+              <a:defRPr sz="3200">
+                <a:solidFill>
+                  <a:schemeClr val="tx1"/>
+                </a:solidFill>
+                <a:latin typeface="GE Inspira Pitch" pitchFamily="34" charset="0"/>
+                <a:ea typeface="MS PGothic" panose="020B0600070205080204" pitchFamily="34" charset="-128"/>
+              </a:defRPr>
+            </a:lvl4pPr>
+            <a:lvl5pPr eaLnBrk="0" hangingPunct="0">
+              <a:defRPr sz="3200">
+                <a:solidFill>
+                  <a:schemeClr val="tx1"/>
+                </a:solidFill>
+                <a:latin typeface="GE Inspira Pitch" pitchFamily="34" charset="0"/>
+                <a:ea typeface="MS PGothic" panose="020B0600070205080204" pitchFamily="34" charset="-128"/>
+              </a:defRPr>
+            </a:lvl5pPr>
+            <a:lvl6pPr marL="457200" eaLnBrk="0" fontAlgn="base" hangingPunct="0">
+              <a:spcBef>
+                <a:spcPct val="0"/>
+              </a:spcBef>
+              <a:spcAft>
+                <a:spcPct val="0"/>
+              </a:spcAft>
+              <a:defRPr sz="3200">
+                <a:solidFill>
+                  <a:schemeClr val="tx1"/>
+                </a:solidFill>
+                <a:latin typeface="GE Inspira Pitch" pitchFamily="34" charset="0"/>
+                <a:ea typeface="MS PGothic" panose="020B0600070205080204" pitchFamily="34" charset="-128"/>
+              </a:defRPr>
+            </a:lvl6pPr>
+            <a:lvl7pPr marL="914400" eaLnBrk="0" fontAlgn="base" hangingPunct="0">
+              <a:spcBef>
+                <a:spcPct val="0"/>
+              </a:spcBef>
+              <a:spcAft>
+                <a:spcPct val="0"/>
+              </a:spcAft>
+              <a:defRPr sz="3200">
+                <a:solidFill>
+                  <a:schemeClr val="tx1"/>
+                </a:solidFill>
+                <a:latin typeface="GE Inspira Pitch" pitchFamily="34" charset="0"/>
+                <a:ea typeface="MS PGothic" panose="020B0600070205080204" pitchFamily="34" charset="-128"/>
+              </a:defRPr>
+            </a:lvl7pPr>
+            <a:lvl8pPr marL="1371600" eaLnBrk="0" fontAlgn="base" hangingPunct="0">
+              <a:spcBef>
+                <a:spcPct val="0"/>
+              </a:spcBef>
+              <a:spcAft>
+                <a:spcPct val="0"/>
+              </a:spcAft>
+              <a:defRPr sz="3200">
+                <a:solidFill>
+                  <a:schemeClr val="tx1"/>
+                </a:solidFill>
+                <a:latin typeface="GE Inspira Pitch" pitchFamily="34" charset="0"/>
+                <a:ea typeface="MS PGothic" panose="020B0600070205080204" pitchFamily="34" charset="-128"/>
+              </a:defRPr>
+            </a:lvl8pPr>
+            <a:lvl9pPr marL="1828800" eaLnBrk="0" fontAlgn="base" hangingPunct="0">
+              <a:spcBef>
+                <a:spcPct val="0"/>
+              </a:spcBef>
+              <a:spcAft>
+                <a:spcPct val="0"/>
+              </a:spcAft>
+              <a:defRPr sz="3200">
+                <a:solidFill>
+                  <a:schemeClr val="tx1"/>
+                </a:solidFill>
+                <a:latin typeface="GE Inspira Pitch" pitchFamily="34" charset="0"/>
+                <a:ea typeface="MS PGothic" panose="020B0600070205080204" pitchFamily="34" charset="-128"/>
+              </a:defRPr>
+            </a:lvl9pPr>
+          </a:lstStyle>
+          <a:p>
+            <a:pPr>
+              <a:lnSpc>
+                <a:spcPct val="90000"/>
+              </a:lnSpc>
+              <a:spcBef>
+                <a:spcPts val="400"/>
+              </a:spcBef>
+            </a:pPr>
+            <a:r>
+              <a:rPr lang="en-US" altLang="en-US" sz="1200">
+                <a:solidFill>
+                  <a:srgbClr val="C7D5F4"/>
+                </a:solidFill>
+              </a:rPr>
+              <a:t>LAB</a:t>
+            </a:r>
+          </a:p>
+          <a:p>
+            <a:pPr>
+              <a:lnSpc>
+                <a:spcPct val="90000"/>
+              </a:lnSpc>
+              <a:spcBef>
+                <a:spcPts val="400"/>
+              </a:spcBef>
+              <a:buFont typeface="Arial" panose="020B0604020202020204" pitchFamily="34" charset="0"/>
+              <a:buChar char="•"/>
+            </a:pPr>
+            <a:r>
+              <a:rPr lang="en-US" altLang="en-US" sz="800">
+                <a:solidFill>
+                  <a:srgbClr val="C7D5F4"/>
+                </a:solidFill>
+              </a:rPr>
+              <a:t> Results</a:t>
+            </a:r>
+            <a:endParaRPr lang="en-US" altLang="en-US" sz="800" b="1">
+              <a:solidFill>
+                <a:srgbClr val="C7D5F4"/>
+              </a:solidFill>
+            </a:endParaRPr>
+          </a:p>
+        </p:txBody>
+      </p:sp>
     </p:spTree>
-    <p:extLst>
-      <p:ext uri="{BB962C8B-B14F-4D97-AF65-F5344CB8AC3E}">
-        <p14:creationId xmlns:p14="http://schemas.microsoft.com/office/powerpoint/2010/main" val="471413948"/>
-      </p:ext>
-    </p:extLst>
   </p:cSld>
   <p:clrMapOvr>
     <a:masterClrMapping/>
   </p:clrMapOvr>
+  <p:transition/>
+  <p:timing>
+    <p:tnLst>
+      <p:par>
+        <p:cTn id="1" dur="indefinite" restart="never" nodeType="tmRoot">
+          <p:childTnLst>
+            <p:seq concurrent="1" nextAc="seek">
+              <p:cTn id="2" dur="indefinite" nodeType="mainSeq">
+                <p:childTnLst>
+                  <p:par>
+                    <p:cTn id="3" fill="hold" nodeType="clickPar">
+                      <p:stCondLst>
+                        <p:cond delay="indefinite"/>
+                      </p:stCondLst>
+                      <p:childTnLst>
+                        <p:par>
+                          <p:cTn id="4" fill="hold" nodeType="withGroup">
+                            <p:stCondLst>
+                              <p:cond delay="0"/>
+                            </p:stCondLst>
+                            <p:childTnLst>
+                              <p:par>
+                                <p:cTn id="5" presetID="10" presetClass="exit" presetSubtype="0" fill="hold" nodeType="clickEffect">
+                                  <p:stCondLst>
+                                    <p:cond delay="0"/>
+                                  </p:stCondLst>
+                                  <p:childTnLst>
+                                    <p:animEffect transition="out" filter="fade">
+                                      <p:cBhvr>
+                                        <p:cTn id="6" dur="500"/>
+                                        <p:tgtEl>
+                                          <p:spTgt spid="17"/>
+                                        </p:tgtEl>
+                                      </p:cBhvr>
+                                    </p:animEffect>
+                                    <p:set>
+                                      <p:cBhvr>
+                                        <p:cTn id="7" dur="1" fill="hold">
+                                          <p:stCondLst>
+                                            <p:cond delay="499"/>
+                                          </p:stCondLst>
+                                        </p:cTn>
+                                        <p:tgtEl>
+                                          <p:spTgt spid="17"/>
+                                        </p:tgtEl>
+                                        <p:attrNameLst>
+                                          <p:attrName>style.visibility</p:attrName>
+                                        </p:attrNameLst>
+                                      </p:cBhvr>
+                                      <p:to>
+                                        <p:strVal val="hidden"/>
+                                      </p:to>
+                                    </p:set>
+                                  </p:childTnLst>
+                                </p:cTn>
+                              </p:par>
+                            </p:childTnLst>
+                          </p:cTn>
+                        </p:par>
+                      </p:childTnLst>
+                    </p:cTn>
+                  </p:par>
+                  <p:par>
+                    <p:cTn id="8" fill="hold" nodeType="clickPar">
+                      <p:stCondLst>
+                        <p:cond delay="indefinite"/>
+                      </p:stCondLst>
+                      <p:childTnLst>
+                        <p:par>
+                          <p:cTn id="9" fill="hold" nodeType="withGroup">
+                            <p:stCondLst>
+                              <p:cond delay="0"/>
+                            </p:stCondLst>
+                            <p:childTnLst>
+                              <p:par>
+                                <p:cTn id="10" presetID="10" presetClass="entr" presetSubtype="0" fill="hold" nodeType="clickEffect">
+                                  <p:stCondLst>
+                                    <p:cond delay="0"/>
+                                  </p:stCondLst>
+                                  <p:childTnLst>
+                                    <p:set>
+                                      <p:cBhvr>
+                                        <p:cTn id="11" dur="1" fill="hold">
+                                          <p:stCondLst>
+                                            <p:cond delay="0"/>
+                                          </p:stCondLst>
+                                        </p:cTn>
+                                        <p:tgtEl>
+                                          <p:spTgt spid="5126"/>
+                                        </p:tgtEl>
+                                        <p:attrNameLst>
+                                          <p:attrName>style.visibility</p:attrName>
+                                        </p:attrNameLst>
+                                      </p:cBhvr>
+                                      <p:to>
+                                        <p:strVal val="visible"/>
+                                      </p:to>
+                                    </p:set>
+                                    <p:animEffect transition="in" filter="fade">
+                                      <p:cBhvr>
+                                        <p:cTn id="12" dur="500"/>
+                                        <p:tgtEl>
+                                          <p:spTgt spid="5126"/>
+                                        </p:tgtEl>
+                                      </p:cBhvr>
+                                    </p:animEffect>
+                                  </p:childTnLst>
+                                </p:cTn>
+                              </p:par>
+                              <p:par>
+                                <p:cTn id="13" presetID="10" presetClass="entr" presetSubtype="0" fill="hold" grpId="0" nodeType="withEffect">
+                                  <p:stCondLst>
+                                    <p:cond delay="0"/>
+                                  </p:stCondLst>
+                                  <p:childTnLst>
+                                    <p:set>
+                                      <p:cBhvr>
+                                        <p:cTn id="14" dur="1" fill="hold">
+                                          <p:stCondLst>
+                                            <p:cond delay="0"/>
+                                          </p:stCondLst>
+                                        </p:cTn>
+                                        <p:tgtEl>
+                                          <p:spTgt spid="75"/>
+                                        </p:tgtEl>
+                                        <p:attrNameLst>
+                                          <p:attrName>style.visibility</p:attrName>
+                                        </p:attrNameLst>
+                                      </p:cBhvr>
+                                      <p:to>
+                                        <p:strVal val="visible"/>
+                                      </p:to>
+                                    </p:set>
+                                    <p:animEffect transition="in" filter="fade">
+                                      <p:cBhvr>
+                                        <p:cTn id="15" dur="500"/>
+                                        <p:tgtEl>
+                                          <p:spTgt spid="75"/>
+                                        </p:tgtEl>
+                                      </p:cBhvr>
+                                    </p:animEffect>
+                                  </p:childTnLst>
+                                </p:cTn>
+                              </p:par>
+                              <p:par>
+                                <p:cTn id="16" presetID="10" presetClass="entr" presetSubtype="0" fill="hold" grpId="0" nodeType="withEffect">
+                                  <p:stCondLst>
+                                    <p:cond delay="0"/>
+                                  </p:stCondLst>
+                                  <p:childTnLst>
+                                    <p:set>
+                                      <p:cBhvr>
+                                        <p:cTn id="17" dur="1" fill="hold">
+                                          <p:stCondLst>
+                                            <p:cond delay="0"/>
+                                          </p:stCondLst>
+                                        </p:cTn>
+                                        <p:tgtEl>
+                                          <p:spTgt spid="68"/>
+                                        </p:tgtEl>
+                                        <p:attrNameLst>
+                                          <p:attrName>style.visibility</p:attrName>
+                                        </p:attrNameLst>
+                                      </p:cBhvr>
+                                      <p:to>
+                                        <p:strVal val="visible"/>
+                                      </p:to>
+                                    </p:set>
+                                    <p:animEffect transition="in" filter="fade">
+                                      <p:cBhvr>
+                                        <p:cTn id="18" dur="500"/>
+                                        <p:tgtEl>
+                                          <p:spTgt spid="68"/>
+                                        </p:tgtEl>
+                                      </p:cBhvr>
+                                    </p:animEffect>
+                                  </p:childTnLst>
+                                </p:cTn>
+                              </p:par>
+                            </p:childTnLst>
+                          </p:cTn>
+                        </p:par>
+                      </p:childTnLst>
+                    </p:cTn>
+                  </p:par>
+                  <p:par>
+                    <p:cTn id="19" fill="hold" nodeType="clickPar">
+                      <p:stCondLst>
+                        <p:cond delay="indefinite"/>
+                      </p:stCondLst>
+                      <p:childTnLst>
+                        <p:par>
+                          <p:cTn id="20" fill="hold" nodeType="withGroup">
+                            <p:stCondLst>
+                              <p:cond delay="0"/>
+                            </p:stCondLst>
+                            <p:childTnLst>
+                              <p:par>
+                                <p:cTn id="21" presetID="10" presetClass="exit" presetSubtype="0" fill="hold" nodeType="clickEffect">
+                                  <p:stCondLst>
+                                    <p:cond delay="0"/>
+                                  </p:stCondLst>
+                                  <p:childTnLst>
+                                    <p:animEffect transition="out" filter="fade">
+                                      <p:cBhvr>
+                                        <p:cTn id="22" dur="500"/>
+                                        <p:tgtEl>
+                                          <p:spTgt spid="15"/>
+                                        </p:tgtEl>
+                                      </p:cBhvr>
+                                    </p:animEffect>
+                                    <p:set>
+                                      <p:cBhvr>
+                                        <p:cTn id="23" dur="1" fill="hold">
+                                          <p:stCondLst>
+                                            <p:cond delay="499"/>
+                                          </p:stCondLst>
+                                        </p:cTn>
+                                        <p:tgtEl>
+                                          <p:spTgt spid="15"/>
+                                        </p:tgtEl>
+                                        <p:attrNameLst>
+                                          <p:attrName>style.visibility</p:attrName>
+                                        </p:attrNameLst>
+                                      </p:cBhvr>
+                                      <p:to>
+                                        <p:strVal val="hidden"/>
+                                      </p:to>
+                                    </p:set>
+                                  </p:childTnLst>
+                                </p:cTn>
+                              </p:par>
+                            </p:childTnLst>
+                          </p:cTn>
+                        </p:par>
+                      </p:childTnLst>
+                    </p:cTn>
+                  </p:par>
+                  <p:par>
+                    <p:cTn id="24" fill="hold" nodeType="clickPar">
+                      <p:stCondLst>
+                        <p:cond delay="indefinite"/>
+                      </p:stCondLst>
+                      <p:childTnLst>
+                        <p:par>
+                          <p:cTn id="25" fill="hold" nodeType="withGroup">
+                            <p:stCondLst>
+                              <p:cond delay="0"/>
+                            </p:stCondLst>
+                            <p:childTnLst>
+                              <p:par>
+                                <p:cTn id="26" presetID="10" presetClass="entr" presetSubtype="0" fill="hold" nodeType="clickEffect">
+                                  <p:stCondLst>
+                                    <p:cond delay="0"/>
+                                  </p:stCondLst>
+                                  <p:childTnLst>
+                                    <p:set>
+                                      <p:cBhvr>
+                                        <p:cTn id="27" dur="1" fill="hold">
+                                          <p:stCondLst>
+                                            <p:cond delay="0"/>
+                                          </p:stCondLst>
+                                        </p:cTn>
+                                        <p:tgtEl>
+                                          <p:spTgt spid="5125"/>
+                                        </p:tgtEl>
+                                        <p:attrNameLst>
+                                          <p:attrName>style.visibility</p:attrName>
+                                        </p:attrNameLst>
+                                      </p:cBhvr>
+                                      <p:to>
+                                        <p:strVal val="visible"/>
+                                      </p:to>
+                                    </p:set>
+                                    <p:animEffect transition="in" filter="fade">
+                                      <p:cBhvr>
+                                        <p:cTn id="28" dur="500"/>
+                                        <p:tgtEl>
+                                          <p:spTgt spid="5125"/>
+                                        </p:tgtEl>
+                                      </p:cBhvr>
+                                    </p:animEffect>
+                                  </p:childTnLst>
+                                </p:cTn>
+                              </p:par>
+                              <p:par>
+                                <p:cTn id="29" presetID="10" presetClass="entr" presetSubtype="0" fill="hold" grpId="0" nodeType="withEffect">
+                                  <p:stCondLst>
+                                    <p:cond delay="0"/>
+                                  </p:stCondLst>
+                                  <p:childTnLst>
+                                    <p:set>
+                                      <p:cBhvr>
+                                        <p:cTn id="30" dur="1" fill="hold">
+                                          <p:stCondLst>
+                                            <p:cond delay="0"/>
+                                          </p:stCondLst>
+                                        </p:cTn>
+                                        <p:tgtEl>
+                                          <p:spTgt spid="76"/>
+                                        </p:tgtEl>
+                                        <p:attrNameLst>
+                                          <p:attrName>style.visibility</p:attrName>
+                                        </p:attrNameLst>
+                                      </p:cBhvr>
+                                      <p:to>
+                                        <p:strVal val="visible"/>
+                                      </p:to>
+                                    </p:set>
+                                    <p:animEffect transition="in" filter="fade">
+                                      <p:cBhvr>
+                                        <p:cTn id="31" dur="500"/>
+                                        <p:tgtEl>
+                                          <p:spTgt spid="76"/>
+                                        </p:tgtEl>
+                                      </p:cBhvr>
+                                    </p:animEffect>
+                                  </p:childTnLst>
+                                </p:cTn>
+                              </p:par>
+                              <p:par>
+                                <p:cTn id="32" presetID="10" presetClass="entr" presetSubtype="0" fill="hold" grpId="0" nodeType="withEffect">
+                                  <p:stCondLst>
+                                    <p:cond delay="0"/>
+                                  </p:stCondLst>
+                                  <p:childTnLst>
+                                    <p:set>
+                                      <p:cBhvr>
+                                        <p:cTn id="33" dur="1" fill="hold">
+                                          <p:stCondLst>
+                                            <p:cond delay="0"/>
+                                          </p:stCondLst>
+                                        </p:cTn>
+                                        <p:tgtEl>
+                                          <p:spTgt spid="71"/>
+                                        </p:tgtEl>
+                                        <p:attrNameLst>
+                                          <p:attrName>style.visibility</p:attrName>
+                                        </p:attrNameLst>
+                                      </p:cBhvr>
+                                      <p:to>
+                                        <p:strVal val="visible"/>
+                                      </p:to>
+                                    </p:set>
+                                    <p:animEffect transition="in" filter="fade">
+                                      <p:cBhvr>
+                                        <p:cTn id="34" dur="500"/>
+                                        <p:tgtEl>
+                                          <p:spTgt spid="71"/>
+                                        </p:tgtEl>
+                                      </p:cBhvr>
+                                    </p:animEffect>
+                                  </p:childTnLst>
+                                </p:cTn>
+                              </p:par>
+                            </p:childTnLst>
+                          </p:cTn>
+                        </p:par>
+                      </p:childTnLst>
+                    </p:cTn>
+                  </p:par>
+                  <p:par>
+                    <p:cTn id="35" fill="hold" nodeType="clickPar">
+                      <p:stCondLst>
+                        <p:cond delay="indefinite"/>
+                      </p:stCondLst>
+                      <p:childTnLst>
+                        <p:par>
+                          <p:cTn id="36" fill="hold" nodeType="withGroup">
+                            <p:stCondLst>
+                              <p:cond delay="0"/>
+                            </p:stCondLst>
+                            <p:childTnLst>
+                              <p:par>
+                                <p:cTn id="37" presetID="10" presetClass="exit" presetSubtype="0" fill="hold" nodeType="clickEffect">
+                                  <p:stCondLst>
+                                    <p:cond delay="0"/>
+                                  </p:stCondLst>
+                                  <p:childTnLst>
+                                    <p:animEffect transition="out" filter="fade">
+                                      <p:cBhvr>
+                                        <p:cTn id="38" dur="500"/>
+                                        <p:tgtEl>
+                                          <p:spTgt spid="13"/>
+                                        </p:tgtEl>
+                                      </p:cBhvr>
+                                    </p:animEffect>
+                                    <p:set>
+                                      <p:cBhvr>
+                                        <p:cTn id="39" dur="1" fill="hold">
+                                          <p:stCondLst>
+                                            <p:cond delay="499"/>
+                                          </p:stCondLst>
+                                        </p:cTn>
+                                        <p:tgtEl>
+                                          <p:spTgt spid="13"/>
+                                        </p:tgtEl>
+                                        <p:attrNameLst>
+                                          <p:attrName>style.visibility</p:attrName>
+                                        </p:attrNameLst>
+                                      </p:cBhvr>
+                                      <p:to>
+                                        <p:strVal val="hidden"/>
+                                      </p:to>
+                                    </p:set>
+                                  </p:childTnLst>
+                                </p:cTn>
+                              </p:par>
+                            </p:childTnLst>
+                          </p:cTn>
+                        </p:par>
+                      </p:childTnLst>
+                    </p:cTn>
+                  </p:par>
+                  <p:par>
+                    <p:cTn id="40" fill="hold" nodeType="clickPar">
+                      <p:stCondLst>
+                        <p:cond delay="indefinite"/>
+                      </p:stCondLst>
+                      <p:childTnLst>
+                        <p:par>
+                          <p:cTn id="41" fill="hold" nodeType="withGroup">
+                            <p:stCondLst>
+                              <p:cond delay="0"/>
+                            </p:stCondLst>
+                            <p:childTnLst>
+                              <p:par>
+                                <p:cTn id="42" presetID="10" presetClass="entr" presetSubtype="0" fill="hold" nodeType="clickEffect">
+                                  <p:stCondLst>
+                                    <p:cond delay="0"/>
+                                  </p:stCondLst>
+                                  <p:childTnLst>
+                                    <p:set>
+                                      <p:cBhvr>
+                                        <p:cTn id="43" dur="1" fill="hold">
+                                          <p:stCondLst>
+                                            <p:cond delay="0"/>
+                                          </p:stCondLst>
+                                        </p:cTn>
+                                        <p:tgtEl>
+                                          <p:spTgt spid="5127"/>
+                                        </p:tgtEl>
+                                        <p:attrNameLst>
+                                          <p:attrName>style.visibility</p:attrName>
+                                        </p:attrNameLst>
+                                      </p:cBhvr>
+                                      <p:to>
+                                        <p:strVal val="visible"/>
+                                      </p:to>
+                                    </p:set>
+                                    <p:animEffect transition="in" filter="fade">
+                                      <p:cBhvr>
+                                        <p:cTn id="44" dur="500"/>
+                                        <p:tgtEl>
+                                          <p:spTgt spid="5127"/>
+                                        </p:tgtEl>
+                                      </p:cBhvr>
+                                    </p:animEffect>
+                                  </p:childTnLst>
+                                </p:cTn>
+                              </p:par>
+                              <p:par>
+                                <p:cTn id="45" presetID="10" presetClass="entr" presetSubtype="0" fill="hold" grpId="0" nodeType="withEffect">
+                                  <p:stCondLst>
+                                    <p:cond delay="0"/>
+                                  </p:stCondLst>
+                                  <p:childTnLst>
+                                    <p:set>
+                                      <p:cBhvr>
+                                        <p:cTn id="46" dur="1" fill="hold">
+                                          <p:stCondLst>
+                                            <p:cond delay="0"/>
+                                          </p:stCondLst>
+                                        </p:cTn>
+                                        <p:tgtEl>
+                                          <p:spTgt spid="77"/>
+                                        </p:tgtEl>
+                                        <p:attrNameLst>
+                                          <p:attrName>style.visibility</p:attrName>
+                                        </p:attrNameLst>
+                                      </p:cBhvr>
+                                      <p:to>
+                                        <p:strVal val="visible"/>
+                                      </p:to>
+                                    </p:set>
+                                    <p:animEffect transition="in" filter="fade">
+                                      <p:cBhvr>
+                                        <p:cTn id="47" dur="500"/>
+                                        <p:tgtEl>
+                                          <p:spTgt spid="77"/>
+                                        </p:tgtEl>
+                                      </p:cBhvr>
+                                    </p:animEffect>
+                                  </p:childTnLst>
+                                </p:cTn>
+                              </p:par>
+                              <p:par>
+                                <p:cTn id="48" presetID="10" presetClass="entr" presetSubtype="0" fill="hold" nodeType="withEffect">
+                                  <p:stCondLst>
+                                    <p:cond delay="0"/>
+                                  </p:stCondLst>
+                                  <p:childTnLst>
+                                    <p:set>
+                                      <p:cBhvr>
+                                        <p:cTn id="49" dur="1" fill="hold">
+                                          <p:stCondLst>
+                                            <p:cond delay="0"/>
+                                          </p:stCondLst>
+                                        </p:cTn>
+                                        <p:tgtEl>
+                                          <p:spTgt spid="72"/>
+                                        </p:tgtEl>
+                                        <p:attrNameLst>
+                                          <p:attrName>style.visibility</p:attrName>
+                                        </p:attrNameLst>
+                                      </p:cBhvr>
+                                      <p:to>
+                                        <p:strVal val="visible"/>
+                                      </p:to>
+                                    </p:set>
+                                    <p:animEffect transition="in" filter="fade">
+                                      <p:cBhvr>
+                                        <p:cTn id="50" dur="500"/>
+                                        <p:tgtEl>
+                                          <p:spTgt spid="72"/>
+                                        </p:tgtEl>
+                                      </p:cBhvr>
+                                    </p:animEffect>
+                                  </p:childTnLst>
+                                </p:cTn>
+                              </p:par>
+                            </p:childTnLst>
+                          </p:cTn>
+                        </p:par>
+                      </p:childTnLst>
+                    </p:cTn>
+                  </p:par>
+                </p:childTnLst>
+              </p:cTn>
+              <p:prevCondLst>
+                <p:cond evt="onPrev" delay="0">
+                  <p:tgtEl>
+                    <p:sldTgt/>
+                  </p:tgtEl>
+                </p:cond>
+              </p:prevCondLst>
+              <p:nextCondLst>
+                <p:cond evt="onNext" delay="0">
+                  <p:tgtEl>
+                    <p:sldTgt/>
+                  </p:tgtEl>
+                </p:cond>
+              </p:nextCondLst>
+            </p:seq>
+          </p:childTnLst>
+        </p:cTn>
+      </p:par>
+    </p:tnLst>
+    <p:bldLst>
+      <p:bldP spid="68" grpId="0" animBg="1"/>
+      <p:bldP spid="71" grpId="0" animBg="1"/>
+      <p:bldP spid="75" grpId="0" animBg="1"/>
+      <p:bldP spid="76" grpId="0" animBg="1"/>
+      <p:bldP spid="77" grpId="0" animBg="1"/>
+    </p:bldLst>
+  </p:timing>
 </p:sld>
 </file>
 

--- a/images/PatientManager.pptx
+++ b/images/PatientManager.pptx
@@ -3969,227 +3969,6 @@
       </p:cxnSp>
       <p:sp>
         <p:nvSpPr>
-          <p:cNvPr id="24" name="TextBox 23">
-            <a:extLst>
-              <a:ext uri="{FF2B5EF4-FFF2-40B4-BE49-F238E27FC236}">
-                <a16:creationId xmlns:a16="http://schemas.microsoft.com/office/drawing/2014/main" id="{97BA9DB7-DEDA-4932-8618-FC47D5B1B97E}"/>
-              </a:ext>
-            </a:extLst>
-          </p:cNvPr>
-          <p:cNvSpPr txBox="1"/>
-          <p:nvPr/>
-        </p:nvSpPr>
-        <p:spPr>
-          <a:xfrm>
-            <a:off x="6687773" y="3181405"/>
-            <a:ext cx="2099589" cy="523220"/>
-          </a:xfrm>
-          <a:prstGeom prst="rect">
-            <a:avLst/>
-          </a:prstGeom>
-          <a:solidFill>
-            <a:schemeClr val="accent1">
-              <a:alpha val="50000"/>
-            </a:schemeClr>
-          </a:solidFill>
-          <a:ln>
-            <a:noFill/>
-          </a:ln>
-        </p:spPr>
-        <p:style>
-          <a:lnRef idx="0">
-            <a:scrgbClr r="0" g="0" b="0"/>
-          </a:lnRef>
-          <a:fillRef idx="0">
-            <a:scrgbClr r="0" g="0" b="0"/>
-          </a:fillRef>
-          <a:effectRef idx="0">
-            <a:scrgbClr r="0" g="0" b="0"/>
-          </a:effectRef>
-          <a:fontRef idx="minor">
-            <a:schemeClr val="lt1"/>
-          </a:fontRef>
-        </p:style>
-        <p:txBody>
-          <a:bodyPr wrap="square" rtlCol="0">
-            <a:spAutoFit/>
-          </a:bodyPr>
-          <a:lstStyle/>
-          <a:p>
-            <a:pPr algn="ctr"/>
-            <a:r>
-              <a:rPr lang="en-US" sz="1400" b="1" dirty="0">
-                <a:solidFill>
-                  <a:schemeClr val="tx1"/>
-                </a:solidFill>
-              </a:rPr>
-              <a:t>Feed updates to 3562A </a:t>
-            </a:r>
-          </a:p>
-          <a:p>
-            <a:pPr algn="ctr"/>
-            <a:r>
-              <a:rPr lang="en-US" sz="1400" b="1" dirty="0">
-                <a:solidFill>
-                  <a:schemeClr val="tx1"/>
-                </a:solidFill>
-              </a:rPr>
-              <a:t>Gary Collins</a:t>
-            </a:r>
-            <a:endParaRPr lang="en-US" sz="1400" b="1" i="1" dirty="0">
-              <a:solidFill>
-                <a:schemeClr val="tx1"/>
-              </a:solidFill>
-            </a:endParaRPr>
-          </a:p>
-        </p:txBody>
-      </p:sp>
-      <p:sp>
-        <p:nvSpPr>
-          <p:cNvPr id="25" name="TextBox 24">
-            <a:extLst>
-              <a:ext uri="{FF2B5EF4-FFF2-40B4-BE49-F238E27FC236}">
-                <a16:creationId xmlns:a16="http://schemas.microsoft.com/office/drawing/2014/main" id="{D25E81B9-B6D9-4088-8C68-ABE40CE23FD2}"/>
-              </a:ext>
-            </a:extLst>
-          </p:cNvPr>
-          <p:cNvSpPr txBox="1"/>
-          <p:nvPr/>
-        </p:nvSpPr>
-        <p:spPr>
-          <a:xfrm>
-            <a:off x="1025916" y="3165398"/>
-            <a:ext cx="2575601" cy="523220"/>
-          </a:xfrm>
-          <a:prstGeom prst="rect">
-            <a:avLst/>
-          </a:prstGeom>
-          <a:solidFill>
-            <a:schemeClr val="accent1">
-              <a:alpha val="50000"/>
-            </a:schemeClr>
-          </a:solidFill>
-          <a:ln>
-            <a:noFill/>
-          </a:ln>
-        </p:spPr>
-        <p:style>
-          <a:lnRef idx="0">
-            <a:scrgbClr r="0" g="0" b="0"/>
-          </a:lnRef>
-          <a:fillRef idx="0">
-            <a:scrgbClr r="0" g="0" b="0"/>
-          </a:fillRef>
-          <a:effectRef idx="0">
-            <a:scrgbClr r="0" g="0" b="0"/>
-          </a:effectRef>
-          <a:fontRef idx="minor">
-            <a:schemeClr val="lt1"/>
-          </a:fontRef>
-        </p:style>
-        <p:txBody>
-          <a:bodyPr wrap="square" rtlCol="0">
-            <a:spAutoFit/>
-          </a:bodyPr>
-          <a:lstStyle/>
-          <a:p>
-            <a:pPr algn="ctr"/>
-            <a:r>
-              <a:rPr lang="en-US" sz="1400" b="1" dirty="0">
-                <a:solidFill>
-                  <a:schemeClr val="tx1"/>
-                </a:solidFill>
-              </a:rPr>
-              <a:t>Feed updates to 0320 </a:t>
-            </a:r>
-          </a:p>
-          <a:p>
-            <a:pPr algn="ctr"/>
-            <a:r>
-              <a:rPr lang="en-US" sz="1400" b="1" dirty="0">
-                <a:solidFill>
-                  <a:schemeClr val="tx1"/>
-                </a:solidFill>
-              </a:rPr>
-              <a:t>Gary Collins</a:t>
-            </a:r>
-          </a:p>
-        </p:txBody>
-      </p:sp>
-      <p:sp>
-        <p:nvSpPr>
-          <p:cNvPr id="34" name="TextBox 33">
-            <a:extLst>
-              <a:ext uri="{FF2B5EF4-FFF2-40B4-BE49-F238E27FC236}">
-                <a16:creationId xmlns:a16="http://schemas.microsoft.com/office/drawing/2014/main" id="{A28C6198-73FD-4A35-BFC1-6A4EC78CBAA3}"/>
-              </a:ext>
-            </a:extLst>
-          </p:cNvPr>
-          <p:cNvSpPr txBox="1"/>
-          <p:nvPr/>
-        </p:nvSpPr>
-        <p:spPr>
-          <a:xfrm>
-            <a:off x="3902688" y="3178307"/>
-            <a:ext cx="2575601" cy="523220"/>
-          </a:xfrm>
-          <a:prstGeom prst="rect">
-            <a:avLst/>
-          </a:prstGeom>
-          <a:solidFill>
-            <a:schemeClr val="accent1">
-              <a:alpha val="50000"/>
-            </a:schemeClr>
-          </a:solidFill>
-          <a:ln>
-            <a:noFill/>
-          </a:ln>
-        </p:spPr>
-        <p:style>
-          <a:lnRef idx="0">
-            <a:scrgbClr r="0" g="0" b="0"/>
-          </a:lnRef>
-          <a:fillRef idx="0">
-            <a:scrgbClr r="0" g="0" b="0"/>
-          </a:fillRef>
-          <a:effectRef idx="0">
-            <a:scrgbClr r="0" g="0" b="0"/>
-          </a:effectRef>
-          <a:fontRef idx="minor">
-            <a:schemeClr val="lt1"/>
-          </a:fontRef>
-        </p:style>
-        <p:txBody>
-          <a:bodyPr wrap="square" rtlCol="0">
-            <a:spAutoFit/>
-          </a:bodyPr>
-          <a:lstStyle/>
-          <a:p>
-            <a:pPr algn="ctr"/>
-            <a:r>
-              <a:rPr lang="en-US" sz="1400" b="1" dirty="0">
-                <a:solidFill>
-                  <a:schemeClr val="tx1"/>
-                </a:solidFill>
-              </a:rPr>
-              <a:t>Feed updates to 333 </a:t>
-            </a:r>
-          </a:p>
-          <a:p>
-            <a:pPr algn="ctr"/>
-            <a:r>
-              <a:rPr lang="en-US" sz="1400" b="1" dirty="0">
-                <a:solidFill>
-                  <a:schemeClr val="tx1"/>
-                </a:solidFill>
-              </a:rPr>
-              <a:t>Gary Collin</a:t>
-            </a:r>
-          </a:p>
-        </p:txBody>
-      </p:sp>
-      <p:sp>
-        <p:nvSpPr>
           <p:cNvPr id="26" name="Rectangle: Folded Corner 25">
             <a:extLst>
               <a:ext uri="{FF2B5EF4-FFF2-40B4-BE49-F238E27FC236}">
@@ -4472,6 +4251,227 @@
           </a:fontRef>
         </p:style>
       </p:cxnSp>
+      <p:sp>
+        <p:nvSpPr>
+          <p:cNvPr id="24" name="TextBox 23">
+            <a:extLst>
+              <a:ext uri="{FF2B5EF4-FFF2-40B4-BE49-F238E27FC236}">
+                <a16:creationId xmlns:a16="http://schemas.microsoft.com/office/drawing/2014/main" id="{97BA9DB7-DEDA-4932-8618-FC47D5B1B97E}"/>
+              </a:ext>
+            </a:extLst>
+          </p:cNvPr>
+          <p:cNvSpPr txBox="1"/>
+          <p:nvPr/>
+        </p:nvSpPr>
+        <p:spPr>
+          <a:xfrm>
+            <a:off x="6687773" y="3181405"/>
+            <a:ext cx="2099589" cy="523220"/>
+          </a:xfrm>
+          <a:prstGeom prst="rect">
+            <a:avLst/>
+          </a:prstGeom>
+          <a:solidFill>
+            <a:schemeClr val="accent1">
+              <a:alpha val="93000"/>
+            </a:schemeClr>
+          </a:solidFill>
+          <a:ln>
+            <a:noFill/>
+          </a:ln>
+        </p:spPr>
+        <p:style>
+          <a:lnRef idx="0">
+            <a:scrgbClr r="0" g="0" b="0"/>
+          </a:lnRef>
+          <a:fillRef idx="0">
+            <a:scrgbClr r="0" g="0" b="0"/>
+          </a:fillRef>
+          <a:effectRef idx="0">
+            <a:scrgbClr r="0" g="0" b="0"/>
+          </a:effectRef>
+          <a:fontRef idx="minor">
+            <a:schemeClr val="lt1"/>
+          </a:fontRef>
+        </p:style>
+        <p:txBody>
+          <a:bodyPr wrap="square" rtlCol="0">
+            <a:spAutoFit/>
+          </a:bodyPr>
+          <a:lstStyle/>
+          <a:p>
+            <a:pPr algn="ctr"/>
+            <a:r>
+              <a:rPr lang="en-US" sz="1400" b="1" dirty="0">
+                <a:solidFill>
+                  <a:schemeClr val="tx1"/>
+                </a:solidFill>
+              </a:rPr>
+              <a:t>Feed updates to 3562A </a:t>
+            </a:r>
+          </a:p>
+          <a:p>
+            <a:pPr algn="ctr"/>
+            <a:r>
+              <a:rPr lang="en-US" sz="1400" b="1" dirty="0">
+                <a:solidFill>
+                  <a:schemeClr val="tx1"/>
+                </a:solidFill>
+              </a:rPr>
+              <a:t>Gary Collins</a:t>
+            </a:r>
+            <a:endParaRPr lang="en-US" sz="1400" b="1" i="1" dirty="0">
+              <a:solidFill>
+                <a:schemeClr val="tx1"/>
+              </a:solidFill>
+            </a:endParaRPr>
+          </a:p>
+        </p:txBody>
+      </p:sp>
+      <p:sp>
+        <p:nvSpPr>
+          <p:cNvPr id="25" name="TextBox 24">
+            <a:extLst>
+              <a:ext uri="{FF2B5EF4-FFF2-40B4-BE49-F238E27FC236}">
+                <a16:creationId xmlns:a16="http://schemas.microsoft.com/office/drawing/2014/main" id="{D25E81B9-B6D9-4088-8C68-ABE40CE23FD2}"/>
+              </a:ext>
+            </a:extLst>
+          </p:cNvPr>
+          <p:cNvSpPr txBox="1"/>
+          <p:nvPr/>
+        </p:nvSpPr>
+        <p:spPr>
+          <a:xfrm>
+            <a:off x="1025916" y="3165398"/>
+            <a:ext cx="2575601" cy="523220"/>
+          </a:xfrm>
+          <a:prstGeom prst="rect">
+            <a:avLst/>
+          </a:prstGeom>
+          <a:solidFill>
+            <a:schemeClr val="accent1">
+              <a:alpha val="93000"/>
+            </a:schemeClr>
+          </a:solidFill>
+          <a:ln>
+            <a:noFill/>
+          </a:ln>
+        </p:spPr>
+        <p:style>
+          <a:lnRef idx="0">
+            <a:scrgbClr r="0" g="0" b="0"/>
+          </a:lnRef>
+          <a:fillRef idx="0">
+            <a:scrgbClr r="0" g="0" b="0"/>
+          </a:fillRef>
+          <a:effectRef idx="0">
+            <a:scrgbClr r="0" g="0" b="0"/>
+          </a:effectRef>
+          <a:fontRef idx="minor">
+            <a:schemeClr val="lt1"/>
+          </a:fontRef>
+        </p:style>
+        <p:txBody>
+          <a:bodyPr wrap="square" rtlCol="0">
+            <a:spAutoFit/>
+          </a:bodyPr>
+          <a:lstStyle/>
+          <a:p>
+            <a:pPr algn="ctr"/>
+            <a:r>
+              <a:rPr lang="en-US" sz="1400" b="1" dirty="0">
+                <a:solidFill>
+                  <a:schemeClr val="tx1"/>
+                </a:solidFill>
+              </a:rPr>
+              <a:t>Feed updates to 0320 </a:t>
+            </a:r>
+          </a:p>
+          <a:p>
+            <a:pPr algn="ctr"/>
+            <a:r>
+              <a:rPr lang="en-US" sz="1400" b="1" dirty="0">
+                <a:solidFill>
+                  <a:schemeClr val="tx1"/>
+                </a:solidFill>
+              </a:rPr>
+              <a:t>Gary Collins</a:t>
+            </a:r>
+          </a:p>
+        </p:txBody>
+      </p:sp>
+      <p:sp>
+        <p:nvSpPr>
+          <p:cNvPr id="34" name="TextBox 33">
+            <a:extLst>
+              <a:ext uri="{FF2B5EF4-FFF2-40B4-BE49-F238E27FC236}">
+                <a16:creationId xmlns:a16="http://schemas.microsoft.com/office/drawing/2014/main" id="{A28C6198-73FD-4A35-BFC1-6A4EC78CBAA3}"/>
+              </a:ext>
+            </a:extLst>
+          </p:cNvPr>
+          <p:cNvSpPr txBox="1"/>
+          <p:nvPr/>
+        </p:nvSpPr>
+        <p:spPr>
+          <a:xfrm>
+            <a:off x="3902688" y="3178307"/>
+            <a:ext cx="2575601" cy="523220"/>
+          </a:xfrm>
+          <a:prstGeom prst="rect">
+            <a:avLst/>
+          </a:prstGeom>
+          <a:solidFill>
+            <a:schemeClr val="accent1">
+              <a:alpha val="93000"/>
+            </a:schemeClr>
+          </a:solidFill>
+          <a:ln>
+            <a:noFill/>
+          </a:ln>
+        </p:spPr>
+        <p:style>
+          <a:lnRef idx="0">
+            <a:scrgbClr r="0" g="0" b="0"/>
+          </a:lnRef>
+          <a:fillRef idx="0">
+            <a:scrgbClr r="0" g="0" b="0"/>
+          </a:fillRef>
+          <a:effectRef idx="0">
+            <a:scrgbClr r="0" g="0" b="0"/>
+          </a:effectRef>
+          <a:fontRef idx="minor">
+            <a:schemeClr val="lt1"/>
+          </a:fontRef>
+        </p:style>
+        <p:txBody>
+          <a:bodyPr wrap="square" rtlCol="0">
+            <a:spAutoFit/>
+          </a:bodyPr>
+          <a:lstStyle/>
+          <a:p>
+            <a:pPr algn="ctr"/>
+            <a:r>
+              <a:rPr lang="en-US" sz="1400" b="1" dirty="0">
+                <a:solidFill>
+                  <a:schemeClr val="tx1"/>
+                </a:solidFill>
+              </a:rPr>
+              <a:t>Feed updates to 333 </a:t>
+            </a:r>
+          </a:p>
+          <a:p>
+            <a:pPr algn="ctr"/>
+            <a:r>
+              <a:rPr lang="en-US" sz="1400" b="1" dirty="0">
+                <a:solidFill>
+                  <a:schemeClr val="tx1"/>
+                </a:solidFill>
+              </a:rPr>
+              <a:t>Gary Collin</a:t>
+            </a:r>
+          </a:p>
+        </p:txBody>
+      </p:sp>
     </p:spTree>
     <p:extLst>
       <p:ext uri="{BB962C8B-B14F-4D97-AF65-F5344CB8AC3E}">
